--- a/slidedeck.pptx
+++ b/slidedeck.pptx
@@ -8,8 +8,38 @@
     <p:sldId id="256" r:id="rId2"/>
     <p:sldId id="257" r:id="rId3"/>
     <p:sldId id="258" r:id="rId4"/>
-    <p:sldId id="259" r:id="rId5"/>
-    <p:sldId id="260" r:id="rId6"/>
+    <p:sldId id="261" r:id="rId5"/>
+    <p:sldId id="262" r:id="rId6"/>
+    <p:sldId id="263" r:id="rId7"/>
+    <p:sldId id="264" r:id="rId8"/>
+    <p:sldId id="265" r:id="rId9"/>
+    <p:sldId id="266" r:id="rId10"/>
+    <p:sldId id="267" r:id="rId11"/>
+    <p:sldId id="268" r:id="rId12"/>
+    <p:sldId id="269" r:id="rId13"/>
+    <p:sldId id="270" r:id="rId14"/>
+    <p:sldId id="271" r:id="rId15"/>
+    <p:sldId id="272" r:id="rId16"/>
+    <p:sldId id="273" r:id="rId17"/>
+    <p:sldId id="274" r:id="rId18"/>
+    <p:sldId id="275" r:id="rId19"/>
+    <p:sldId id="276" r:id="rId20"/>
+    <p:sldId id="277" r:id="rId21"/>
+    <p:sldId id="278" r:id="rId22"/>
+    <p:sldId id="279" r:id="rId23"/>
+    <p:sldId id="280" r:id="rId24"/>
+    <p:sldId id="281" r:id="rId25"/>
+    <p:sldId id="282" r:id="rId26"/>
+    <p:sldId id="283" r:id="rId27"/>
+    <p:sldId id="284" r:id="rId28"/>
+    <p:sldId id="285" r:id="rId29"/>
+    <p:sldId id="286" r:id="rId30"/>
+    <p:sldId id="287" r:id="rId31"/>
+    <p:sldId id="288" r:id="rId32"/>
+    <p:sldId id="289" r:id="rId33"/>
+    <p:sldId id="290" r:id="rId34"/>
+    <p:sldId id="259" r:id="rId35"/>
+    <p:sldId id="260" r:id="rId36"/>
   </p:sldIdLst>
   <p:sldSz cx="12192000" cy="6858000"/>
   <p:notesSz cx="6858000" cy="9144000"/>
@@ -108,6 +138,11 @@
       </a:defRPr>
     </a:lvl9pPr>
   </p:defaultTextStyle>
+  <p:extLst>
+    <p:ext uri="{EFAFB233-063F-42B5-8137-9DF3F51BA10A}">
+      <p15:sldGuideLst xmlns:p15="http://schemas.microsoft.com/office/powerpoint/2012/main"/>
+    </p:ext>
+  </p:extLst>
 </p:presentation>
 </file>
 
@@ -862,7 +897,7 @@
 <dgm:dataModel xmlns:dgm="http://schemas.openxmlformats.org/drawingml/2006/diagram" xmlns:a="http://schemas.openxmlformats.org/drawingml/2006/main">
   <dgm:ptLst>
     <dgm:pt modelId="{FC671F39-8DC6-40F2-B88A-8080B3227CA1}" type="doc">
-      <dgm:prSet loTypeId="urn:microsoft.com/office/officeart/2005/8/layout/vList2" loCatId="list" qsTypeId="urn:microsoft.com/office/officeart/2005/8/quickstyle/simple1" qsCatId="simple" csTypeId="urn:microsoft.com/office/officeart/2005/8/colors/accent1_2" csCatId="accent1"/>
+      <dgm:prSet loTypeId="urn:microsoft.com/office/officeart/2005/8/layout/vList2" loCatId="list" qsTypeId="urn:microsoft.com/office/officeart/2005/8/quickstyle/simple1" qsCatId="simple" csTypeId="urn:microsoft.com/office/officeart/2005/8/colors/accent1_2" csCatId="accent1" phldr="1"/>
       <dgm:spPr/>
       <dgm:t>
         <a:bodyPr/>
@@ -1024,8 +1059,8 @@
         <a:lstStyle/>
         <a:p>
           <a:r>
-            <a:rPr lang="en-US"/>
-            <a:t>Now a Graduate Student @ RIT/WGU</a:t>
+            <a:rPr lang="en-US" dirty="0"/>
+            <a:t>Now a Graduate Student @ RIT &amp; WGU</a:t>
           </a:r>
         </a:p>
       </dgm:t>
@@ -1771,8 +1806,8 @@
             <a:buNone/>
           </a:pPr>
           <a:r>
-            <a:rPr lang="en-US" sz="1500" kern="1200"/>
-            <a:t>Now a Graduate Student @ RIT/WGU</a:t>
+            <a:rPr lang="en-US" sz="1500" kern="1200" dirty="0"/>
+            <a:t>Now a Graduate Student @ RIT &amp; WGU</a:t>
           </a:r>
         </a:p>
       </dsp:txBody>
@@ -6762,32 +6797,32 @@
         </p:spPr>
         <p:txBody>
           <a:bodyPr anchor="ctr">
-            <a:normAutofit/>
+            <a:normAutofit fontScale="77500" lnSpcReduction="20000"/>
           </a:bodyPr>
           <a:lstStyle/>
           <a:p>
             <a:pPr algn="l"/>
-            <a:endParaRPr lang="en-US" sz="1800"/>
+            <a:endParaRPr lang="en-US" sz="1800" dirty="0"/>
           </a:p>
           <a:p>
             <a:pPr algn="l"/>
             <a:r>
-              <a:rPr lang="en-US" sz="1800"/>
+              <a:rPr lang="en-US" sz="4200" dirty="0"/>
               <a:t>OWASP Omaha</a:t>
             </a:r>
             <a:br>
-              <a:rPr lang="en-US" sz="1800"/>
+              <a:rPr lang="en-US" sz="4200" dirty="0"/>
             </a:br>
             <a:r>
-              <a:rPr lang="en-US" sz="1800"/>
+              <a:rPr lang="en-US" sz="4200" dirty="0"/>
               <a:t>2</a:t>
             </a:r>
             <a:r>
-              <a:rPr lang="en-US" sz="1800" baseline="30000"/>
+              <a:rPr lang="en-US" sz="4200" baseline="30000" dirty="0"/>
               <a:t>ND</a:t>
             </a:r>
             <a:r>
-              <a:rPr lang="en-US" sz="1800"/>
+              <a:rPr lang="en-US" sz="4200" dirty="0"/>
               <a:t> QTR 2021</a:t>
             </a:r>
           </a:p>
@@ -6970,6 +7005,1653 @@
     <p:extLst>
       <p:ext uri="{BB962C8B-B14F-4D97-AF65-F5344CB8AC3E}">
         <p14:creationId xmlns:p14="http://schemas.microsoft.com/office/powerpoint/2010/main" val="1670165043"/>
+      </p:ext>
+    </p:extLst>
+  </p:cSld>
+  <p:clrMapOvr>
+    <a:masterClrMapping/>
+  </p:clrMapOvr>
+</p:sld>
+</file>
+
+<file path=ppt/slides/slide10.xml><?xml version="1.0" encoding="utf-8"?>
+<p:sld xmlns:a="http://schemas.openxmlformats.org/drawingml/2006/main" xmlns:r="http://schemas.openxmlformats.org/officeDocument/2006/relationships" xmlns:p="http://schemas.openxmlformats.org/presentationml/2006/main">
+  <p:cSld>
+    <p:spTree>
+      <p:nvGrpSpPr>
+        <p:cNvPr id="1" name=""/>
+        <p:cNvGrpSpPr/>
+        <p:nvPr/>
+      </p:nvGrpSpPr>
+      <p:grpSpPr>
+        <a:xfrm>
+          <a:off x="0" y="0"/>
+          <a:ext cx="0" cy="0"/>
+          <a:chOff x="0" y="0"/>
+          <a:chExt cx="0" cy="0"/>
+        </a:xfrm>
+      </p:grpSpPr>
+      <p:sp>
+        <p:nvSpPr>
+          <p:cNvPr id="2" name="Title 1">
+            <a:extLst>
+              <a:ext uri="{FF2B5EF4-FFF2-40B4-BE49-F238E27FC236}">
+                <a16:creationId xmlns:a16="http://schemas.microsoft.com/office/drawing/2014/main" id="{3C3D102C-2110-4109-9EEC-E1C846D030EF}"/>
+              </a:ext>
+            </a:extLst>
+          </p:cNvPr>
+          <p:cNvSpPr>
+            <a:spLocks noGrp="1"/>
+          </p:cNvSpPr>
+          <p:nvPr>
+            <p:ph type="title"/>
+          </p:nvPr>
+        </p:nvSpPr>
+        <p:spPr/>
+        <p:txBody>
+          <a:bodyPr/>
+          <a:lstStyle/>
+          <a:p>
+            <a:r>
+              <a:rPr lang="en-US" dirty="0"/>
+              <a:t>A3:2017 – Sensitive Data Exposure</a:t>
+            </a:r>
+          </a:p>
+        </p:txBody>
+      </p:sp>
+      <p:sp>
+        <p:nvSpPr>
+          <p:cNvPr id="3" name="Content Placeholder 2">
+            <a:extLst>
+              <a:ext uri="{FF2B5EF4-FFF2-40B4-BE49-F238E27FC236}">
+                <a16:creationId xmlns:a16="http://schemas.microsoft.com/office/drawing/2014/main" id="{565D1607-5A81-4129-AA86-B9B5BBC35F74}"/>
+              </a:ext>
+            </a:extLst>
+          </p:cNvPr>
+          <p:cNvSpPr>
+            <a:spLocks noGrp="1"/>
+          </p:cNvSpPr>
+          <p:nvPr>
+            <p:ph idx="1"/>
+          </p:nvPr>
+        </p:nvSpPr>
+        <p:spPr/>
+        <p:txBody>
+          <a:bodyPr/>
+          <a:lstStyle/>
+          <a:p>
+            <a:r>
+              <a:rPr lang="en-US" dirty="0"/>
+              <a:t>Gross boys always follow last place in sending pics</a:t>
+            </a:r>
+          </a:p>
+          <a:p>
+            <a:r>
+              <a:rPr lang="en-US" dirty="0"/>
+              <a:t>Pack my box with five dozen liquor jugs</a:t>
+            </a:r>
+          </a:p>
+          <a:p>
+            <a:r>
+              <a:rPr lang="en-US" dirty="0"/>
+              <a:t>The quick brown fox jumped of the lazy dog</a:t>
+            </a:r>
+          </a:p>
+          <a:p>
+            <a:r>
+              <a:rPr lang="en-US" dirty="0"/>
+              <a:t>Gross boys always follow last place in sending pics</a:t>
+            </a:r>
+          </a:p>
+          <a:p>
+            <a:r>
+              <a:rPr lang="en-US" dirty="0"/>
+              <a:t>Pack my box with five dozen liquor jugs</a:t>
+            </a:r>
+          </a:p>
+          <a:p>
+            <a:r>
+              <a:rPr lang="en-US" dirty="0"/>
+              <a:t>The quick brown fox jumped of the lazy dog</a:t>
+            </a:r>
+          </a:p>
+          <a:p>
+            <a:pPr marL="0" indent="0">
+              <a:buNone/>
+            </a:pPr>
+            <a:endParaRPr lang="en-US" dirty="0"/>
+          </a:p>
+          <a:p>
+            <a:endParaRPr lang="en-US" dirty="0"/>
+          </a:p>
+          <a:p>
+            <a:endParaRPr lang="en-US" dirty="0"/>
+          </a:p>
+        </p:txBody>
+      </p:sp>
+      <p:pic>
+        <p:nvPicPr>
+          <p:cNvPr id="4" name="Picture 3">
+            <a:extLst>
+              <a:ext uri="{FF2B5EF4-FFF2-40B4-BE49-F238E27FC236}">
+                <a16:creationId xmlns:a16="http://schemas.microsoft.com/office/drawing/2014/main" id="{42F876F8-BA94-460C-8B6F-879A0857E822}"/>
+              </a:ext>
+            </a:extLst>
+          </p:cNvPr>
+          <p:cNvPicPr>
+            <a:picLocks noChangeAspect="1"/>
+          </p:cNvPicPr>
+          <p:nvPr/>
+        </p:nvPicPr>
+        <p:blipFill>
+          <a:blip r:embed="rId2">
+            <a:extLst>
+              <a:ext uri="{28A0092B-C50C-407E-A947-70E740481C1C}">
+                <a14:useLocalDpi xmlns:a14="http://schemas.microsoft.com/office/drawing/2010/main" val="0"/>
+              </a:ext>
+            </a:extLst>
+          </a:blip>
+          <a:stretch>
+            <a:fillRect/>
+          </a:stretch>
+        </p:blipFill>
+        <p:spPr>
+          <a:xfrm>
+            <a:off x="97539" y="5720937"/>
+            <a:ext cx="2766959" cy="961519"/>
+          </a:xfrm>
+          <a:prstGeom prst="rect">
+            <a:avLst/>
+          </a:prstGeom>
+        </p:spPr>
+      </p:pic>
+    </p:spTree>
+    <p:extLst>
+      <p:ext uri="{BB962C8B-B14F-4D97-AF65-F5344CB8AC3E}">
+        <p14:creationId xmlns:p14="http://schemas.microsoft.com/office/powerpoint/2010/main" val="484464403"/>
+      </p:ext>
+    </p:extLst>
+  </p:cSld>
+  <p:clrMapOvr>
+    <a:masterClrMapping/>
+  </p:clrMapOvr>
+</p:sld>
+</file>
+
+<file path=ppt/slides/slide11.xml><?xml version="1.0" encoding="utf-8"?>
+<p:sld xmlns:a="http://schemas.openxmlformats.org/drawingml/2006/main" xmlns:r="http://schemas.openxmlformats.org/officeDocument/2006/relationships" xmlns:p="http://schemas.openxmlformats.org/presentationml/2006/main">
+  <p:cSld>
+    <p:spTree>
+      <p:nvGrpSpPr>
+        <p:cNvPr id="1" name=""/>
+        <p:cNvGrpSpPr/>
+        <p:nvPr/>
+      </p:nvGrpSpPr>
+      <p:grpSpPr>
+        <a:xfrm>
+          <a:off x="0" y="0"/>
+          <a:ext cx="0" cy="0"/>
+          <a:chOff x="0" y="0"/>
+          <a:chExt cx="0" cy="0"/>
+        </a:xfrm>
+      </p:grpSpPr>
+      <p:sp>
+        <p:nvSpPr>
+          <p:cNvPr id="2" name="Title 1">
+            <a:extLst>
+              <a:ext uri="{FF2B5EF4-FFF2-40B4-BE49-F238E27FC236}">
+                <a16:creationId xmlns:a16="http://schemas.microsoft.com/office/drawing/2014/main" id="{3C3D102C-2110-4109-9EEC-E1C846D030EF}"/>
+              </a:ext>
+            </a:extLst>
+          </p:cNvPr>
+          <p:cNvSpPr>
+            <a:spLocks noGrp="1"/>
+          </p:cNvSpPr>
+          <p:nvPr>
+            <p:ph type="title"/>
+          </p:nvPr>
+        </p:nvSpPr>
+        <p:spPr/>
+        <p:txBody>
+          <a:bodyPr/>
+          <a:lstStyle/>
+          <a:p>
+            <a:r>
+              <a:rPr lang="en-US" dirty="0"/>
+              <a:t>A3:2017 – Sensitive Data Exposure(Mitigations)</a:t>
+            </a:r>
+          </a:p>
+        </p:txBody>
+      </p:sp>
+      <p:sp>
+        <p:nvSpPr>
+          <p:cNvPr id="3" name="Content Placeholder 2">
+            <a:extLst>
+              <a:ext uri="{FF2B5EF4-FFF2-40B4-BE49-F238E27FC236}">
+                <a16:creationId xmlns:a16="http://schemas.microsoft.com/office/drawing/2014/main" id="{565D1607-5A81-4129-AA86-B9B5BBC35F74}"/>
+              </a:ext>
+            </a:extLst>
+          </p:cNvPr>
+          <p:cNvSpPr>
+            <a:spLocks noGrp="1"/>
+          </p:cNvSpPr>
+          <p:nvPr>
+            <p:ph idx="1"/>
+          </p:nvPr>
+        </p:nvSpPr>
+        <p:spPr/>
+        <p:txBody>
+          <a:bodyPr/>
+          <a:lstStyle/>
+          <a:p>
+            <a:r>
+              <a:rPr lang="en-US" dirty="0"/>
+              <a:t>Gross boys always follow last place in sending pics</a:t>
+            </a:r>
+          </a:p>
+          <a:p>
+            <a:r>
+              <a:rPr lang="en-US" dirty="0"/>
+              <a:t>Pack my box with five dozen liquor jugs</a:t>
+            </a:r>
+          </a:p>
+          <a:p>
+            <a:r>
+              <a:rPr lang="en-US" dirty="0"/>
+              <a:t>The quick brown fox jumped of the lazy dog</a:t>
+            </a:r>
+          </a:p>
+          <a:p>
+            <a:r>
+              <a:rPr lang="en-US" dirty="0"/>
+              <a:t>Gross boys always follow last place in sending pics</a:t>
+            </a:r>
+          </a:p>
+          <a:p>
+            <a:r>
+              <a:rPr lang="en-US" dirty="0"/>
+              <a:t>Pack my box with five dozen liquor jugs</a:t>
+            </a:r>
+          </a:p>
+          <a:p>
+            <a:r>
+              <a:rPr lang="en-US" dirty="0"/>
+              <a:t>The quick brown fox jumped of the lazy dog</a:t>
+            </a:r>
+          </a:p>
+          <a:p>
+            <a:pPr marL="0" indent="0">
+              <a:buNone/>
+            </a:pPr>
+            <a:endParaRPr lang="en-US" dirty="0"/>
+          </a:p>
+          <a:p>
+            <a:endParaRPr lang="en-US" dirty="0"/>
+          </a:p>
+          <a:p>
+            <a:endParaRPr lang="en-US" dirty="0"/>
+          </a:p>
+        </p:txBody>
+      </p:sp>
+      <p:pic>
+        <p:nvPicPr>
+          <p:cNvPr id="4" name="Picture 3">
+            <a:extLst>
+              <a:ext uri="{FF2B5EF4-FFF2-40B4-BE49-F238E27FC236}">
+                <a16:creationId xmlns:a16="http://schemas.microsoft.com/office/drawing/2014/main" id="{42F876F8-BA94-460C-8B6F-879A0857E822}"/>
+              </a:ext>
+            </a:extLst>
+          </p:cNvPr>
+          <p:cNvPicPr>
+            <a:picLocks noChangeAspect="1"/>
+          </p:cNvPicPr>
+          <p:nvPr/>
+        </p:nvPicPr>
+        <p:blipFill>
+          <a:blip r:embed="rId2">
+            <a:extLst>
+              <a:ext uri="{28A0092B-C50C-407E-A947-70E740481C1C}">
+                <a14:useLocalDpi xmlns:a14="http://schemas.microsoft.com/office/drawing/2010/main" val="0"/>
+              </a:ext>
+            </a:extLst>
+          </a:blip>
+          <a:stretch>
+            <a:fillRect/>
+          </a:stretch>
+        </p:blipFill>
+        <p:spPr>
+          <a:xfrm>
+            <a:off x="97539" y="5720937"/>
+            <a:ext cx="2766959" cy="961519"/>
+          </a:xfrm>
+          <a:prstGeom prst="rect">
+            <a:avLst/>
+          </a:prstGeom>
+        </p:spPr>
+      </p:pic>
+    </p:spTree>
+    <p:extLst>
+      <p:ext uri="{BB962C8B-B14F-4D97-AF65-F5344CB8AC3E}">
+        <p14:creationId xmlns:p14="http://schemas.microsoft.com/office/powerpoint/2010/main" val="1569483678"/>
+      </p:ext>
+    </p:extLst>
+  </p:cSld>
+  <p:clrMapOvr>
+    <a:masterClrMapping/>
+  </p:clrMapOvr>
+</p:sld>
+</file>
+
+<file path=ppt/slides/slide12.xml><?xml version="1.0" encoding="utf-8"?>
+<p:sld xmlns:a="http://schemas.openxmlformats.org/drawingml/2006/main" xmlns:r="http://schemas.openxmlformats.org/officeDocument/2006/relationships" xmlns:p="http://schemas.openxmlformats.org/presentationml/2006/main">
+  <p:cSld>
+    <p:spTree>
+      <p:nvGrpSpPr>
+        <p:cNvPr id="1" name=""/>
+        <p:cNvGrpSpPr/>
+        <p:nvPr/>
+      </p:nvGrpSpPr>
+      <p:grpSpPr>
+        <a:xfrm>
+          <a:off x="0" y="0"/>
+          <a:ext cx="0" cy="0"/>
+          <a:chOff x="0" y="0"/>
+          <a:chExt cx="0" cy="0"/>
+        </a:xfrm>
+      </p:grpSpPr>
+      <p:sp>
+        <p:nvSpPr>
+          <p:cNvPr id="2" name="Title 1">
+            <a:extLst>
+              <a:ext uri="{FF2B5EF4-FFF2-40B4-BE49-F238E27FC236}">
+                <a16:creationId xmlns:a16="http://schemas.microsoft.com/office/drawing/2014/main" id="{3C3D102C-2110-4109-9EEC-E1C846D030EF}"/>
+              </a:ext>
+            </a:extLst>
+          </p:cNvPr>
+          <p:cNvSpPr>
+            <a:spLocks noGrp="1"/>
+          </p:cNvSpPr>
+          <p:nvPr>
+            <p:ph type="title"/>
+          </p:nvPr>
+        </p:nvSpPr>
+        <p:spPr/>
+        <p:txBody>
+          <a:bodyPr/>
+          <a:lstStyle/>
+          <a:p>
+            <a:r>
+              <a:rPr lang="en-US" dirty="0"/>
+              <a:t>A3:2017 – Sensitive Data Exposure(Guidance)</a:t>
+            </a:r>
+          </a:p>
+        </p:txBody>
+      </p:sp>
+      <p:sp>
+        <p:nvSpPr>
+          <p:cNvPr id="3" name="Content Placeholder 2">
+            <a:extLst>
+              <a:ext uri="{FF2B5EF4-FFF2-40B4-BE49-F238E27FC236}">
+                <a16:creationId xmlns:a16="http://schemas.microsoft.com/office/drawing/2014/main" id="{565D1607-5A81-4129-AA86-B9B5BBC35F74}"/>
+              </a:ext>
+            </a:extLst>
+          </p:cNvPr>
+          <p:cNvSpPr>
+            <a:spLocks noGrp="1"/>
+          </p:cNvSpPr>
+          <p:nvPr>
+            <p:ph idx="1"/>
+          </p:nvPr>
+        </p:nvSpPr>
+        <p:spPr/>
+        <p:txBody>
+          <a:bodyPr/>
+          <a:lstStyle/>
+          <a:p>
+            <a:r>
+              <a:rPr lang="en-US" dirty="0"/>
+              <a:t>Gross boys always follow last place in sending pics</a:t>
+            </a:r>
+          </a:p>
+          <a:p>
+            <a:r>
+              <a:rPr lang="en-US" dirty="0"/>
+              <a:t>Pack my box with five dozen liquor jugs</a:t>
+            </a:r>
+          </a:p>
+          <a:p>
+            <a:r>
+              <a:rPr lang="en-US" dirty="0"/>
+              <a:t>The quick brown fox jumped of the lazy dog</a:t>
+            </a:r>
+          </a:p>
+          <a:p>
+            <a:r>
+              <a:rPr lang="en-US" dirty="0"/>
+              <a:t>Gross boys always follow last place in sending pics</a:t>
+            </a:r>
+          </a:p>
+          <a:p>
+            <a:r>
+              <a:rPr lang="en-US" dirty="0"/>
+              <a:t>Pack my box with five dozen liquor jugs</a:t>
+            </a:r>
+          </a:p>
+          <a:p>
+            <a:r>
+              <a:rPr lang="en-US" dirty="0"/>
+              <a:t>The quick brown fox jumped of the lazy dog</a:t>
+            </a:r>
+          </a:p>
+          <a:p>
+            <a:pPr marL="0" indent="0">
+              <a:buNone/>
+            </a:pPr>
+            <a:endParaRPr lang="en-US" dirty="0"/>
+          </a:p>
+          <a:p>
+            <a:endParaRPr lang="en-US" dirty="0"/>
+          </a:p>
+          <a:p>
+            <a:endParaRPr lang="en-US" dirty="0"/>
+          </a:p>
+        </p:txBody>
+      </p:sp>
+      <p:pic>
+        <p:nvPicPr>
+          <p:cNvPr id="4" name="Picture 3">
+            <a:extLst>
+              <a:ext uri="{FF2B5EF4-FFF2-40B4-BE49-F238E27FC236}">
+                <a16:creationId xmlns:a16="http://schemas.microsoft.com/office/drawing/2014/main" id="{42F876F8-BA94-460C-8B6F-879A0857E822}"/>
+              </a:ext>
+            </a:extLst>
+          </p:cNvPr>
+          <p:cNvPicPr>
+            <a:picLocks noChangeAspect="1"/>
+          </p:cNvPicPr>
+          <p:nvPr/>
+        </p:nvPicPr>
+        <p:blipFill>
+          <a:blip r:embed="rId2">
+            <a:extLst>
+              <a:ext uri="{28A0092B-C50C-407E-A947-70E740481C1C}">
+                <a14:useLocalDpi xmlns:a14="http://schemas.microsoft.com/office/drawing/2010/main" val="0"/>
+              </a:ext>
+            </a:extLst>
+          </a:blip>
+          <a:stretch>
+            <a:fillRect/>
+          </a:stretch>
+        </p:blipFill>
+        <p:spPr>
+          <a:xfrm>
+            <a:off x="97539" y="5720937"/>
+            <a:ext cx="2766959" cy="961519"/>
+          </a:xfrm>
+          <a:prstGeom prst="rect">
+            <a:avLst/>
+          </a:prstGeom>
+        </p:spPr>
+      </p:pic>
+    </p:spTree>
+    <p:extLst>
+      <p:ext uri="{BB962C8B-B14F-4D97-AF65-F5344CB8AC3E}">
+        <p14:creationId xmlns:p14="http://schemas.microsoft.com/office/powerpoint/2010/main" val="4154425868"/>
+      </p:ext>
+    </p:extLst>
+  </p:cSld>
+  <p:clrMapOvr>
+    <a:masterClrMapping/>
+  </p:clrMapOvr>
+</p:sld>
+</file>
+
+<file path=ppt/slides/slide13.xml><?xml version="1.0" encoding="utf-8"?>
+<p:sld xmlns:a="http://schemas.openxmlformats.org/drawingml/2006/main" xmlns:r="http://schemas.openxmlformats.org/officeDocument/2006/relationships" xmlns:p="http://schemas.openxmlformats.org/presentationml/2006/main">
+  <p:cSld>
+    <p:spTree>
+      <p:nvGrpSpPr>
+        <p:cNvPr id="1" name=""/>
+        <p:cNvGrpSpPr/>
+        <p:nvPr/>
+      </p:nvGrpSpPr>
+      <p:grpSpPr>
+        <a:xfrm>
+          <a:off x="0" y="0"/>
+          <a:ext cx="0" cy="0"/>
+          <a:chOff x="0" y="0"/>
+          <a:chExt cx="0" cy="0"/>
+        </a:xfrm>
+      </p:grpSpPr>
+      <p:sp>
+        <p:nvSpPr>
+          <p:cNvPr id="2" name="Title 1">
+            <a:extLst>
+              <a:ext uri="{FF2B5EF4-FFF2-40B4-BE49-F238E27FC236}">
+                <a16:creationId xmlns:a16="http://schemas.microsoft.com/office/drawing/2014/main" id="{3C3D102C-2110-4109-9EEC-E1C846D030EF}"/>
+              </a:ext>
+            </a:extLst>
+          </p:cNvPr>
+          <p:cNvSpPr>
+            <a:spLocks noGrp="1"/>
+          </p:cNvSpPr>
+          <p:nvPr>
+            <p:ph type="title"/>
+          </p:nvPr>
+        </p:nvSpPr>
+        <p:spPr/>
+        <p:txBody>
+          <a:bodyPr/>
+          <a:lstStyle/>
+          <a:p>
+            <a:r>
+              <a:rPr lang="en-US" dirty="0"/>
+              <a:t>A4:2017 – XML External Entities (XXE)</a:t>
+            </a:r>
+          </a:p>
+        </p:txBody>
+      </p:sp>
+      <p:sp>
+        <p:nvSpPr>
+          <p:cNvPr id="3" name="Content Placeholder 2">
+            <a:extLst>
+              <a:ext uri="{FF2B5EF4-FFF2-40B4-BE49-F238E27FC236}">
+                <a16:creationId xmlns:a16="http://schemas.microsoft.com/office/drawing/2014/main" id="{565D1607-5A81-4129-AA86-B9B5BBC35F74}"/>
+              </a:ext>
+            </a:extLst>
+          </p:cNvPr>
+          <p:cNvSpPr>
+            <a:spLocks noGrp="1"/>
+          </p:cNvSpPr>
+          <p:nvPr>
+            <p:ph idx="1"/>
+          </p:nvPr>
+        </p:nvSpPr>
+        <p:spPr/>
+        <p:txBody>
+          <a:bodyPr/>
+          <a:lstStyle/>
+          <a:p>
+            <a:r>
+              <a:rPr lang="en-US" dirty="0"/>
+              <a:t>Gross boys always follow last place in sending pics</a:t>
+            </a:r>
+          </a:p>
+          <a:p>
+            <a:r>
+              <a:rPr lang="en-US" dirty="0"/>
+              <a:t>Pack my box with five dozen liquor jugs</a:t>
+            </a:r>
+          </a:p>
+          <a:p>
+            <a:r>
+              <a:rPr lang="en-US" dirty="0"/>
+              <a:t>The quick brown fox jumped of the lazy dog</a:t>
+            </a:r>
+          </a:p>
+          <a:p>
+            <a:r>
+              <a:rPr lang="en-US" dirty="0"/>
+              <a:t>Gross boys always follow last place in sending pics</a:t>
+            </a:r>
+          </a:p>
+          <a:p>
+            <a:r>
+              <a:rPr lang="en-US" dirty="0"/>
+              <a:t>Pack my box with five dozen liquor jugs</a:t>
+            </a:r>
+          </a:p>
+          <a:p>
+            <a:r>
+              <a:rPr lang="en-US" dirty="0"/>
+              <a:t>The quick brown fox jumped of the lazy dog</a:t>
+            </a:r>
+          </a:p>
+          <a:p>
+            <a:pPr marL="0" indent="0">
+              <a:buNone/>
+            </a:pPr>
+            <a:endParaRPr lang="en-US" dirty="0"/>
+          </a:p>
+          <a:p>
+            <a:endParaRPr lang="en-US" dirty="0"/>
+          </a:p>
+          <a:p>
+            <a:endParaRPr lang="en-US" dirty="0"/>
+          </a:p>
+        </p:txBody>
+      </p:sp>
+      <p:pic>
+        <p:nvPicPr>
+          <p:cNvPr id="4" name="Picture 3">
+            <a:extLst>
+              <a:ext uri="{FF2B5EF4-FFF2-40B4-BE49-F238E27FC236}">
+                <a16:creationId xmlns:a16="http://schemas.microsoft.com/office/drawing/2014/main" id="{42F876F8-BA94-460C-8B6F-879A0857E822}"/>
+              </a:ext>
+            </a:extLst>
+          </p:cNvPr>
+          <p:cNvPicPr>
+            <a:picLocks noChangeAspect="1"/>
+          </p:cNvPicPr>
+          <p:nvPr/>
+        </p:nvPicPr>
+        <p:blipFill>
+          <a:blip r:embed="rId2">
+            <a:extLst>
+              <a:ext uri="{28A0092B-C50C-407E-A947-70E740481C1C}">
+                <a14:useLocalDpi xmlns:a14="http://schemas.microsoft.com/office/drawing/2010/main" val="0"/>
+              </a:ext>
+            </a:extLst>
+          </a:blip>
+          <a:stretch>
+            <a:fillRect/>
+          </a:stretch>
+        </p:blipFill>
+        <p:spPr>
+          <a:xfrm>
+            <a:off x="97539" y="5720937"/>
+            <a:ext cx="2766959" cy="961519"/>
+          </a:xfrm>
+          <a:prstGeom prst="rect">
+            <a:avLst/>
+          </a:prstGeom>
+        </p:spPr>
+      </p:pic>
+    </p:spTree>
+    <p:extLst>
+      <p:ext uri="{BB962C8B-B14F-4D97-AF65-F5344CB8AC3E}">
+        <p14:creationId xmlns:p14="http://schemas.microsoft.com/office/powerpoint/2010/main" val="3829910343"/>
+      </p:ext>
+    </p:extLst>
+  </p:cSld>
+  <p:clrMapOvr>
+    <a:masterClrMapping/>
+  </p:clrMapOvr>
+</p:sld>
+</file>
+
+<file path=ppt/slides/slide14.xml><?xml version="1.0" encoding="utf-8"?>
+<p:sld xmlns:a="http://schemas.openxmlformats.org/drawingml/2006/main" xmlns:r="http://schemas.openxmlformats.org/officeDocument/2006/relationships" xmlns:p="http://schemas.openxmlformats.org/presentationml/2006/main">
+  <p:cSld>
+    <p:spTree>
+      <p:nvGrpSpPr>
+        <p:cNvPr id="1" name=""/>
+        <p:cNvGrpSpPr/>
+        <p:nvPr/>
+      </p:nvGrpSpPr>
+      <p:grpSpPr>
+        <a:xfrm>
+          <a:off x="0" y="0"/>
+          <a:ext cx="0" cy="0"/>
+          <a:chOff x="0" y="0"/>
+          <a:chExt cx="0" cy="0"/>
+        </a:xfrm>
+      </p:grpSpPr>
+      <p:sp>
+        <p:nvSpPr>
+          <p:cNvPr id="2" name="Title 1">
+            <a:extLst>
+              <a:ext uri="{FF2B5EF4-FFF2-40B4-BE49-F238E27FC236}">
+                <a16:creationId xmlns:a16="http://schemas.microsoft.com/office/drawing/2014/main" id="{3C3D102C-2110-4109-9EEC-E1C846D030EF}"/>
+              </a:ext>
+            </a:extLst>
+          </p:cNvPr>
+          <p:cNvSpPr>
+            <a:spLocks noGrp="1"/>
+          </p:cNvSpPr>
+          <p:nvPr>
+            <p:ph type="title"/>
+          </p:nvPr>
+        </p:nvSpPr>
+        <p:spPr/>
+        <p:txBody>
+          <a:bodyPr/>
+          <a:lstStyle/>
+          <a:p>
+            <a:r>
+              <a:rPr lang="en-US" dirty="0"/>
+              <a:t>A4:2017 – XML External Entities (XXE) (Mitigations)</a:t>
+            </a:r>
+          </a:p>
+        </p:txBody>
+      </p:sp>
+      <p:sp>
+        <p:nvSpPr>
+          <p:cNvPr id="3" name="Content Placeholder 2">
+            <a:extLst>
+              <a:ext uri="{FF2B5EF4-FFF2-40B4-BE49-F238E27FC236}">
+                <a16:creationId xmlns:a16="http://schemas.microsoft.com/office/drawing/2014/main" id="{565D1607-5A81-4129-AA86-B9B5BBC35F74}"/>
+              </a:ext>
+            </a:extLst>
+          </p:cNvPr>
+          <p:cNvSpPr>
+            <a:spLocks noGrp="1"/>
+          </p:cNvSpPr>
+          <p:nvPr>
+            <p:ph idx="1"/>
+          </p:nvPr>
+        </p:nvSpPr>
+        <p:spPr/>
+        <p:txBody>
+          <a:bodyPr/>
+          <a:lstStyle/>
+          <a:p>
+            <a:r>
+              <a:rPr lang="en-US" dirty="0"/>
+              <a:t>Gross boys always follow last place in sending pics</a:t>
+            </a:r>
+          </a:p>
+          <a:p>
+            <a:r>
+              <a:rPr lang="en-US" dirty="0"/>
+              <a:t>Pack my box with five dozen liquor jugs</a:t>
+            </a:r>
+          </a:p>
+          <a:p>
+            <a:r>
+              <a:rPr lang="en-US" dirty="0"/>
+              <a:t>The quick brown fox jumped of the lazy dog</a:t>
+            </a:r>
+          </a:p>
+          <a:p>
+            <a:r>
+              <a:rPr lang="en-US" dirty="0"/>
+              <a:t>Gross boys always follow last place in sending pics</a:t>
+            </a:r>
+          </a:p>
+          <a:p>
+            <a:r>
+              <a:rPr lang="en-US" dirty="0"/>
+              <a:t>Pack my box with five dozen liquor jugs</a:t>
+            </a:r>
+          </a:p>
+          <a:p>
+            <a:r>
+              <a:rPr lang="en-US" dirty="0"/>
+              <a:t>The quick brown fox jumped of the lazy dog</a:t>
+            </a:r>
+          </a:p>
+          <a:p>
+            <a:pPr marL="0" indent="0">
+              <a:buNone/>
+            </a:pPr>
+            <a:endParaRPr lang="en-US" dirty="0"/>
+          </a:p>
+          <a:p>
+            <a:endParaRPr lang="en-US" dirty="0"/>
+          </a:p>
+          <a:p>
+            <a:endParaRPr lang="en-US" dirty="0"/>
+          </a:p>
+        </p:txBody>
+      </p:sp>
+      <p:pic>
+        <p:nvPicPr>
+          <p:cNvPr id="4" name="Picture 3">
+            <a:extLst>
+              <a:ext uri="{FF2B5EF4-FFF2-40B4-BE49-F238E27FC236}">
+                <a16:creationId xmlns:a16="http://schemas.microsoft.com/office/drawing/2014/main" id="{42F876F8-BA94-460C-8B6F-879A0857E822}"/>
+              </a:ext>
+            </a:extLst>
+          </p:cNvPr>
+          <p:cNvPicPr>
+            <a:picLocks noChangeAspect="1"/>
+          </p:cNvPicPr>
+          <p:nvPr/>
+        </p:nvPicPr>
+        <p:blipFill>
+          <a:blip r:embed="rId2">
+            <a:extLst>
+              <a:ext uri="{28A0092B-C50C-407E-A947-70E740481C1C}">
+                <a14:useLocalDpi xmlns:a14="http://schemas.microsoft.com/office/drawing/2010/main" val="0"/>
+              </a:ext>
+            </a:extLst>
+          </a:blip>
+          <a:stretch>
+            <a:fillRect/>
+          </a:stretch>
+        </p:blipFill>
+        <p:spPr>
+          <a:xfrm>
+            <a:off x="97539" y="5720937"/>
+            <a:ext cx="2766959" cy="961519"/>
+          </a:xfrm>
+          <a:prstGeom prst="rect">
+            <a:avLst/>
+          </a:prstGeom>
+        </p:spPr>
+      </p:pic>
+    </p:spTree>
+    <p:extLst>
+      <p:ext uri="{BB962C8B-B14F-4D97-AF65-F5344CB8AC3E}">
+        <p14:creationId xmlns:p14="http://schemas.microsoft.com/office/powerpoint/2010/main" val="1265230818"/>
+      </p:ext>
+    </p:extLst>
+  </p:cSld>
+  <p:clrMapOvr>
+    <a:masterClrMapping/>
+  </p:clrMapOvr>
+</p:sld>
+</file>
+
+<file path=ppt/slides/slide15.xml><?xml version="1.0" encoding="utf-8"?>
+<p:sld xmlns:a="http://schemas.openxmlformats.org/drawingml/2006/main" xmlns:r="http://schemas.openxmlformats.org/officeDocument/2006/relationships" xmlns:p="http://schemas.openxmlformats.org/presentationml/2006/main">
+  <p:cSld>
+    <p:spTree>
+      <p:nvGrpSpPr>
+        <p:cNvPr id="1" name=""/>
+        <p:cNvGrpSpPr/>
+        <p:nvPr/>
+      </p:nvGrpSpPr>
+      <p:grpSpPr>
+        <a:xfrm>
+          <a:off x="0" y="0"/>
+          <a:ext cx="0" cy="0"/>
+          <a:chOff x="0" y="0"/>
+          <a:chExt cx="0" cy="0"/>
+        </a:xfrm>
+      </p:grpSpPr>
+      <p:sp>
+        <p:nvSpPr>
+          <p:cNvPr id="2" name="Title 1">
+            <a:extLst>
+              <a:ext uri="{FF2B5EF4-FFF2-40B4-BE49-F238E27FC236}">
+                <a16:creationId xmlns:a16="http://schemas.microsoft.com/office/drawing/2014/main" id="{3C3D102C-2110-4109-9EEC-E1C846D030EF}"/>
+              </a:ext>
+            </a:extLst>
+          </p:cNvPr>
+          <p:cNvSpPr>
+            <a:spLocks noGrp="1"/>
+          </p:cNvSpPr>
+          <p:nvPr>
+            <p:ph type="title"/>
+          </p:nvPr>
+        </p:nvSpPr>
+        <p:spPr/>
+        <p:txBody>
+          <a:bodyPr/>
+          <a:lstStyle/>
+          <a:p>
+            <a:r>
+              <a:rPr lang="en-US" dirty="0"/>
+              <a:t>A4:2017 – XML External Entities (XXE) (Guidance)</a:t>
+            </a:r>
+          </a:p>
+        </p:txBody>
+      </p:sp>
+      <p:sp>
+        <p:nvSpPr>
+          <p:cNvPr id="3" name="Content Placeholder 2">
+            <a:extLst>
+              <a:ext uri="{FF2B5EF4-FFF2-40B4-BE49-F238E27FC236}">
+                <a16:creationId xmlns:a16="http://schemas.microsoft.com/office/drawing/2014/main" id="{565D1607-5A81-4129-AA86-B9B5BBC35F74}"/>
+              </a:ext>
+            </a:extLst>
+          </p:cNvPr>
+          <p:cNvSpPr>
+            <a:spLocks noGrp="1"/>
+          </p:cNvSpPr>
+          <p:nvPr>
+            <p:ph idx="1"/>
+          </p:nvPr>
+        </p:nvSpPr>
+        <p:spPr/>
+        <p:txBody>
+          <a:bodyPr/>
+          <a:lstStyle/>
+          <a:p>
+            <a:r>
+              <a:rPr lang="en-US" dirty="0"/>
+              <a:t>Gross boys always follow last place in sending pics</a:t>
+            </a:r>
+          </a:p>
+          <a:p>
+            <a:r>
+              <a:rPr lang="en-US" dirty="0"/>
+              <a:t>Pack my box with five dozen liquor jugs</a:t>
+            </a:r>
+          </a:p>
+          <a:p>
+            <a:r>
+              <a:rPr lang="en-US" dirty="0"/>
+              <a:t>The quick brown fox jumped of the lazy dog</a:t>
+            </a:r>
+          </a:p>
+          <a:p>
+            <a:r>
+              <a:rPr lang="en-US" dirty="0"/>
+              <a:t>Gross boys always follow last place in sending pics</a:t>
+            </a:r>
+          </a:p>
+          <a:p>
+            <a:r>
+              <a:rPr lang="en-US" dirty="0"/>
+              <a:t>Pack my box with five dozen liquor jugs</a:t>
+            </a:r>
+          </a:p>
+          <a:p>
+            <a:r>
+              <a:rPr lang="en-US" dirty="0"/>
+              <a:t>The quick brown fox jumped of the lazy dog</a:t>
+            </a:r>
+          </a:p>
+          <a:p>
+            <a:pPr marL="0" indent="0">
+              <a:buNone/>
+            </a:pPr>
+            <a:endParaRPr lang="en-US" dirty="0"/>
+          </a:p>
+          <a:p>
+            <a:endParaRPr lang="en-US" dirty="0"/>
+          </a:p>
+          <a:p>
+            <a:endParaRPr lang="en-US" dirty="0"/>
+          </a:p>
+        </p:txBody>
+      </p:sp>
+      <p:pic>
+        <p:nvPicPr>
+          <p:cNvPr id="4" name="Picture 3">
+            <a:extLst>
+              <a:ext uri="{FF2B5EF4-FFF2-40B4-BE49-F238E27FC236}">
+                <a16:creationId xmlns:a16="http://schemas.microsoft.com/office/drawing/2014/main" id="{42F876F8-BA94-460C-8B6F-879A0857E822}"/>
+              </a:ext>
+            </a:extLst>
+          </p:cNvPr>
+          <p:cNvPicPr>
+            <a:picLocks noChangeAspect="1"/>
+          </p:cNvPicPr>
+          <p:nvPr/>
+        </p:nvPicPr>
+        <p:blipFill>
+          <a:blip r:embed="rId2">
+            <a:extLst>
+              <a:ext uri="{28A0092B-C50C-407E-A947-70E740481C1C}">
+                <a14:useLocalDpi xmlns:a14="http://schemas.microsoft.com/office/drawing/2010/main" val="0"/>
+              </a:ext>
+            </a:extLst>
+          </a:blip>
+          <a:stretch>
+            <a:fillRect/>
+          </a:stretch>
+        </p:blipFill>
+        <p:spPr>
+          <a:xfrm>
+            <a:off x="97539" y="5720937"/>
+            <a:ext cx="2766959" cy="961519"/>
+          </a:xfrm>
+          <a:prstGeom prst="rect">
+            <a:avLst/>
+          </a:prstGeom>
+        </p:spPr>
+      </p:pic>
+    </p:spTree>
+    <p:extLst>
+      <p:ext uri="{BB962C8B-B14F-4D97-AF65-F5344CB8AC3E}">
+        <p14:creationId xmlns:p14="http://schemas.microsoft.com/office/powerpoint/2010/main" val="3230177457"/>
+      </p:ext>
+    </p:extLst>
+  </p:cSld>
+  <p:clrMapOvr>
+    <a:masterClrMapping/>
+  </p:clrMapOvr>
+</p:sld>
+</file>
+
+<file path=ppt/slides/slide16.xml><?xml version="1.0" encoding="utf-8"?>
+<p:sld xmlns:a="http://schemas.openxmlformats.org/drawingml/2006/main" xmlns:r="http://schemas.openxmlformats.org/officeDocument/2006/relationships" xmlns:p="http://schemas.openxmlformats.org/presentationml/2006/main">
+  <p:cSld>
+    <p:spTree>
+      <p:nvGrpSpPr>
+        <p:cNvPr id="1" name=""/>
+        <p:cNvGrpSpPr/>
+        <p:nvPr/>
+      </p:nvGrpSpPr>
+      <p:grpSpPr>
+        <a:xfrm>
+          <a:off x="0" y="0"/>
+          <a:ext cx="0" cy="0"/>
+          <a:chOff x="0" y="0"/>
+          <a:chExt cx="0" cy="0"/>
+        </a:xfrm>
+      </p:grpSpPr>
+      <p:sp>
+        <p:nvSpPr>
+          <p:cNvPr id="2" name="Title 1">
+            <a:extLst>
+              <a:ext uri="{FF2B5EF4-FFF2-40B4-BE49-F238E27FC236}">
+                <a16:creationId xmlns:a16="http://schemas.microsoft.com/office/drawing/2014/main" id="{3C3D102C-2110-4109-9EEC-E1C846D030EF}"/>
+              </a:ext>
+            </a:extLst>
+          </p:cNvPr>
+          <p:cNvSpPr>
+            <a:spLocks noGrp="1"/>
+          </p:cNvSpPr>
+          <p:nvPr>
+            <p:ph type="title"/>
+          </p:nvPr>
+        </p:nvSpPr>
+        <p:spPr/>
+        <p:txBody>
+          <a:bodyPr/>
+          <a:lstStyle/>
+          <a:p>
+            <a:r>
+              <a:rPr lang="en-US" dirty="0"/>
+              <a:t>A5:2017 – Broken Access Control</a:t>
+            </a:r>
+          </a:p>
+        </p:txBody>
+      </p:sp>
+      <p:sp>
+        <p:nvSpPr>
+          <p:cNvPr id="3" name="Content Placeholder 2">
+            <a:extLst>
+              <a:ext uri="{FF2B5EF4-FFF2-40B4-BE49-F238E27FC236}">
+                <a16:creationId xmlns:a16="http://schemas.microsoft.com/office/drawing/2014/main" id="{565D1607-5A81-4129-AA86-B9B5BBC35F74}"/>
+              </a:ext>
+            </a:extLst>
+          </p:cNvPr>
+          <p:cNvSpPr>
+            <a:spLocks noGrp="1"/>
+          </p:cNvSpPr>
+          <p:nvPr>
+            <p:ph idx="1"/>
+          </p:nvPr>
+        </p:nvSpPr>
+        <p:spPr/>
+        <p:txBody>
+          <a:bodyPr/>
+          <a:lstStyle/>
+          <a:p>
+            <a:r>
+              <a:rPr lang="en-US" dirty="0"/>
+              <a:t>Gross boys always follow last place in sending pics</a:t>
+            </a:r>
+          </a:p>
+          <a:p>
+            <a:r>
+              <a:rPr lang="en-US" dirty="0"/>
+              <a:t>Pack my box with five dozen liquor jugs</a:t>
+            </a:r>
+          </a:p>
+          <a:p>
+            <a:r>
+              <a:rPr lang="en-US" dirty="0"/>
+              <a:t>The quick brown fox jumped of the lazy dog</a:t>
+            </a:r>
+          </a:p>
+          <a:p>
+            <a:r>
+              <a:rPr lang="en-US" dirty="0"/>
+              <a:t>Gross boys always follow last place in sending pics</a:t>
+            </a:r>
+          </a:p>
+          <a:p>
+            <a:r>
+              <a:rPr lang="en-US" dirty="0"/>
+              <a:t>Pack my box with five dozen liquor jugs</a:t>
+            </a:r>
+          </a:p>
+          <a:p>
+            <a:r>
+              <a:rPr lang="en-US" dirty="0"/>
+              <a:t>The quick brown fox jumped of the lazy dog</a:t>
+            </a:r>
+          </a:p>
+          <a:p>
+            <a:pPr marL="0" indent="0">
+              <a:buNone/>
+            </a:pPr>
+            <a:endParaRPr lang="en-US" dirty="0"/>
+          </a:p>
+          <a:p>
+            <a:endParaRPr lang="en-US" dirty="0"/>
+          </a:p>
+          <a:p>
+            <a:endParaRPr lang="en-US" dirty="0"/>
+          </a:p>
+        </p:txBody>
+      </p:sp>
+      <p:pic>
+        <p:nvPicPr>
+          <p:cNvPr id="4" name="Picture 3">
+            <a:extLst>
+              <a:ext uri="{FF2B5EF4-FFF2-40B4-BE49-F238E27FC236}">
+                <a16:creationId xmlns:a16="http://schemas.microsoft.com/office/drawing/2014/main" id="{42F876F8-BA94-460C-8B6F-879A0857E822}"/>
+              </a:ext>
+            </a:extLst>
+          </p:cNvPr>
+          <p:cNvPicPr>
+            <a:picLocks noChangeAspect="1"/>
+          </p:cNvPicPr>
+          <p:nvPr/>
+        </p:nvPicPr>
+        <p:blipFill>
+          <a:blip r:embed="rId2">
+            <a:extLst>
+              <a:ext uri="{28A0092B-C50C-407E-A947-70E740481C1C}">
+                <a14:useLocalDpi xmlns:a14="http://schemas.microsoft.com/office/drawing/2010/main" val="0"/>
+              </a:ext>
+            </a:extLst>
+          </a:blip>
+          <a:stretch>
+            <a:fillRect/>
+          </a:stretch>
+        </p:blipFill>
+        <p:spPr>
+          <a:xfrm>
+            <a:off x="97539" y="5720937"/>
+            <a:ext cx="2766959" cy="961519"/>
+          </a:xfrm>
+          <a:prstGeom prst="rect">
+            <a:avLst/>
+          </a:prstGeom>
+        </p:spPr>
+      </p:pic>
+    </p:spTree>
+    <p:extLst>
+      <p:ext uri="{BB962C8B-B14F-4D97-AF65-F5344CB8AC3E}">
+        <p14:creationId xmlns:p14="http://schemas.microsoft.com/office/powerpoint/2010/main" val="1158221234"/>
+      </p:ext>
+    </p:extLst>
+  </p:cSld>
+  <p:clrMapOvr>
+    <a:masterClrMapping/>
+  </p:clrMapOvr>
+</p:sld>
+</file>
+
+<file path=ppt/slides/slide17.xml><?xml version="1.0" encoding="utf-8"?>
+<p:sld xmlns:a="http://schemas.openxmlformats.org/drawingml/2006/main" xmlns:r="http://schemas.openxmlformats.org/officeDocument/2006/relationships" xmlns:p="http://schemas.openxmlformats.org/presentationml/2006/main">
+  <p:cSld>
+    <p:spTree>
+      <p:nvGrpSpPr>
+        <p:cNvPr id="1" name=""/>
+        <p:cNvGrpSpPr/>
+        <p:nvPr/>
+      </p:nvGrpSpPr>
+      <p:grpSpPr>
+        <a:xfrm>
+          <a:off x="0" y="0"/>
+          <a:ext cx="0" cy="0"/>
+          <a:chOff x="0" y="0"/>
+          <a:chExt cx="0" cy="0"/>
+        </a:xfrm>
+      </p:grpSpPr>
+      <p:sp>
+        <p:nvSpPr>
+          <p:cNvPr id="2" name="Title 1">
+            <a:extLst>
+              <a:ext uri="{FF2B5EF4-FFF2-40B4-BE49-F238E27FC236}">
+                <a16:creationId xmlns:a16="http://schemas.microsoft.com/office/drawing/2014/main" id="{3C3D102C-2110-4109-9EEC-E1C846D030EF}"/>
+              </a:ext>
+            </a:extLst>
+          </p:cNvPr>
+          <p:cNvSpPr>
+            <a:spLocks noGrp="1"/>
+          </p:cNvSpPr>
+          <p:nvPr>
+            <p:ph type="title"/>
+          </p:nvPr>
+        </p:nvSpPr>
+        <p:spPr/>
+        <p:txBody>
+          <a:bodyPr/>
+          <a:lstStyle/>
+          <a:p>
+            <a:r>
+              <a:rPr lang="en-US" dirty="0"/>
+              <a:t>A5:2017 – Broken Access Control (Mitigations)</a:t>
+            </a:r>
+          </a:p>
+        </p:txBody>
+      </p:sp>
+      <p:sp>
+        <p:nvSpPr>
+          <p:cNvPr id="3" name="Content Placeholder 2">
+            <a:extLst>
+              <a:ext uri="{FF2B5EF4-FFF2-40B4-BE49-F238E27FC236}">
+                <a16:creationId xmlns:a16="http://schemas.microsoft.com/office/drawing/2014/main" id="{565D1607-5A81-4129-AA86-B9B5BBC35F74}"/>
+              </a:ext>
+            </a:extLst>
+          </p:cNvPr>
+          <p:cNvSpPr>
+            <a:spLocks noGrp="1"/>
+          </p:cNvSpPr>
+          <p:nvPr>
+            <p:ph idx="1"/>
+          </p:nvPr>
+        </p:nvSpPr>
+        <p:spPr/>
+        <p:txBody>
+          <a:bodyPr/>
+          <a:lstStyle/>
+          <a:p>
+            <a:r>
+              <a:rPr lang="en-US" dirty="0"/>
+              <a:t>Gross boys always follow last place in sending pics</a:t>
+            </a:r>
+          </a:p>
+          <a:p>
+            <a:r>
+              <a:rPr lang="en-US" dirty="0"/>
+              <a:t>Pack my box with five dozen liquor jugs</a:t>
+            </a:r>
+          </a:p>
+          <a:p>
+            <a:r>
+              <a:rPr lang="en-US" dirty="0"/>
+              <a:t>The quick brown fox jumped of the lazy dog</a:t>
+            </a:r>
+          </a:p>
+          <a:p>
+            <a:r>
+              <a:rPr lang="en-US" dirty="0"/>
+              <a:t>Gross boys always follow last place in sending pics</a:t>
+            </a:r>
+          </a:p>
+          <a:p>
+            <a:r>
+              <a:rPr lang="en-US" dirty="0"/>
+              <a:t>Pack my box with five dozen liquor jugs</a:t>
+            </a:r>
+          </a:p>
+          <a:p>
+            <a:r>
+              <a:rPr lang="en-US" dirty="0"/>
+              <a:t>The quick brown fox jumped of the lazy dog</a:t>
+            </a:r>
+          </a:p>
+          <a:p>
+            <a:pPr marL="0" indent="0">
+              <a:buNone/>
+            </a:pPr>
+            <a:endParaRPr lang="en-US" dirty="0"/>
+          </a:p>
+          <a:p>
+            <a:endParaRPr lang="en-US" dirty="0"/>
+          </a:p>
+          <a:p>
+            <a:endParaRPr lang="en-US" dirty="0"/>
+          </a:p>
+        </p:txBody>
+      </p:sp>
+      <p:pic>
+        <p:nvPicPr>
+          <p:cNvPr id="4" name="Picture 3">
+            <a:extLst>
+              <a:ext uri="{FF2B5EF4-FFF2-40B4-BE49-F238E27FC236}">
+                <a16:creationId xmlns:a16="http://schemas.microsoft.com/office/drawing/2014/main" id="{42F876F8-BA94-460C-8B6F-879A0857E822}"/>
+              </a:ext>
+            </a:extLst>
+          </p:cNvPr>
+          <p:cNvPicPr>
+            <a:picLocks noChangeAspect="1"/>
+          </p:cNvPicPr>
+          <p:nvPr/>
+        </p:nvPicPr>
+        <p:blipFill>
+          <a:blip r:embed="rId2">
+            <a:extLst>
+              <a:ext uri="{28A0092B-C50C-407E-A947-70E740481C1C}">
+                <a14:useLocalDpi xmlns:a14="http://schemas.microsoft.com/office/drawing/2010/main" val="0"/>
+              </a:ext>
+            </a:extLst>
+          </a:blip>
+          <a:stretch>
+            <a:fillRect/>
+          </a:stretch>
+        </p:blipFill>
+        <p:spPr>
+          <a:xfrm>
+            <a:off x="97539" y="5720937"/>
+            <a:ext cx="2766959" cy="961519"/>
+          </a:xfrm>
+          <a:prstGeom prst="rect">
+            <a:avLst/>
+          </a:prstGeom>
+        </p:spPr>
+      </p:pic>
+    </p:spTree>
+    <p:extLst>
+      <p:ext uri="{BB962C8B-B14F-4D97-AF65-F5344CB8AC3E}">
+        <p14:creationId xmlns:p14="http://schemas.microsoft.com/office/powerpoint/2010/main" val="2709930784"/>
+      </p:ext>
+    </p:extLst>
+  </p:cSld>
+  <p:clrMapOvr>
+    <a:masterClrMapping/>
+  </p:clrMapOvr>
+</p:sld>
+</file>
+
+<file path=ppt/slides/slide18.xml><?xml version="1.0" encoding="utf-8"?>
+<p:sld xmlns:a="http://schemas.openxmlformats.org/drawingml/2006/main" xmlns:r="http://schemas.openxmlformats.org/officeDocument/2006/relationships" xmlns:p="http://schemas.openxmlformats.org/presentationml/2006/main">
+  <p:cSld>
+    <p:spTree>
+      <p:nvGrpSpPr>
+        <p:cNvPr id="1" name=""/>
+        <p:cNvGrpSpPr/>
+        <p:nvPr/>
+      </p:nvGrpSpPr>
+      <p:grpSpPr>
+        <a:xfrm>
+          <a:off x="0" y="0"/>
+          <a:ext cx="0" cy="0"/>
+          <a:chOff x="0" y="0"/>
+          <a:chExt cx="0" cy="0"/>
+        </a:xfrm>
+      </p:grpSpPr>
+      <p:sp>
+        <p:nvSpPr>
+          <p:cNvPr id="2" name="Title 1">
+            <a:extLst>
+              <a:ext uri="{FF2B5EF4-FFF2-40B4-BE49-F238E27FC236}">
+                <a16:creationId xmlns:a16="http://schemas.microsoft.com/office/drawing/2014/main" id="{3C3D102C-2110-4109-9EEC-E1C846D030EF}"/>
+              </a:ext>
+            </a:extLst>
+          </p:cNvPr>
+          <p:cNvSpPr>
+            <a:spLocks noGrp="1"/>
+          </p:cNvSpPr>
+          <p:nvPr>
+            <p:ph type="title"/>
+          </p:nvPr>
+        </p:nvSpPr>
+        <p:spPr/>
+        <p:txBody>
+          <a:bodyPr/>
+          <a:lstStyle/>
+          <a:p>
+            <a:r>
+              <a:rPr lang="en-US" dirty="0"/>
+              <a:t>A5:2017 – Broken Access Control </a:t>
+            </a:r>
+            <a:br>
+              <a:rPr lang="en-US" dirty="0"/>
+            </a:br>
+            <a:r>
+              <a:rPr lang="en-US" dirty="0"/>
+              <a:t>(Guidance)</a:t>
+            </a:r>
+          </a:p>
+        </p:txBody>
+      </p:sp>
+      <p:sp>
+        <p:nvSpPr>
+          <p:cNvPr id="3" name="Content Placeholder 2">
+            <a:extLst>
+              <a:ext uri="{FF2B5EF4-FFF2-40B4-BE49-F238E27FC236}">
+                <a16:creationId xmlns:a16="http://schemas.microsoft.com/office/drawing/2014/main" id="{565D1607-5A81-4129-AA86-B9B5BBC35F74}"/>
+              </a:ext>
+            </a:extLst>
+          </p:cNvPr>
+          <p:cNvSpPr>
+            <a:spLocks noGrp="1"/>
+          </p:cNvSpPr>
+          <p:nvPr>
+            <p:ph idx="1"/>
+          </p:nvPr>
+        </p:nvSpPr>
+        <p:spPr/>
+        <p:txBody>
+          <a:bodyPr/>
+          <a:lstStyle/>
+          <a:p>
+            <a:r>
+              <a:rPr lang="en-US" dirty="0"/>
+              <a:t>Gross boys always follow last place in sending pics</a:t>
+            </a:r>
+          </a:p>
+          <a:p>
+            <a:r>
+              <a:rPr lang="en-US" dirty="0"/>
+              <a:t>Pack my box with five dozen liquor jugs</a:t>
+            </a:r>
+          </a:p>
+          <a:p>
+            <a:r>
+              <a:rPr lang="en-US" dirty="0"/>
+              <a:t>The quick brown fox jumped of the lazy dog</a:t>
+            </a:r>
+          </a:p>
+          <a:p>
+            <a:r>
+              <a:rPr lang="en-US" dirty="0"/>
+              <a:t>Gross boys always follow last place in sending pics</a:t>
+            </a:r>
+          </a:p>
+          <a:p>
+            <a:r>
+              <a:rPr lang="en-US" dirty="0"/>
+              <a:t>Pack my box with five dozen liquor jugs</a:t>
+            </a:r>
+          </a:p>
+          <a:p>
+            <a:r>
+              <a:rPr lang="en-US" dirty="0"/>
+              <a:t>The quick brown fox jumped of the lazy dog</a:t>
+            </a:r>
+          </a:p>
+          <a:p>
+            <a:pPr marL="0" indent="0">
+              <a:buNone/>
+            </a:pPr>
+            <a:endParaRPr lang="en-US" dirty="0"/>
+          </a:p>
+          <a:p>
+            <a:endParaRPr lang="en-US" dirty="0"/>
+          </a:p>
+          <a:p>
+            <a:endParaRPr lang="en-US" dirty="0"/>
+          </a:p>
+        </p:txBody>
+      </p:sp>
+      <p:pic>
+        <p:nvPicPr>
+          <p:cNvPr id="4" name="Picture 3">
+            <a:extLst>
+              <a:ext uri="{FF2B5EF4-FFF2-40B4-BE49-F238E27FC236}">
+                <a16:creationId xmlns:a16="http://schemas.microsoft.com/office/drawing/2014/main" id="{42F876F8-BA94-460C-8B6F-879A0857E822}"/>
+              </a:ext>
+            </a:extLst>
+          </p:cNvPr>
+          <p:cNvPicPr>
+            <a:picLocks noChangeAspect="1"/>
+          </p:cNvPicPr>
+          <p:nvPr/>
+        </p:nvPicPr>
+        <p:blipFill>
+          <a:blip r:embed="rId2">
+            <a:extLst>
+              <a:ext uri="{28A0092B-C50C-407E-A947-70E740481C1C}">
+                <a14:useLocalDpi xmlns:a14="http://schemas.microsoft.com/office/drawing/2010/main" val="0"/>
+              </a:ext>
+            </a:extLst>
+          </a:blip>
+          <a:stretch>
+            <a:fillRect/>
+          </a:stretch>
+        </p:blipFill>
+        <p:spPr>
+          <a:xfrm>
+            <a:off x="97539" y="5720937"/>
+            <a:ext cx="2766959" cy="961519"/>
+          </a:xfrm>
+          <a:prstGeom prst="rect">
+            <a:avLst/>
+          </a:prstGeom>
+        </p:spPr>
+      </p:pic>
+    </p:spTree>
+    <p:extLst>
+      <p:ext uri="{BB962C8B-B14F-4D97-AF65-F5344CB8AC3E}">
+        <p14:creationId xmlns:p14="http://schemas.microsoft.com/office/powerpoint/2010/main" val="1202476905"/>
+      </p:ext>
+    </p:extLst>
+  </p:cSld>
+  <p:clrMapOvr>
+    <a:masterClrMapping/>
+  </p:clrMapOvr>
+</p:sld>
+</file>
+
+<file path=ppt/slides/slide19.xml><?xml version="1.0" encoding="utf-8"?>
+<p:sld xmlns:a="http://schemas.openxmlformats.org/drawingml/2006/main" xmlns:r="http://schemas.openxmlformats.org/officeDocument/2006/relationships" xmlns:p="http://schemas.openxmlformats.org/presentationml/2006/main">
+  <p:cSld>
+    <p:spTree>
+      <p:nvGrpSpPr>
+        <p:cNvPr id="1" name=""/>
+        <p:cNvGrpSpPr/>
+        <p:nvPr/>
+      </p:nvGrpSpPr>
+      <p:grpSpPr>
+        <a:xfrm>
+          <a:off x="0" y="0"/>
+          <a:ext cx="0" cy="0"/>
+          <a:chOff x="0" y="0"/>
+          <a:chExt cx="0" cy="0"/>
+        </a:xfrm>
+      </p:grpSpPr>
+      <p:sp>
+        <p:nvSpPr>
+          <p:cNvPr id="2" name="Title 1">
+            <a:extLst>
+              <a:ext uri="{FF2B5EF4-FFF2-40B4-BE49-F238E27FC236}">
+                <a16:creationId xmlns:a16="http://schemas.microsoft.com/office/drawing/2014/main" id="{3C3D102C-2110-4109-9EEC-E1C846D030EF}"/>
+              </a:ext>
+            </a:extLst>
+          </p:cNvPr>
+          <p:cNvSpPr>
+            <a:spLocks noGrp="1"/>
+          </p:cNvSpPr>
+          <p:nvPr>
+            <p:ph type="title"/>
+          </p:nvPr>
+        </p:nvSpPr>
+        <p:spPr/>
+        <p:txBody>
+          <a:bodyPr/>
+          <a:lstStyle/>
+          <a:p>
+            <a:r>
+              <a:rPr lang="en-US" dirty="0"/>
+              <a:t>A6:2017 – Security Misconfigurations</a:t>
+            </a:r>
+          </a:p>
+        </p:txBody>
+      </p:sp>
+      <p:sp>
+        <p:nvSpPr>
+          <p:cNvPr id="3" name="Content Placeholder 2">
+            <a:extLst>
+              <a:ext uri="{FF2B5EF4-FFF2-40B4-BE49-F238E27FC236}">
+                <a16:creationId xmlns:a16="http://schemas.microsoft.com/office/drawing/2014/main" id="{565D1607-5A81-4129-AA86-B9B5BBC35F74}"/>
+              </a:ext>
+            </a:extLst>
+          </p:cNvPr>
+          <p:cNvSpPr>
+            <a:spLocks noGrp="1"/>
+          </p:cNvSpPr>
+          <p:nvPr>
+            <p:ph idx="1"/>
+          </p:nvPr>
+        </p:nvSpPr>
+        <p:spPr/>
+        <p:txBody>
+          <a:bodyPr/>
+          <a:lstStyle/>
+          <a:p>
+            <a:r>
+              <a:rPr lang="en-US" dirty="0"/>
+              <a:t>Gross boys always follow last place in sending pics</a:t>
+            </a:r>
+          </a:p>
+          <a:p>
+            <a:r>
+              <a:rPr lang="en-US" dirty="0"/>
+              <a:t>Pack my box with five dozen liquor jugs</a:t>
+            </a:r>
+          </a:p>
+          <a:p>
+            <a:r>
+              <a:rPr lang="en-US" dirty="0"/>
+              <a:t>The quick brown fox jumped of the lazy dog</a:t>
+            </a:r>
+          </a:p>
+          <a:p>
+            <a:r>
+              <a:rPr lang="en-US" dirty="0"/>
+              <a:t>Gross boys always follow last place in sending pics</a:t>
+            </a:r>
+          </a:p>
+          <a:p>
+            <a:r>
+              <a:rPr lang="en-US" dirty="0"/>
+              <a:t>Pack my box with five dozen liquor jugs</a:t>
+            </a:r>
+          </a:p>
+          <a:p>
+            <a:r>
+              <a:rPr lang="en-US" dirty="0"/>
+              <a:t>The quick brown fox jumped of the lazy dog</a:t>
+            </a:r>
+          </a:p>
+          <a:p>
+            <a:pPr marL="0" indent="0">
+              <a:buNone/>
+            </a:pPr>
+            <a:endParaRPr lang="en-US" dirty="0"/>
+          </a:p>
+          <a:p>
+            <a:endParaRPr lang="en-US" dirty="0"/>
+          </a:p>
+          <a:p>
+            <a:endParaRPr lang="en-US" dirty="0"/>
+          </a:p>
+        </p:txBody>
+      </p:sp>
+      <p:pic>
+        <p:nvPicPr>
+          <p:cNvPr id="4" name="Picture 3">
+            <a:extLst>
+              <a:ext uri="{FF2B5EF4-FFF2-40B4-BE49-F238E27FC236}">
+                <a16:creationId xmlns:a16="http://schemas.microsoft.com/office/drawing/2014/main" id="{42F876F8-BA94-460C-8B6F-879A0857E822}"/>
+              </a:ext>
+            </a:extLst>
+          </p:cNvPr>
+          <p:cNvPicPr>
+            <a:picLocks noChangeAspect="1"/>
+          </p:cNvPicPr>
+          <p:nvPr/>
+        </p:nvPicPr>
+        <p:blipFill>
+          <a:blip r:embed="rId2">
+            <a:extLst>
+              <a:ext uri="{28A0092B-C50C-407E-A947-70E740481C1C}">
+                <a14:useLocalDpi xmlns:a14="http://schemas.microsoft.com/office/drawing/2010/main" val="0"/>
+              </a:ext>
+            </a:extLst>
+          </a:blip>
+          <a:stretch>
+            <a:fillRect/>
+          </a:stretch>
+        </p:blipFill>
+        <p:spPr>
+          <a:xfrm>
+            <a:off x="97539" y="5720937"/>
+            <a:ext cx="2766959" cy="961519"/>
+          </a:xfrm>
+          <a:prstGeom prst="rect">
+            <a:avLst/>
+          </a:prstGeom>
+        </p:spPr>
+      </p:pic>
+    </p:spTree>
+    <p:extLst>
+      <p:ext uri="{BB962C8B-B14F-4D97-AF65-F5344CB8AC3E}">
+        <p14:creationId xmlns:p14="http://schemas.microsoft.com/office/powerpoint/2010/main" val="3600156560"/>
       </p:ext>
     </p:extLst>
   </p:cSld>
@@ -7611,7 +9293,7 @@
             <p:ph idx="1"/>
             <p:extLst>
               <p:ext uri="{D42A27DB-BD31-4B8C-83A1-F6EECF244321}">
-                <p14:modId xmlns:p14="http://schemas.microsoft.com/office/powerpoint/2010/main" val="2428658228"/>
+                <p14:modId xmlns:p14="http://schemas.microsoft.com/office/powerpoint/2010/main" val="1508896058"/>
               </p:ext>
             </p:extLst>
           </p:nvPr>
@@ -7696,6 +9378,1646 @@
     <p:extLst>
       <p:ext uri="{BB962C8B-B14F-4D97-AF65-F5344CB8AC3E}">
         <p14:creationId xmlns:p14="http://schemas.microsoft.com/office/powerpoint/2010/main" val="2348058402"/>
+      </p:ext>
+    </p:extLst>
+  </p:cSld>
+  <p:clrMapOvr>
+    <a:masterClrMapping/>
+  </p:clrMapOvr>
+</p:sld>
+</file>
+
+<file path=ppt/slides/slide20.xml><?xml version="1.0" encoding="utf-8"?>
+<p:sld xmlns:a="http://schemas.openxmlformats.org/drawingml/2006/main" xmlns:r="http://schemas.openxmlformats.org/officeDocument/2006/relationships" xmlns:p="http://schemas.openxmlformats.org/presentationml/2006/main">
+  <p:cSld>
+    <p:spTree>
+      <p:nvGrpSpPr>
+        <p:cNvPr id="1" name=""/>
+        <p:cNvGrpSpPr/>
+        <p:nvPr/>
+      </p:nvGrpSpPr>
+      <p:grpSpPr>
+        <a:xfrm>
+          <a:off x="0" y="0"/>
+          <a:ext cx="0" cy="0"/>
+          <a:chOff x="0" y="0"/>
+          <a:chExt cx="0" cy="0"/>
+        </a:xfrm>
+      </p:grpSpPr>
+      <p:sp>
+        <p:nvSpPr>
+          <p:cNvPr id="2" name="Title 1">
+            <a:extLst>
+              <a:ext uri="{FF2B5EF4-FFF2-40B4-BE49-F238E27FC236}">
+                <a16:creationId xmlns:a16="http://schemas.microsoft.com/office/drawing/2014/main" id="{3C3D102C-2110-4109-9EEC-E1C846D030EF}"/>
+              </a:ext>
+            </a:extLst>
+          </p:cNvPr>
+          <p:cNvSpPr>
+            <a:spLocks noGrp="1"/>
+          </p:cNvSpPr>
+          <p:nvPr>
+            <p:ph type="title"/>
+          </p:nvPr>
+        </p:nvSpPr>
+        <p:spPr/>
+        <p:txBody>
+          <a:bodyPr/>
+          <a:lstStyle/>
+          <a:p>
+            <a:r>
+              <a:rPr lang="en-US" dirty="0"/>
+              <a:t>A6:2017 – Security Misconfigurations (Mitigations)</a:t>
+            </a:r>
+          </a:p>
+        </p:txBody>
+      </p:sp>
+      <p:sp>
+        <p:nvSpPr>
+          <p:cNvPr id="3" name="Content Placeholder 2">
+            <a:extLst>
+              <a:ext uri="{FF2B5EF4-FFF2-40B4-BE49-F238E27FC236}">
+                <a16:creationId xmlns:a16="http://schemas.microsoft.com/office/drawing/2014/main" id="{565D1607-5A81-4129-AA86-B9B5BBC35F74}"/>
+              </a:ext>
+            </a:extLst>
+          </p:cNvPr>
+          <p:cNvSpPr>
+            <a:spLocks noGrp="1"/>
+          </p:cNvSpPr>
+          <p:nvPr>
+            <p:ph idx="1"/>
+          </p:nvPr>
+        </p:nvSpPr>
+        <p:spPr/>
+        <p:txBody>
+          <a:bodyPr/>
+          <a:lstStyle/>
+          <a:p>
+            <a:r>
+              <a:rPr lang="en-US" dirty="0"/>
+              <a:t>Gross boys always follow last place in sending pics</a:t>
+            </a:r>
+          </a:p>
+          <a:p>
+            <a:r>
+              <a:rPr lang="en-US" dirty="0"/>
+              <a:t>Pack my box with five dozen liquor jugs</a:t>
+            </a:r>
+          </a:p>
+          <a:p>
+            <a:r>
+              <a:rPr lang="en-US" dirty="0"/>
+              <a:t>The quick brown fox jumped of the lazy dog</a:t>
+            </a:r>
+          </a:p>
+          <a:p>
+            <a:r>
+              <a:rPr lang="en-US" dirty="0"/>
+              <a:t>Gross boys always follow last place in sending pics</a:t>
+            </a:r>
+          </a:p>
+          <a:p>
+            <a:r>
+              <a:rPr lang="en-US" dirty="0"/>
+              <a:t>Pack my box with five dozen liquor jugs</a:t>
+            </a:r>
+          </a:p>
+          <a:p>
+            <a:r>
+              <a:rPr lang="en-US" dirty="0"/>
+              <a:t>The quick brown fox jumped of the lazy dog</a:t>
+            </a:r>
+          </a:p>
+          <a:p>
+            <a:pPr marL="0" indent="0">
+              <a:buNone/>
+            </a:pPr>
+            <a:endParaRPr lang="en-US" dirty="0"/>
+          </a:p>
+          <a:p>
+            <a:endParaRPr lang="en-US" dirty="0"/>
+          </a:p>
+          <a:p>
+            <a:endParaRPr lang="en-US" dirty="0"/>
+          </a:p>
+        </p:txBody>
+      </p:sp>
+      <p:pic>
+        <p:nvPicPr>
+          <p:cNvPr id="4" name="Picture 3">
+            <a:extLst>
+              <a:ext uri="{FF2B5EF4-FFF2-40B4-BE49-F238E27FC236}">
+                <a16:creationId xmlns:a16="http://schemas.microsoft.com/office/drawing/2014/main" id="{42F876F8-BA94-460C-8B6F-879A0857E822}"/>
+              </a:ext>
+            </a:extLst>
+          </p:cNvPr>
+          <p:cNvPicPr>
+            <a:picLocks noChangeAspect="1"/>
+          </p:cNvPicPr>
+          <p:nvPr/>
+        </p:nvPicPr>
+        <p:blipFill>
+          <a:blip r:embed="rId2">
+            <a:extLst>
+              <a:ext uri="{28A0092B-C50C-407E-A947-70E740481C1C}">
+                <a14:useLocalDpi xmlns:a14="http://schemas.microsoft.com/office/drawing/2010/main" val="0"/>
+              </a:ext>
+            </a:extLst>
+          </a:blip>
+          <a:stretch>
+            <a:fillRect/>
+          </a:stretch>
+        </p:blipFill>
+        <p:spPr>
+          <a:xfrm>
+            <a:off x="97539" y="5720937"/>
+            <a:ext cx="2766959" cy="961519"/>
+          </a:xfrm>
+          <a:prstGeom prst="rect">
+            <a:avLst/>
+          </a:prstGeom>
+        </p:spPr>
+      </p:pic>
+    </p:spTree>
+    <p:extLst>
+      <p:ext uri="{BB962C8B-B14F-4D97-AF65-F5344CB8AC3E}">
+        <p14:creationId xmlns:p14="http://schemas.microsoft.com/office/powerpoint/2010/main" val="3135020067"/>
+      </p:ext>
+    </p:extLst>
+  </p:cSld>
+  <p:clrMapOvr>
+    <a:masterClrMapping/>
+  </p:clrMapOvr>
+</p:sld>
+</file>
+
+<file path=ppt/slides/slide21.xml><?xml version="1.0" encoding="utf-8"?>
+<p:sld xmlns:a="http://schemas.openxmlformats.org/drawingml/2006/main" xmlns:r="http://schemas.openxmlformats.org/officeDocument/2006/relationships" xmlns:p="http://schemas.openxmlformats.org/presentationml/2006/main">
+  <p:cSld>
+    <p:spTree>
+      <p:nvGrpSpPr>
+        <p:cNvPr id="1" name=""/>
+        <p:cNvGrpSpPr/>
+        <p:nvPr/>
+      </p:nvGrpSpPr>
+      <p:grpSpPr>
+        <a:xfrm>
+          <a:off x="0" y="0"/>
+          <a:ext cx="0" cy="0"/>
+          <a:chOff x="0" y="0"/>
+          <a:chExt cx="0" cy="0"/>
+        </a:xfrm>
+      </p:grpSpPr>
+      <p:sp>
+        <p:nvSpPr>
+          <p:cNvPr id="2" name="Title 1">
+            <a:extLst>
+              <a:ext uri="{FF2B5EF4-FFF2-40B4-BE49-F238E27FC236}">
+                <a16:creationId xmlns:a16="http://schemas.microsoft.com/office/drawing/2014/main" id="{3C3D102C-2110-4109-9EEC-E1C846D030EF}"/>
+              </a:ext>
+            </a:extLst>
+          </p:cNvPr>
+          <p:cNvSpPr>
+            <a:spLocks noGrp="1"/>
+          </p:cNvSpPr>
+          <p:nvPr>
+            <p:ph type="title"/>
+          </p:nvPr>
+        </p:nvSpPr>
+        <p:spPr/>
+        <p:txBody>
+          <a:bodyPr/>
+          <a:lstStyle/>
+          <a:p>
+            <a:r>
+              <a:rPr lang="en-US" dirty="0"/>
+              <a:t>A6:2017 – Security Misconfigurations (Guidance)</a:t>
+            </a:r>
+          </a:p>
+        </p:txBody>
+      </p:sp>
+      <p:sp>
+        <p:nvSpPr>
+          <p:cNvPr id="3" name="Content Placeholder 2">
+            <a:extLst>
+              <a:ext uri="{FF2B5EF4-FFF2-40B4-BE49-F238E27FC236}">
+                <a16:creationId xmlns:a16="http://schemas.microsoft.com/office/drawing/2014/main" id="{565D1607-5A81-4129-AA86-B9B5BBC35F74}"/>
+              </a:ext>
+            </a:extLst>
+          </p:cNvPr>
+          <p:cNvSpPr>
+            <a:spLocks noGrp="1"/>
+          </p:cNvSpPr>
+          <p:nvPr>
+            <p:ph idx="1"/>
+          </p:nvPr>
+        </p:nvSpPr>
+        <p:spPr/>
+        <p:txBody>
+          <a:bodyPr/>
+          <a:lstStyle/>
+          <a:p>
+            <a:r>
+              <a:rPr lang="en-US" dirty="0"/>
+              <a:t>Gross boys always follow last place in sending pics</a:t>
+            </a:r>
+          </a:p>
+          <a:p>
+            <a:r>
+              <a:rPr lang="en-US" dirty="0"/>
+              <a:t>Pack my box with five dozen liquor jugs</a:t>
+            </a:r>
+          </a:p>
+          <a:p>
+            <a:r>
+              <a:rPr lang="en-US" dirty="0"/>
+              <a:t>The quick brown fox jumped of the lazy dog</a:t>
+            </a:r>
+          </a:p>
+          <a:p>
+            <a:r>
+              <a:rPr lang="en-US" dirty="0"/>
+              <a:t>Gross boys always follow last place in sending pics</a:t>
+            </a:r>
+          </a:p>
+          <a:p>
+            <a:r>
+              <a:rPr lang="en-US" dirty="0"/>
+              <a:t>Pack my box with five dozen liquor jugs</a:t>
+            </a:r>
+          </a:p>
+          <a:p>
+            <a:r>
+              <a:rPr lang="en-US" dirty="0"/>
+              <a:t>The quick brown fox jumped of the lazy dog</a:t>
+            </a:r>
+          </a:p>
+          <a:p>
+            <a:pPr marL="0" indent="0">
+              <a:buNone/>
+            </a:pPr>
+            <a:endParaRPr lang="en-US" dirty="0"/>
+          </a:p>
+          <a:p>
+            <a:endParaRPr lang="en-US" dirty="0"/>
+          </a:p>
+          <a:p>
+            <a:endParaRPr lang="en-US" dirty="0"/>
+          </a:p>
+        </p:txBody>
+      </p:sp>
+      <p:pic>
+        <p:nvPicPr>
+          <p:cNvPr id="4" name="Picture 3">
+            <a:extLst>
+              <a:ext uri="{FF2B5EF4-FFF2-40B4-BE49-F238E27FC236}">
+                <a16:creationId xmlns:a16="http://schemas.microsoft.com/office/drawing/2014/main" id="{42F876F8-BA94-460C-8B6F-879A0857E822}"/>
+              </a:ext>
+            </a:extLst>
+          </p:cNvPr>
+          <p:cNvPicPr>
+            <a:picLocks noChangeAspect="1"/>
+          </p:cNvPicPr>
+          <p:nvPr/>
+        </p:nvPicPr>
+        <p:blipFill>
+          <a:blip r:embed="rId2">
+            <a:extLst>
+              <a:ext uri="{28A0092B-C50C-407E-A947-70E740481C1C}">
+                <a14:useLocalDpi xmlns:a14="http://schemas.microsoft.com/office/drawing/2010/main" val="0"/>
+              </a:ext>
+            </a:extLst>
+          </a:blip>
+          <a:stretch>
+            <a:fillRect/>
+          </a:stretch>
+        </p:blipFill>
+        <p:spPr>
+          <a:xfrm>
+            <a:off x="97539" y="5720937"/>
+            <a:ext cx="2766959" cy="961519"/>
+          </a:xfrm>
+          <a:prstGeom prst="rect">
+            <a:avLst/>
+          </a:prstGeom>
+        </p:spPr>
+      </p:pic>
+    </p:spTree>
+    <p:extLst>
+      <p:ext uri="{BB962C8B-B14F-4D97-AF65-F5344CB8AC3E}">
+        <p14:creationId xmlns:p14="http://schemas.microsoft.com/office/powerpoint/2010/main" val="2465849488"/>
+      </p:ext>
+    </p:extLst>
+  </p:cSld>
+  <p:clrMapOvr>
+    <a:masterClrMapping/>
+  </p:clrMapOvr>
+</p:sld>
+</file>
+
+<file path=ppt/slides/slide22.xml><?xml version="1.0" encoding="utf-8"?>
+<p:sld xmlns:a="http://schemas.openxmlformats.org/drawingml/2006/main" xmlns:r="http://schemas.openxmlformats.org/officeDocument/2006/relationships" xmlns:p="http://schemas.openxmlformats.org/presentationml/2006/main">
+  <p:cSld>
+    <p:spTree>
+      <p:nvGrpSpPr>
+        <p:cNvPr id="1" name=""/>
+        <p:cNvGrpSpPr/>
+        <p:nvPr/>
+      </p:nvGrpSpPr>
+      <p:grpSpPr>
+        <a:xfrm>
+          <a:off x="0" y="0"/>
+          <a:ext cx="0" cy="0"/>
+          <a:chOff x="0" y="0"/>
+          <a:chExt cx="0" cy="0"/>
+        </a:xfrm>
+      </p:grpSpPr>
+      <p:sp>
+        <p:nvSpPr>
+          <p:cNvPr id="2" name="Title 1">
+            <a:extLst>
+              <a:ext uri="{FF2B5EF4-FFF2-40B4-BE49-F238E27FC236}">
+                <a16:creationId xmlns:a16="http://schemas.microsoft.com/office/drawing/2014/main" id="{3C3D102C-2110-4109-9EEC-E1C846D030EF}"/>
+              </a:ext>
+            </a:extLst>
+          </p:cNvPr>
+          <p:cNvSpPr>
+            <a:spLocks noGrp="1"/>
+          </p:cNvSpPr>
+          <p:nvPr>
+            <p:ph type="title"/>
+          </p:nvPr>
+        </p:nvSpPr>
+        <p:spPr/>
+        <p:txBody>
+          <a:bodyPr/>
+          <a:lstStyle/>
+          <a:p>
+            <a:r>
+              <a:rPr lang="en-US" dirty="0"/>
+              <a:t>A7:2017 – Cross Site Scripting (XSS)</a:t>
+            </a:r>
+          </a:p>
+        </p:txBody>
+      </p:sp>
+      <p:sp>
+        <p:nvSpPr>
+          <p:cNvPr id="3" name="Content Placeholder 2">
+            <a:extLst>
+              <a:ext uri="{FF2B5EF4-FFF2-40B4-BE49-F238E27FC236}">
+                <a16:creationId xmlns:a16="http://schemas.microsoft.com/office/drawing/2014/main" id="{565D1607-5A81-4129-AA86-B9B5BBC35F74}"/>
+              </a:ext>
+            </a:extLst>
+          </p:cNvPr>
+          <p:cNvSpPr>
+            <a:spLocks noGrp="1"/>
+          </p:cNvSpPr>
+          <p:nvPr>
+            <p:ph idx="1"/>
+          </p:nvPr>
+        </p:nvSpPr>
+        <p:spPr/>
+        <p:txBody>
+          <a:bodyPr/>
+          <a:lstStyle/>
+          <a:p>
+            <a:r>
+              <a:rPr lang="en-US" dirty="0"/>
+              <a:t>Gross boys always follow last place in sending pics</a:t>
+            </a:r>
+          </a:p>
+          <a:p>
+            <a:r>
+              <a:rPr lang="en-US" dirty="0"/>
+              <a:t>Pack my box with five dozen liquor jugs</a:t>
+            </a:r>
+          </a:p>
+          <a:p>
+            <a:r>
+              <a:rPr lang="en-US" dirty="0"/>
+              <a:t>The quick brown fox jumped of the lazy dog</a:t>
+            </a:r>
+          </a:p>
+          <a:p>
+            <a:r>
+              <a:rPr lang="en-US" dirty="0"/>
+              <a:t>Gross boys always follow last place in sending pics</a:t>
+            </a:r>
+          </a:p>
+          <a:p>
+            <a:r>
+              <a:rPr lang="en-US" dirty="0"/>
+              <a:t>Pack my box with five dozen liquor jugs</a:t>
+            </a:r>
+          </a:p>
+          <a:p>
+            <a:r>
+              <a:rPr lang="en-US" dirty="0"/>
+              <a:t>The quick brown fox jumped of the lazy dog</a:t>
+            </a:r>
+          </a:p>
+          <a:p>
+            <a:pPr marL="0" indent="0">
+              <a:buNone/>
+            </a:pPr>
+            <a:endParaRPr lang="en-US" dirty="0"/>
+          </a:p>
+          <a:p>
+            <a:endParaRPr lang="en-US" dirty="0"/>
+          </a:p>
+          <a:p>
+            <a:endParaRPr lang="en-US" dirty="0"/>
+          </a:p>
+        </p:txBody>
+      </p:sp>
+      <p:pic>
+        <p:nvPicPr>
+          <p:cNvPr id="4" name="Picture 3">
+            <a:extLst>
+              <a:ext uri="{FF2B5EF4-FFF2-40B4-BE49-F238E27FC236}">
+                <a16:creationId xmlns:a16="http://schemas.microsoft.com/office/drawing/2014/main" id="{42F876F8-BA94-460C-8B6F-879A0857E822}"/>
+              </a:ext>
+            </a:extLst>
+          </p:cNvPr>
+          <p:cNvPicPr>
+            <a:picLocks noChangeAspect="1"/>
+          </p:cNvPicPr>
+          <p:nvPr/>
+        </p:nvPicPr>
+        <p:blipFill>
+          <a:blip r:embed="rId2">
+            <a:extLst>
+              <a:ext uri="{28A0092B-C50C-407E-A947-70E740481C1C}">
+                <a14:useLocalDpi xmlns:a14="http://schemas.microsoft.com/office/drawing/2010/main" val="0"/>
+              </a:ext>
+            </a:extLst>
+          </a:blip>
+          <a:stretch>
+            <a:fillRect/>
+          </a:stretch>
+        </p:blipFill>
+        <p:spPr>
+          <a:xfrm>
+            <a:off x="97539" y="5720937"/>
+            <a:ext cx="2766959" cy="961519"/>
+          </a:xfrm>
+          <a:prstGeom prst="rect">
+            <a:avLst/>
+          </a:prstGeom>
+        </p:spPr>
+      </p:pic>
+    </p:spTree>
+    <p:extLst>
+      <p:ext uri="{BB962C8B-B14F-4D97-AF65-F5344CB8AC3E}">
+        <p14:creationId xmlns:p14="http://schemas.microsoft.com/office/powerpoint/2010/main" val="3786132895"/>
+      </p:ext>
+    </p:extLst>
+  </p:cSld>
+  <p:clrMapOvr>
+    <a:masterClrMapping/>
+  </p:clrMapOvr>
+</p:sld>
+</file>
+
+<file path=ppt/slides/slide23.xml><?xml version="1.0" encoding="utf-8"?>
+<p:sld xmlns:a="http://schemas.openxmlformats.org/drawingml/2006/main" xmlns:r="http://schemas.openxmlformats.org/officeDocument/2006/relationships" xmlns:p="http://schemas.openxmlformats.org/presentationml/2006/main">
+  <p:cSld>
+    <p:spTree>
+      <p:nvGrpSpPr>
+        <p:cNvPr id="1" name=""/>
+        <p:cNvGrpSpPr/>
+        <p:nvPr/>
+      </p:nvGrpSpPr>
+      <p:grpSpPr>
+        <a:xfrm>
+          <a:off x="0" y="0"/>
+          <a:ext cx="0" cy="0"/>
+          <a:chOff x="0" y="0"/>
+          <a:chExt cx="0" cy="0"/>
+        </a:xfrm>
+      </p:grpSpPr>
+      <p:sp>
+        <p:nvSpPr>
+          <p:cNvPr id="2" name="Title 1">
+            <a:extLst>
+              <a:ext uri="{FF2B5EF4-FFF2-40B4-BE49-F238E27FC236}">
+                <a16:creationId xmlns:a16="http://schemas.microsoft.com/office/drawing/2014/main" id="{3C3D102C-2110-4109-9EEC-E1C846D030EF}"/>
+              </a:ext>
+            </a:extLst>
+          </p:cNvPr>
+          <p:cNvSpPr>
+            <a:spLocks noGrp="1"/>
+          </p:cNvSpPr>
+          <p:nvPr>
+            <p:ph type="title"/>
+          </p:nvPr>
+        </p:nvSpPr>
+        <p:spPr/>
+        <p:txBody>
+          <a:bodyPr/>
+          <a:lstStyle/>
+          <a:p>
+            <a:r>
+              <a:rPr lang="en-US" dirty="0"/>
+              <a:t>A7:2017 – Cross Site Scripting (XSS) (Mitigations)</a:t>
+            </a:r>
+          </a:p>
+        </p:txBody>
+      </p:sp>
+      <p:sp>
+        <p:nvSpPr>
+          <p:cNvPr id="3" name="Content Placeholder 2">
+            <a:extLst>
+              <a:ext uri="{FF2B5EF4-FFF2-40B4-BE49-F238E27FC236}">
+                <a16:creationId xmlns:a16="http://schemas.microsoft.com/office/drawing/2014/main" id="{565D1607-5A81-4129-AA86-B9B5BBC35F74}"/>
+              </a:ext>
+            </a:extLst>
+          </p:cNvPr>
+          <p:cNvSpPr>
+            <a:spLocks noGrp="1"/>
+          </p:cNvSpPr>
+          <p:nvPr>
+            <p:ph idx="1"/>
+          </p:nvPr>
+        </p:nvSpPr>
+        <p:spPr/>
+        <p:txBody>
+          <a:bodyPr/>
+          <a:lstStyle/>
+          <a:p>
+            <a:r>
+              <a:rPr lang="en-US" dirty="0"/>
+              <a:t>Gross boys always follow last place in sending pics</a:t>
+            </a:r>
+          </a:p>
+          <a:p>
+            <a:r>
+              <a:rPr lang="en-US" dirty="0"/>
+              <a:t>Pack my box with five dozen liquor jugs</a:t>
+            </a:r>
+          </a:p>
+          <a:p>
+            <a:r>
+              <a:rPr lang="en-US" dirty="0"/>
+              <a:t>The quick brown fox jumped of the lazy dog</a:t>
+            </a:r>
+          </a:p>
+          <a:p>
+            <a:r>
+              <a:rPr lang="en-US" dirty="0"/>
+              <a:t>Gross boys always follow last place in sending pics</a:t>
+            </a:r>
+          </a:p>
+          <a:p>
+            <a:r>
+              <a:rPr lang="en-US" dirty="0"/>
+              <a:t>Pack my box with five dozen liquor jugs</a:t>
+            </a:r>
+          </a:p>
+          <a:p>
+            <a:r>
+              <a:rPr lang="en-US" dirty="0"/>
+              <a:t>The quick brown fox jumped of the lazy dog</a:t>
+            </a:r>
+          </a:p>
+          <a:p>
+            <a:pPr marL="0" indent="0">
+              <a:buNone/>
+            </a:pPr>
+            <a:endParaRPr lang="en-US" dirty="0"/>
+          </a:p>
+          <a:p>
+            <a:endParaRPr lang="en-US" dirty="0"/>
+          </a:p>
+          <a:p>
+            <a:endParaRPr lang="en-US" dirty="0"/>
+          </a:p>
+        </p:txBody>
+      </p:sp>
+      <p:pic>
+        <p:nvPicPr>
+          <p:cNvPr id="4" name="Picture 3">
+            <a:extLst>
+              <a:ext uri="{FF2B5EF4-FFF2-40B4-BE49-F238E27FC236}">
+                <a16:creationId xmlns:a16="http://schemas.microsoft.com/office/drawing/2014/main" id="{42F876F8-BA94-460C-8B6F-879A0857E822}"/>
+              </a:ext>
+            </a:extLst>
+          </p:cNvPr>
+          <p:cNvPicPr>
+            <a:picLocks noChangeAspect="1"/>
+          </p:cNvPicPr>
+          <p:nvPr/>
+        </p:nvPicPr>
+        <p:blipFill>
+          <a:blip r:embed="rId2">
+            <a:extLst>
+              <a:ext uri="{28A0092B-C50C-407E-A947-70E740481C1C}">
+                <a14:useLocalDpi xmlns:a14="http://schemas.microsoft.com/office/drawing/2010/main" val="0"/>
+              </a:ext>
+            </a:extLst>
+          </a:blip>
+          <a:stretch>
+            <a:fillRect/>
+          </a:stretch>
+        </p:blipFill>
+        <p:spPr>
+          <a:xfrm>
+            <a:off x="97539" y="5720937"/>
+            <a:ext cx="2766959" cy="961519"/>
+          </a:xfrm>
+          <a:prstGeom prst="rect">
+            <a:avLst/>
+          </a:prstGeom>
+        </p:spPr>
+      </p:pic>
+    </p:spTree>
+    <p:extLst>
+      <p:ext uri="{BB962C8B-B14F-4D97-AF65-F5344CB8AC3E}">
+        <p14:creationId xmlns:p14="http://schemas.microsoft.com/office/powerpoint/2010/main" val="2673249909"/>
+      </p:ext>
+    </p:extLst>
+  </p:cSld>
+  <p:clrMapOvr>
+    <a:masterClrMapping/>
+  </p:clrMapOvr>
+</p:sld>
+</file>
+
+<file path=ppt/slides/slide24.xml><?xml version="1.0" encoding="utf-8"?>
+<p:sld xmlns:a="http://schemas.openxmlformats.org/drawingml/2006/main" xmlns:r="http://schemas.openxmlformats.org/officeDocument/2006/relationships" xmlns:p="http://schemas.openxmlformats.org/presentationml/2006/main">
+  <p:cSld>
+    <p:spTree>
+      <p:nvGrpSpPr>
+        <p:cNvPr id="1" name=""/>
+        <p:cNvGrpSpPr/>
+        <p:nvPr/>
+      </p:nvGrpSpPr>
+      <p:grpSpPr>
+        <a:xfrm>
+          <a:off x="0" y="0"/>
+          <a:ext cx="0" cy="0"/>
+          <a:chOff x="0" y="0"/>
+          <a:chExt cx="0" cy="0"/>
+        </a:xfrm>
+      </p:grpSpPr>
+      <p:sp>
+        <p:nvSpPr>
+          <p:cNvPr id="2" name="Title 1">
+            <a:extLst>
+              <a:ext uri="{FF2B5EF4-FFF2-40B4-BE49-F238E27FC236}">
+                <a16:creationId xmlns:a16="http://schemas.microsoft.com/office/drawing/2014/main" id="{3C3D102C-2110-4109-9EEC-E1C846D030EF}"/>
+              </a:ext>
+            </a:extLst>
+          </p:cNvPr>
+          <p:cNvSpPr>
+            <a:spLocks noGrp="1"/>
+          </p:cNvSpPr>
+          <p:nvPr>
+            <p:ph type="title"/>
+          </p:nvPr>
+        </p:nvSpPr>
+        <p:spPr/>
+        <p:txBody>
+          <a:bodyPr/>
+          <a:lstStyle/>
+          <a:p>
+            <a:r>
+              <a:rPr lang="en-US" dirty="0"/>
+              <a:t>A7:2017 – Cross Site Scripting (XSS)  (Guidance)</a:t>
+            </a:r>
+          </a:p>
+        </p:txBody>
+      </p:sp>
+      <p:sp>
+        <p:nvSpPr>
+          <p:cNvPr id="3" name="Content Placeholder 2">
+            <a:extLst>
+              <a:ext uri="{FF2B5EF4-FFF2-40B4-BE49-F238E27FC236}">
+                <a16:creationId xmlns:a16="http://schemas.microsoft.com/office/drawing/2014/main" id="{565D1607-5A81-4129-AA86-B9B5BBC35F74}"/>
+              </a:ext>
+            </a:extLst>
+          </p:cNvPr>
+          <p:cNvSpPr>
+            <a:spLocks noGrp="1"/>
+          </p:cNvSpPr>
+          <p:nvPr>
+            <p:ph idx="1"/>
+          </p:nvPr>
+        </p:nvSpPr>
+        <p:spPr/>
+        <p:txBody>
+          <a:bodyPr/>
+          <a:lstStyle/>
+          <a:p>
+            <a:r>
+              <a:rPr lang="en-US" dirty="0"/>
+              <a:t>Gross boys always follow last place in sending pics</a:t>
+            </a:r>
+          </a:p>
+          <a:p>
+            <a:r>
+              <a:rPr lang="en-US" dirty="0"/>
+              <a:t>Pack my box with five dozen liquor jugs</a:t>
+            </a:r>
+          </a:p>
+          <a:p>
+            <a:r>
+              <a:rPr lang="en-US" dirty="0"/>
+              <a:t>The quick brown fox jumped of the lazy dog</a:t>
+            </a:r>
+          </a:p>
+          <a:p>
+            <a:r>
+              <a:rPr lang="en-US" dirty="0"/>
+              <a:t>Gross boys always follow last place in sending pics</a:t>
+            </a:r>
+          </a:p>
+          <a:p>
+            <a:r>
+              <a:rPr lang="en-US" dirty="0"/>
+              <a:t>Pack my box with five dozen liquor jugs</a:t>
+            </a:r>
+          </a:p>
+          <a:p>
+            <a:r>
+              <a:rPr lang="en-US" dirty="0"/>
+              <a:t>The quick brown fox jumped of the lazy dog</a:t>
+            </a:r>
+          </a:p>
+          <a:p>
+            <a:pPr marL="0" indent="0">
+              <a:buNone/>
+            </a:pPr>
+            <a:endParaRPr lang="en-US" dirty="0"/>
+          </a:p>
+          <a:p>
+            <a:endParaRPr lang="en-US" dirty="0"/>
+          </a:p>
+          <a:p>
+            <a:endParaRPr lang="en-US" dirty="0"/>
+          </a:p>
+        </p:txBody>
+      </p:sp>
+      <p:pic>
+        <p:nvPicPr>
+          <p:cNvPr id="4" name="Picture 3">
+            <a:extLst>
+              <a:ext uri="{FF2B5EF4-FFF2-40B4-BE49-F238E27FC236}">
+                <a16:creationId xmlns:a16="http://schemas.microsoft.com/office/drawing/2014/main" id="{42F876F8-BA94-460C-8B6F-879A0857E822}"/>
+              </a:ext>
+            </a:extLst>
+          </p:cNvPr>
+          <p:cNvPicPr>
+            <a:picLocks noChangeAspect="1"/>
+          </p:cNvPicPr>
+          <p:nvPr/>
+        </p:nvPicPr>
+        <p:blipFill>
+          <a:blip r:embed="rId2">
+            <a:extLst>
+              <a:ext uri="{28A0092B-C50C-407E-A947-70E740481C1C}">
+                <a14:useLocalDpi xmlns:a14="http://schemas.microsoft.com/office/drawing/2010/main" val="0"/>
+              </a:ext>
+            </a:extLst>
+          </a:blip>
+          <a:stretch>
+            <a:fillRect/>
+          </a:stretch>
+        </p:blipFill>
+        <p:spPr>
+          <a:xfrm>
+            <a:off x="97539" y="5720937"/>
+            <a:ext cx="2766959" cy="961519"/>
+          </a:xfrm>
+          <a:prstGeom prst="rect">
+            <a:avLst/>
+          </a:prstGeom>
+        </p:spPr>
+      </p:pic>
+    </p:spTree>
+    <p:extLst>
+      <p:ext uri="{BB962C8B-B14F-4D97-AF65-F5344CB8AC3E}">
+        <p14:creationId xmlns:p14="http://schemas.microsoft.com/office/powerpoint/2010/main" val="2408178330"/>
+      </p:ext>
+    </p:extLst>
+  </p:cSld>
+  <p:clrMapOvr>
+    <a:masterClrMapping/>
+  </p:clrMapOvr>
+</p:sld>
+</file>
+
+<file path=ppt/slides/slide25.xml><?xml version="1.0" encoding="utf-8"?>
+<p:sld xmlns:a="http://schemas.openxmlformats.org/drawingml/2006/main" xmlns:r="http://schemas.openxmlformats.org/officeDocument/2006/relationships" xmlns:p="http://schemas.openxmlformats.org/presentationml/2006/main">
+  <p:cSld>
+    <p:spTree>
+      <p:nvGrpSpPr>
+        <p:cNvPr id="1" name=""/>
+        <p:cNvGrpSpPr/>
+        <p:nvPr/>
+      </p:nvGrpSpPr>
+      <p:grpSpPr>
+        <a:xfrm>
+          <a:off x="0" y="0"/>
+          <a:ext cx="0" cy="0"/>
+          <a:chOff x="0" y="0"/>
+          <a:chExt cx="0" cy="0"/>
+        </a:xfrm>
+      </p:grpSpPr>
+      <p:sp>
+        <p:nvSpPr>
+          <p:cNvPr id="2" name="Title 1">
+            <a:extLst>
+              <a:ext uri="{FF2B5EF4-FFF2-40B4-BE49-F238E27FC236}">
+                <a16:creationId xmlns:a16="http://schemas.microsoft.com/office/drawing/2014/main" id="{3C3D102C-2110-4109-9EEC-E1C846D030EF}"/>
+              </a:ext>
+            </a:extLst>
+          </p:cNvPr>
+          <p:cNvSpPr>
+            <a:spLocks noGrp="1"/>
+          </p:cNvSpPr>
+          <p:nvPr>
+            <p:ph type="title"/>
+          </p:nvPr>
+        </p:nvSpPr>
+        <p:spPr/>
+        <p:txBody>
+          <a:bodyPr/>
+          <a:lstStyle/>
+          <a:p>
+            <a:r>
+              <a:rPr lang="en-US" dirty="0"/>
+              <a:t>A8:2017 – Insecure Deserialization</a:t>
+            </a:r>
+          </a:p>
+        </p:txBody>
+      </p:sp>
+      <p:sp>
+        <p:nvSpPr>
+          <p:cNvPr id="3" name="Content Placeholder 2">
+            <a:extLst>
+              <a:ext uri="{FF2B5EF4-FFF2-40B4-BE49-F238E27FC236}">
+                <a16:creationId xmlns:a16="http://schemas.microsoft.com/office/drawing/2014/main" id="{565D1607-5A81-4129-AA86-B9B5BBC35F74}"/>
+              </a:ext>
+            </a:extLst>
+          </p:cNvPr>
+          <p:cNvSpPr>
+            <a:spLocks noGrp="1"/>
+          </p:cNvSpPr>
+          <p:nvPr>
+            <p:ph idx="1"/>
+          </p:nvPr>
+        </p:nvSpPr>
+        <p:spPr/>
+        <p:txBody>
+          <a:bodyPr/>
+          <a:lstStyle/>
+          <a:p>
+            <a:r>
+              <a:rPr lang="en-US" dirty="0"/>
+              <a:t>Gross boys always follow last place in sending pics</a:t>
+            </a:r>
+          </a:p>
+          <a:p>
+            <a:r>
+              <a:rPr lang="en-US" dirty="0"/>
+              <a:t>Pack my box with five dozen liquor jugs</a:t>
+            </a:r>
+          </a:p>
+          <a:p>
+            <a:r>
+              <a:rPr lang="en-US" dirty="0"/>
+              <a:t>The quick brown fox jumped of the lazy dog</a:t>
+            </a:r>
+          </a:p>
+          <a:p>
+            <a:r>
+              <a:rPr lang="en-US" dirty="0"/>
+              <a:t>Gross boys always follow last place in sending pics</a:t>
+            </a:r>
+          </a:p>
+          <a:p>
+            <a:r>
+              <a:rPr lang="en-US" dirty="0"/>
+              <a:t>Pack my box with five dozen liquor jugs</a:t>
+            </a:r>
+          </a:p>
+          <a:p>
+            <a:r>
+              <a:rPr lang="en-US" dirty="0"/>
+              <a:t>The quick brown fox jumped of the lazy dog</a:t>
+            </a:r>
+          </a:p>
+          <a:p>
+            <a:pPr marL="0" indent="0">
+              <a:buNone/>
+            </a:pPr>
+            <a:endParaRPr lang="en-US" dirty="0"/>
+          </a:p>
+          <a:p>
+            <a:endParaRPr lang="en-US" dirty="0"/>
+          </a:p>
+          <a:p>
+            <a:endParaRPr lang="en-US" dirty="0"/>
+          </a:p>
+        </p:txBody>
+      </p:sp>
+      <p:pic>
+        <p:nvPicPr>
+          <p:cNvPr id="4" name="Picture 3">
+            <a:extLst>
+              <a:ext uri="{FF2B5EF4-FFF2-40B4-BE49-F238E27FC236}">
+                <a16:creationId xmlns:a16="http://schemas.microsoft.com/office/drawing/2014/main" id="{42F876F8-BA94-460C-8B6F-879A0857E822}"/>
+              </a:ext>
+            </a:extLst>
+          </p:cNvPr>
+          <p:cNvPicPr>
+            <a:picLocks noChangeAspect="1"/>
+          </p:cNvPicPr>
+          <p:nvPr/>
+        </p:nvPicPr>
+        <p:blipFill>
+          <a:blip r:embed="rId2">
+            <a:extLst>
+              <a:ext uri="{28A0092B-C50C-407E-A947-70E740481C1C}">
+                <a14:useLocalDpi xmlns:a14="http://schemas.microsoft.com/office/drawing/2010/main" val="0"/>
+              </a:ext>
+            </a:extLst>
+          </a:blip>
+          <a:stretch>
+            <a:fillRect/>
+          </a:stretch>
+        </p:blipFill>
+        <p:spPr>
+          <a:xfrm>
+            <a:off x="97539" y="5720937"/>
+            <a:ext cx="2766959" cy="961519"/>
+          </a:xfrm>
+          <a:prstGeom prst="rect">
+            <a:avLst/>
+          </a:prstGeom>
+        </p:spPr>
+      </p:pic>
+    </p:spTree>
+    <p:extLst>
+      <p:ext uri="{BB962C8B-B14F-4D97-AF65-F5344CB8AC3E}">
+        <p14:creationId xmlns:p14="http://schemas.microsoft.com/office/powerpoint/2010/main" val="3269194308"/>
+      </p:ext>
+    </p:extLst>
+  </p:cSld>
+  <p:clrMapOvr>
+    <a:masterClrMapping/>
+  </p:clrMapOvr>
+</p:sld>
+</file>
+
+<file path=ppt/slides/slide26.xml><?xml version="1.0" encoding="utf-8"?>
+<p:sld xmlns:a="http://schemas.openxmlformats.org/drawingml/2006/main" xmlns:r="http://schemas.openxmlformats.org/officeDocument/2006/relationships" xmlns:p="http://schemas.openxmlformats.org/presentationml/2006/main">
+  <p:cSld>
+    <p:spTree>
+      <p:nvGrpSpPr>
+        <p:cNvPr id="1" name=""/>
+        <p:cNvGrpSpPr/>
+        <p:nvPr/>
+      </p:nvGrpSpPr>
+      <p:grpSpPr>
+        <a:xfrm>
+          <a:off x="0" y="0"/>
+          <a:ext cx="0" cy="0"/>
+          <a:chOff x="0" y="0"/>
+          <a:chExt cx="0" cy="0"/>
+        </a:xfrm>
+      </p:grpSpPr>
+      <p:sp>
+        <p:nvSpPr>
+          <p:cNvPr id="2" name="Title 1">
+            <a:extLst>
+              <a:ext uri="{FF2B5EF4-FFF2-40B4-BE49-F238E27FC236}">
+                <a16:creationId xmlns:a16="http://schemas.microsoft.com/office/drawing/2014/main" id="{3C3D102C-2110-4109-9EEC-E1C846D030EF}"/>
+              </a:ext>
+            </a:extLst>
+          </p:cNvPr>
+          <p:cNvSpPr>
+            <a:spLocks noGrp="1"/>
+          </p:cNvSpPr>
+          <p:nvPr>
+            <p:ph type="title"/>
+          </p:nvPr>
+        </p:nvSpPr>
+        <p:spPr/>
+        <p:txBody>
+          <a:bodyPr/>
+          <a:lstStyle/>
+          <a:p>
+            <a:r>
+              <a:rPr lang="en-US" dirty="0"/>
+              <a:t>A8:2017 – Insecure Deserialization (Mitigations)</a:t>
+            </a:r>
+          </a:p>
+        </p:txBody>
+      </p:sp>
+      <p:sp>
+        <p:nvSpPr>
+          <p:cNvPr id="3" name="Content Placeholder 2">
+            <a:extLst>
+              <a:ext uri="{FF2B5EF4-FFF2-40B4-BE49-F238E27FC236}">
+                <a16:creationId xmlns:a16="http://schemas.microsoft.com/office/drawing/2014/main" id="{565D1607-5A81-4129-AA86-B9B5BBC35F74}"/>
+              </a:ext>
+            </a:extLst>
+          </p:cNvPr>
+          <p:cNvSpPr>
+            <a:spLocks noGrp="1"/>
+          </p:cNvSpPr>
+          <p:nvPr>
+            <p:ph idx="1"/>
+          </p:nvPr>
+        </p:nvSpPr>
+        <p:spPr/>
+        <p:txBody>
+          <a:bodyPr/>
+          <a:lstStyle/>
+          <a:p>
+            <a:r>
+              <a:rPr lang="en-US" dirty="0"/>
+              <a:t>Gross boys always follow last place in sending pics</a:t>
+            </a:r>
+          </a:p>
+          <a:p>
+            <a:r>
+              <a:rPr lang="en-US" dirty="0"/>
+              <a:t>Pack my box with five dozen liquor jugs</a:t>
+            </a:r>
+          </a:p>
+          <a:p>
+            <a:r>
+              <a:rPr lang="en-US" dirty="0"/>
+              <a:t>The quick brown fox jumped of the lazy dog</a:t>
+            </a:r>
+          </a:p>
+          <a:p>
+            <a:r>
+              <a:rPr lang="en-US" dirty="0"/>
+              <a:t>Gross boys always follow last place in sending pics</a:t>
+            </a:r>
+          </a:p>
+          <a:p>
+            <a:r>
+              <a:rPr lang="en-US" dirty="0"/>
+              <a:t>Pack my box with five dozen liquor jugs</a:t>
+            </a:r>
+          </a:p>
+          <a:p>
+            <a:r>
+              <a:rPr lang="en-US" dirty="0"/>
+              <a:t>The quick brown fox jumped of the lazy dog</a:t>
+            </a:r>
+          </a:p>
+          <a:p>
+            <a:pPr marL="0" indent="0">
+              <a:buNone/>
+            </a:pPr>
+            <a:endParaRPr lang="en-US" dirty="0"/>
+          </a:p>
+          <a:p>
+            <a:endParaRPr lang="en-US" dirty="0"/>
+          </a:p>
+          <a:p>
+            <a:endParaRPr lang="en-US" dirty="0"/>
+          </a:p>
+        </p:txBody>
+      </p:sp>
+      <p:pic>
+        <p:nvPicPr>
+          <p:cNvPr id="4" name="Picture 3">
+            <a:extLst>
+              <a:ext uri="{FF2B5EF4-FFF2-40B4-BE49-F238E27FC236}">
+                <a16:creationId xmlns:a16="http://schemas.microsoft.com/office/drawing/2014/main" id="{42F876F8-BA94-460C-8B6F-879A0857E822}"/>
+              </a:ext>
+            </a:extLst>
+          </p:cNvPr>
+          <p:cNvPicPr>
+            <a:picLocks noChangeAspect="1"/>
+          </p:cNvPicPr>
+          <p:nvPr/>
+        </p:nvPicPr>
+        <p:blipFill>
+          <a:blip r:embed="rId2">
+            <a:extLst>
+              <a:ext uri="{28A0092B-C50C-407E-A947-70E740481C1C}">
+                <a14:useLocalDpi xmlns:a14="http://schemas.microsoft.com/office/drawing/2010/main" val="0"/>
+              </a:ext>
+            </a:extLst>
+          </a:blip>
+          <a:stretch>
+            <a:fillRect/>
+          </a:stretch>
+        </p:blipFill>
+        <p:spPr>
+          <a:xfrm>
+            <a:off x="97539" y="5720937"/>
+            <a:ext cx="2766959" cy="961519"/>
+          </a:xfrm>
+          <a:prstGeom prst="rect">
+            <a:avLst/>
+          </a:prstGeom>
+        </p:spPr>
+      </p:pic>
+    </p:spTree>
+    <p:extLst>
+      <p:ext uri="{BB962C8B-B14F-4D97-AF65-F5344CB8AC3E}">
+        <p14:creationId xmlns:p14="http://schemas.microsoft.com/office/powerpoint/2010/main" val="1833925002"/>
+      </p:ext>
+    </p:extLst>
+  </p:cSld>
+  <p:clrMapOvr>
+    <a:masterClrMapping/>
+  </p:clrMapOvr>
+</p:sld>
+</file>
+
+<file path=ppt/slides/slide27.xml><?xml version="1.0" encoding="utf-8"?>
+<p:sld xmlns:a="http://schemas.openxmlformats.org/drawingml/2006/main" xmlns:r="http://schemas.openxmlformats.org/officeDocument/2006/relationships" xmlns:p="http://schemas.openxmlformats.org/presentationml/2006/main">
+  <p:cSld>
+    <p:spTree>
+      <p:nvGrpSpPr>
+        <p:cNvPr id="1" name=""/>
+        <p:cNvGrpSpPr/>
+        <p:nvPr/>
+      </p:nvGrpSpPr>
+      <p:grpSpPr>
+        <a:xfrm>
+          <a:off x="0" y="0"/>
+          <a:ext cx="0" cy="0"/>
+          <a:chOff x="0" y="0"/>
+          <a:chExt cx="0" cy="0"/>
+        </a:xfrm>
+      </p:grpSpPr>
+      <p:sp>
+        <p:nvSpPr>
+          <p:cNvPr id="2" name="Title 1">
+            <a:extLst>
+              <a:ext uri="{FF2B5EF4-FFF2-40B4-BE49-F238E27FC236}">
+                <a16:creationId xmlns:a16="http://schemas.microsoft.com/office/drawing/2014/main" id="{3C3D102C-2110-4109-9EEC-E1C846D030EF}"/>
+              </a:ext>
+            </a:extLst>
+          </p:cNvPr>
+          <p:cNvSpPr>
+            <a:spLocks noGrp="1"/>
+          </p:cNvSpPr>
+          <p:nvPr>
+            <p:ph type="title"/>
+          </p:nvPr>
+        </p:nvSpPr>
+        <p:spPr/>
+        <p:txBody>
+          <a:bodyPr/>
+          <a:lstStyle/>
+          <a:p>
+            <a:r>
+              <a:rPr lang="en-US" dirty="0"/>
+              <a:t>A8:2017 – Insecure Deserialization (Guidance)</a:t>
+            </a:r>
+          </a:p>
+        </p:txBody>
+      </p:sp>
+      <p:sp>
+        <p:nvSpPr>
+          <p:cNvPr id="3" name="Content Placeholder 2">
+            <a:extLst>
+              <a:ext uri="{FF2B5EF4-FFF2-40B4-BE49-F238E27FC236}">
+                <a16:creationId xmlns:a16="http://schemas.microsoft.com/office/drawing/2014/main" id="{565D1607-5A81-4129-AA86-B9B5BBC35F74}"/>
+              </a:ext>
+            </a:extLst>
+          </p:cNvPr>
+          <p:cNvSpPr>
+            <a:spLocks noGrp="1"/>
+          </p:cNvSpPr>
+          <p:nvPr>
+            <p:ph idx="1"/>
+          </p:nvPr>
+        </p:nvSpPr>
+        <p:spPr/>
+        <p:txBody>
+          <a:bodyPr/>
+          <a:lstStyle/>
+          <a:p>
+            <a:r>
+              <a:rPr lang="en-US" dirty="0"/>
+              <a:t>Gross boys always follow last place in sending pics</a:t>
+            </a:r>
+          </a:p>
+          <a:p>
+            <a:r>
+              <a:rPr lang="en-US" dirty="0"/>
+              <a:t>Pack my box with five dozen liquor jugs</a:t>
+            </a:r>
+          </a:p>
+          <a:p>
+            <a:r>
+              <a:rPr lang="en-US" dirty="0"/>
+              <a:t>The quick brown fox jumped of the lazy dog</a:t>
+            </a:r>
+          </a:p>
+          <a:p>
+            <a:r>
+              <a:rPr lang="en-US" dirty="0"/>
+              <a:t>Gross boys always follow last place in sending pics</a:t>
+            </a:r>
+          </a:p>
+          <a:p>
+            <a:r>
+              <a:rPr lang="en-US" dirty="0"/>
+              <a:t>Pack my box with five dozen liquor jugs</a:t>
+            </a:r>
+          </a:p>
+          <a:p>
+            <a:r>
+              <a:rPr lang="en-US" dirty="0"/>
+              <a:t>The quick brown fox jumped of the lazy dog</a:t>
+            </a:r>
+          </a:p>
+          <a:p>
+            <a:pPr marL="0" indent="0">
+              <a:buNone/>
+            </a:pPr>
+            <a:endParaRPr lang="en-US" dirty="0"/>
+          </a:p>
+          <a:p>
+            <a:endParaRPr lang="en-US" dirty="0"/>
+          </a:p>
+          <a:p>
+            <a:endParaRPr lang="en-US" dirty="0"/>
+          </a:p>
+        </p:txBody>
+      </p:sp>
+      <p:pic>
+        <p:nvPicPr>
+          <p:cNvPr id="4" name="Picture 3">
+            <a:extLst>
+              <a:ext uri="{FF2B5EF4-FFF2-40B4-BE49-F238E27FC236}">
+                <a16:creationId xmlns:a16="http://schemas.microsoft.com/office/drawing/2014/main" id="{42F876F8-BA94-460C-8B6F-879A0857E822}"/>
+              </a:ext>
+            </a:extLst>
+          </p:cNvPr>
+          <p:cNvPicPr>
+            <a:picLocks noChangeAspect="1"/>
+          </p:cNvPicPr>
+          <p:nvPr/>
+        </p:nvPicPr>
+        <p:blipFill>
+          <a:blip r:embed="rId2">
+            <a:extLst>
+              <a:ext uri="{28A0092B-C50C-407E-A947-70E740481C1C}">
+                <a14:useLocalDpi xmlns:a14="http://schemas.microsoft.com/office/drawing/2010/main" val="0"/>
+              </a:ext>
+            </a:extLst>
+          </a:blip>
+          <a:stretch>
+            <a:fillRect/>
+          </a:stretch>
+        </p:blipFill>
+        <p:spPr>
+          <a:xfrm>
+            <a:off x="97539" y="5720937"/>
+            <a:ext cx="2766959" cy="961519"/>
+          </a:xfrm>
+          <a:prstGeom prst="rect">
+            <a:avLst/>
+          </a:prstGeom>
+        </p:spPr>
+      </p:pic>
+    </p:spTree>
+    <p:extLst>
+      <p:ext uri="{BB962C8B-B14F-4D97-AF65-F5344CB8AC3E}">
+        <p14:creationId xmlns:p14="http://schemas.microsoft.com/office/powerpoint/2010/main" val="688306682"/>
+      </p:ext>
+    </p:extLst>
+  </p:cSld>
+  <p:clrMapOvr>
+    <a:masterClrMapping/>
+  </p:clrMapOvr>
+</p:sld>
+</file>
+
+<file path=ppt/slides/slide28.xml><?xml version="1.0" encoding="utf-8"?>
+<p:sld xmlns:a="http://schemas.openxmlformats.org/drawingml/2006/main" xmlns:r="http://schemas.openxmlformats.org/officeDocument/2006/relationships" xmlns:p="http://schemas.openxmlformats.org/presentationml/2006/main">
+  <p:cSld>
+    <p:spTree>
+      <p:nvGrpSpPr>
+        <p:cNvPr id="1" name=""/>
+        <p:cNvGrpSpPr/>
+        <p:nvPr/>
+      </p:nvGrpSpPr>
+      <p:grpSpPr>
+        <a:xfrm>
+          <a:off x="0" y="0"/>
+          <a:ext cx="0" cy="0"/>
+          <a:chOff x="0" y="0"/>
+          <a:chExt cx="0" cy="0"/>
+        </a:xfrm>
+      </p:grpSpPr>
+      <p:sp>
+        <p:nvSpPr>
+          <p:cNvPr id="2" name="Title 1">
+            <a:extLst>
+              <a:ext uri="{FF2B5EF4-FFF2-40B4-BE49-F238E27FC236}">
+                <a16:creationId xmlns:a16="http://schemas.microsoft.com/office/drawing/2014/main" id="{3C3D102C-2110-4109-9EEC-E1C846D030EF}"/>
+              </a:ext>
+            </a:extLst>
+          </p:cNvPr>
+          <p:cNvSpPr>
+            <a:spLocks noGrp="1"/>
+          </p:cNvSpPr>
+          <p:nvPr>
+            <p:ph type="title"/>
+          </p:nvPr>
+        </p:nvSpPr>
+        <p:spPr/>
+        <p:txBody>
+          <a:bodyPr/>
+          <a:lstStyle/>
+          <a:p>
+            <a:r>
+              <a:rPr lang="en-US" dirty="0"/>
+              <a:t>A9:2017 - Using Components w/ Known Vulns</a:t>
+            </a:r>
+          </a:p>
+        </p:txBody>
+      </p:sp>
+      <p:sp>
+        <p:nvSpPr>
+          <p:cNvPr id="3" name="Content Placeholder 2">
+            <a:extLst>
+              <a:ext uri="{FF2B5EF4-FFF2-40B4-BE49-F238E27FC236}">
+                <a16:creationId xmlns:a16="http://schemas.microsoft.com/office/drawing/2014/main" id="{565D1607-5A81-4129-AA86-B9B5BBC35F74}"/>
+              </a:ext>
+            </a:extLst>
+          </p:cNvPr>
+          <p:cNvSpPr>
+            <a:spLocks noGrp="1"/>
+          </p:cNvSpPr>
+          <p:nvPr>
+            <p:ph idx="1"/>
+          </p:nvPr>
+        </p:nvSpPr>
+        <p:spPr/>
+        <p:txBody>
+          <a:bodyPr/>
+          <a:lstStyle/>
+          <a:p>
+            <a:r>
+              <a:rPr lang="en-US" dirty="0"/>
+              <a:t>Gross boys always follow last place in sending pics</a:t>
+            </a:r>
+          </a:p>
+          <a:p>
+            <a:r>
+              <a:rPr lang="en-US" dirty="0"/>
+              <a:t>Pack my box with five dozen liquor jugs</a:t>
+            </a:r>
+          </a:p>
+          <a:p>
+            <a:r>
+              <a:rPr lang="en-US" dirty="0"/>
+              <a:t>The quick brown fox jumped of the lazy dog</a:t>
+            </a:r>
+          </a:p>
+          <a:p>
+            <a:r>
+              <a:rPr lang="en-US" dirty="0"/>
+              <a:t>Gross boys always follow last place in sending pics</a:t>
+            </a:r>
+          </a:p>
+          <a:p>
+            <a:r>
+              <a:rPr lang="en-US" dirty="0"/>
+              <a:t>Pack my box with five dozen liquor jugs</a:t>
+            </a:r>
+          </a:p>
+          <a:p>
+            <a:r>
+              <a:rPr lang="en-US" dirty="0"/>
+              <a:t>The quick brown fox jumped of the lazy dog</a:t>
+            </a:r>
+          </a:p>
+          <a:p>
+            <a:pPr marL="0" indent="0">
+              <a:buNone/>
+            </a:pPr>
+            <a:endParaRPr lang="en-US" dirty="0"/>
+          </a:p>
+          <a:p>
+            <a:endParaRPr lang="en-US" dirty="0"/>
+          </a:p>
+          <a:p>
+            <a:endParaRPr lang="en-US" dirty="0"/>
+          </a:p>
+        </p:txBody>
+      </p:sp>
+      <p:pic>
+        <p:nvPicPr>
+          <p:cNvPr id="4" name="Picture 3">
+            <a:extLst>
+              <a:ext uri="{FF2B5EF4-FFF2-40B4-BE49-F238E27FC236}">
+                <a16:creationId xmlns:a16="http://schemas.microsoft.com/office/drawing/2014/main" id="{42F876F8-BA94-460C-8B6F-879A0857E822}"/>
+              </a:ext>
+            </a:extLst>
+          </p:cNvPr>
+          <p:cNvPicPr>
+            <a:picLocks noChangeAspect="1"/>
+          </p:cNvPicPr>
+          <p:nvPr/>
+        </p:nvPicPr>
+        <p:blipFill>
+          <a:blip r:embed="rId2">
+            <a:extLst>
+              <a:ext uri="{28A0092B-C50C-407E-A947-70E740481C1C}">
+                <a14:useLocalDpi xmlns:a14="http://schemas.microsoft.com/office/drawing/2010/main" val="0"/>
+              </a:ext>
+            </a:extLst>
+          </a:blip>
+          <a:stretch>
+            <a:fillRect/>
+          </a:stretch>
+        </p:blipFill>
+        <p:spPr>
+          <a:xfrm>
+            <a:off x="97539" y="5720937"/>
+            <a:ext cx="2766959" cy="961519"/>
+          </a:xfrm>
+          <a:prstGeom prst="rect">
+            <a:avLst/>
+          </a:prstGeom>
+        </p:spPr>
+      </p:pic>
+    </p:spTree>
+    <p:extLst>
+      <p:ext uri="{BB962C8B-B14F-4D97-AF65-F5344CB8AC3E}">
+        <p14:creationId xmlns:p14="http://schemas.microsoft.com/office/powerpoint/2010/main" val="3275456663"/>
+      </p:ext>
+    </p:extLst>
+  </p:cSld>
+  <p:clrMapOvr>
+    <a:masterClrMapping/>
+  </p:clrMapOvr>
+</p:sld>
+</file>
+
+<file path=ppt/slides/slide29.xml><?xml version="1.0" encoding="utf-8"?>
+<p:sld xmlns:a="http://schemas.openxmlformats.org/drawingml/2006/main" xmlns:r="http://schemas.openxmlformats.org/officeDocument/2006/relationships" xmlns:p="http://schemas.openxmlformats.org/presentationml/2006/main">
+  <p:cSld>
+    <p:spTree>
+      <p:nvGrpSpPr>
+        <p:cNvPr id="1" name=""/>
+        <p:cNvGrpSpPr/>
+        <p:nvPr/>
+      </p:nvGrpSpPr>
+      <p:grpSpPr>
+        <a:xfrm>
+          <a:off x="0" y="0"/>
+          <a:ext cx="0" cy="0"/>
+          <a:chOff x="0" y="0"/>
+          <a:chExt cx="0" cy="0"/>
+        </a:xfrm>
+      </p:grpSpPr>
+      <p:sp>
+        <p:nvSpPr>
+          <p:cNvPr id="2" name="Title 1">
+            <a:extLst>
+              <a:ext uri="{FF2B5EF4-FFF2-40B4-BE49-F238E27FC236}">
+                <a16:creationId xmlns:a16="http://schemas.microsoft.com/office/drawing/2014/main" id="{3C3D102C-2110-4109-9EEC-E1C846D030EF}"/>
+              </a:ext>
+            </a:extLst>
+          </p:cNvPr>
+          <p:cNvSpPr>
+            <a:spLocks noGrp="1"/>
+          </p:cNvSpPr>
+          <p:nvPr>
+            <p:ph type="title"/>
+          </p:nvPr>
+        </p:nvSpPr>
+        <p:spPr/>
+        <p:txBody>
+          <a:bodyPr/>
+          <a:lstStyle/>
+          <a:p>
+            <a:r>
+              <a:rPr lang="en-US" dirty="0"/>
+              <a:t>A9:2017 - Using Components w/ Known Vulns (Mitigations)</a:t>
+            </a:r>
+          </a:p>
+        </p:txBody>
+      </p:sp>
+      <p:sp>
+        <p:nvSpPr>
+          <p:cNvPr id="3" name="Content Placeholder 2">
+            <a:extLst>
+              <a:ext uri="{FF2B5EF4-FFF2-40B4-BE49-F238E27FC236}">
+                <a16:creationId xmlns:a16="http://schemas.microsoft.com/office/drawing/2014/main" id="{565D1607-5A81-4129-AA86-B9B5BBC35F74}"/>
+              </a:ext>
+            </a:extLst>
+          </p:cNvPr>
+          <p:cNvSpPr>
+            <a:spLocks noGrp="1"/>
+          </p:cNvSpPr>
+          <p:nvPr>
+            <p:ph idx="1"/>
+          </p:nvPr>
+        </p:nvSpPr>
+        <p:spPr/>
+        <p:txBody>
+          <a:bodyPr/>
+          <a:lstStyle/>
+          <a:p>
+            <a:r>
+              <a:rPr lang="en-US" dirty="0"/>
+              <a:t>Gross boys always follow last place in sending pics</a:t>
+            </a:r>
+          </a:p>
+          <a:p>
+            <a:r>
+              <a:rPr lang="en-US" dirty="0"/>
+              <a:t>Pack my box with five dozen liquor jugs</a:t>
+            </a:r>
+          </a:p>
+          <a:p>
+            <a:r>
+              <a:rPr lang="en-US" dirty="0"/>
+              <a:t>The quick brown fox jumped of the lazy dog</a:t>
+            </a:r>
+          </a:p>
+          <a:p>
+            <a:r>
+              <a:rPr lang="en-US" dirty="0"/>
+              <a:t>Gross boys always follow last place in sending pics</a:t>
+            </a:r>
+          </a:p>
+          <a:p>
+            <a:r>
+              <a:rPr lang="en-US" dirty="0"/>
+              <a:t>Pack my box with five dozen liquor jugs</a:t>
+            </a:r>
+          </a:p>
+          <a:p>
+            <a:r>
+              <a:rPr lang="en-US" dirty="0"/>
+              <a:t>The quick brown fox jumped of the lazy dog</a:t>
+            </a:r>
+          </a:p>
+          <a:p>
+            <a:pPr marL="0" indent="0">
+              <a:buNone/>
+            </a:pPr>
+            <a:endParaRPr lang="en-US" dirty="0"/>
+          </a:p>
+          <a:p>
+            <a:endParaRPr lang="en-US" dirty="0"/>
+          </a:p>
+          <a:p>
+            <a:endParaRPr lang="en-US" dirty="0"/>
+          </a:p>
+        </p:txBody>
+      </p:sp>
+      <p:pic>
+        <p:nvPicPr>
+          <p:cNvPr id="4" name="Picture 3">
+            <a:extLst>
+              <a:ext uri="{FF2B5EF4-FFF2-40B4-BE49-F238E27FC236}">
+                <a16:creationId xmlns:a16="http://schemas.microsoft.com/office/drawing/2014/main" id="{42F876F8-BA94-460C-8B6F-879A0857E822}"/>
+              </a:ext>
+            </a:extLst>
+          </p:cNvPr>
+          <p:cNvPicPr>
+            <a:picLocks noChangeAspect="1"/>
+          </p:cNvPicPr>
+          <p:nvPr/>
+        </p:nvPicPr>
+        <p:blipFill>
+          <a:blip r:embed="rId2">
+            <a:extLst>
+              <a:ext uri="{28A0092B-C50C-407E-A947-70E740481C1C}">
+                <a14:useLocalDpi xmlns:a14="http://schemas.microsoft.com/office/drawing/2010/main" val="0"/>
+              </a:ext>
+            </a:extLst>
+          </a:blip>
+          <a:stretch>
+            <a:fillRect/>
+          </a:stretch>
+        </p:blipFill>
+        <p:spPr>
+          <a:xfrm>
+            <a:off x="97539" y="5720937"/>
+            <a:ext cx="2766959" cy="961519"/>
+          </a:xfrm>
+          <a:prstGeom prst="rect">
+            <a:avLst/>
+          </a:prstGeom>
+        </p:spPr>
+      </p:pic>
+    </p:spTree>
+    <p:extLst>
+      <p:ext uri="{BB962C8B-B14F-4D97-AF65-F5344CB8AC3E}">
+        <p14:creationId xmlns:p14="http://schemas.microsoft.com/office/powerpoint/2010/main" val="4246307273"/>
       </p:ext>
     </p:extLst>
   </p:cSld>
@@ -8296,7 +11618,663 @@
 </p:sld>
 </file>
 
-<file path=ppt/slides/slide4.xml><?xml version="1.0" encoding="utf-8"?>
+<file path=ppt/slides/slide30.xml><?xml version="1.0" encoding="utf-8"?>
+<p:sld xmlns:a="http://schemas.openxmlformats.org/drawingml/2006/main" xmlns:r="http://schemas.openxmlformats.org/officeDocument/2006/relationships" xmlns:p="http://schemas.openxmlformats.org/presentationml/2006/main">
+  <p:cSld>
+    <p:spTree>
+      <p:nvGrpSpPr>
+        <p:cNvPr id="1" name=""/>
+        <p:cNvGrpSpPr/>
+        <p:nvPr/>
+      </p:nvGrpSpPr>
+      <p:grpSpPr>
+        <a:xfrm>
+          <a:off x="0" y="0"/>
+          <a:ext cx="0" cy="0"/>
+          <a:chOff x="0" y="0"/>
+          <a:chExt cx="0" cy="0"/>
+        </a:xfrm>
+      </p:grpSpPr>
+      <p:sp>
+        <p:nvSpPr>
+          <p:cNvPr id="2" name="Title 1">
+            <a:extLst>
+              <a:ext uri="{FF2B5EF4-FFF2-40B4-BE49-F238E27FC236}">
+                <a16:creationId xmlns:a16="http://schemas.microsoft.com/office/drawing/2014/main" id="{3C3D102C-2110-4109-9EEC-E1C846D030EF}"/>
+              </a:ext>
+            </a:extLst>
+          </p:cNvPr>
+          <p:cNvSpPr>
+            <a:spLocks noGrp="1"/>
+          </p:cNvSpPr>
+          <p:nvPr>
+            <p:ph type="title"/>
+          </p:nvPr>
+        </p:nvSpPr>
+        <p:spPr/>
+        <p:txBody>
+          <a:bodyPr/>
+          <a:lstStyle/>
+          <a:p>
+            <a:r>
+              <a:rPr lang="en-US" dirty="0"/>
+              <a:t>A9:2017 - Using Components w/ Known Vulns (Guidance)</a:t>
+            </a:r>
+          </a:p>
+        </p:txBody>
+      </p:sp>
+      <p:sp>
+        <p:nvSpPr>
+          <p:cNvPr id="3" name="Content Placeholder 2">
+            <a:extLst>
+              <a:ext uri="{FF2B5EF4-FFF2-40B4-BE49-F238E27FC236}">
+                <a16:creationId xmlns:a16="http://schemas.microsoft.com/office/drawing/2014/main" id="{565D1607-5A81-4129-AA86-B9B5BBC35F74}"/>
+              </a:ext>
+            </a:extLst>
+          </p:cNvPr>
+          <p:cNvSpPr>
+            <a:spLocks noGrp="1"/>
+          </p:cNvSpPr>
+          <p:nvPr>
+            <p:ph idx="1"/>
+          </p:nvPr>
+        </p:nvSpPr>
+        <p:spPr/>
+        <p:txBody>
+          <a:bodyPr/>
+          <a:lstStyle/>
+          <a:p>
+            <a:r>
+              <a:rPr lang="en-US" dirty="0"/>
+              <a:t>Gross boys always follow last place in sending pics</a:t>
+            </a:r>
+          </a:p>
+          <a:p>
+            <a:r>
+              <a:rPr lang="en-US" dirty="0"/>
+              <a:t>Pack my box with five dozen liquor jugs</a:t>
+            </a:r>
+          </a:p>
+          <a:p>
+            <a:r>
+              <a:rPr lang="en-US" dirty="0"/>
+              <a:t>The quick brown fox jumped of the lazy dog</a:t>
+            </a:r>
+          </a:p>
+          <a:p>
+            <a:r>
+              <a:rPr lang="en-US" dirty="0"/>
+              <a:t>Gross boys always follow last place in sending pics</a:t>
+            </a:r>
+          </a:p>
+          <a:p>
+            <a:r>
+              <a:rPr lang="en-US" dirty="0"/>
+              <a:t>Pack my box with five dozen liquor jugs</a:t>
+            </a:r>
+          </a:p>
+          <a:p>
+            <a:r>
+              <a:rPr lang="en-US" dirty="0"/>
+              <a:t>The quick brown fox jumped of the lazy dog</a:t>
+            </a:r>
+          </a:p>
+          <a:p>
+            <a:pPr marL="0" indent="0">
+              <a:buNone/>
+            </a:pPr>
+            <a:endParaRPr lang="en-US" dirty="0"/>
+          </a:p>
+          <a:p>
+            <a:endParaRPr lang="en-US" dirty="0"/>
+          </a:p>
+          <a:p>
+            <a:endParaRPr lang="en-US" dirty="0"/>
+          </a:p>
+        </p:txBody>
+      </p:sp>
+      <p:pic>
+        <p:nvPicPr>
+          <p:cNvPr id="4" name="Picture 3">
+            <a:extLst>
+              <a:ext uri="{FF2B5EF4-FFF2-40B4-BE49-F238E27FC236}">
+                <a16:creationId xmlns:a16="http://schemas.microsoft.com/office/drawing/2014/main" id="{42F876F8-BA94-460C-8B6F-879A0857E822}"/>
+              </a:ext>
+            </a:extLst>
+          </p:cNvPr>
+          <p:cNvPicPr>
+            <a:picLocks noChangeAspect="1"/>
+          </p:cNvPicPr>
+          <p:nvPr/>
+        </p:nvPicPr>
+        <p:blipFill>
+          <a:blip r:embed="rId2">
+            <a:extLst>
+              <a:ext uri="{28A0092B-C50C-407E-A947-70E740481C1C}">
+                <a14:useLocalDpi xmlns:a14="http://schemas.microsoft.com/office/drawing/2010/main" val="0"/>
+              </a:ext>
+            </a:extLst>
+          </a:blip>
+          <a:stretch>
+            <a:fillRect/>
+          </a:stretch>
+        </p:blipFill>
+        <p:spPr>
+          <a:xfrm>
+            <a:off x="97539" y="5720937"/>
+            <a:ext cx="2766959" cy="961519"/>
+          </a:xfrm>
+          <a:prstGeom prst="rect">
+            <a:avLst/>
+          </a:prstGeom>
+        </p:spPr>
+      </p:pic>
+    </p:spTree>
+    <p:extLst>
+      <p:ext uri="{BB962C8B-B14F-4D97-AF65-F5344CB8AC3E}">
+        <p14:creationId xmlns:p14="http://schemas.microsoft.com/office/powerpoint/2010/main" val="1832751821"/>
+      </p:ext>
+    </p:extLst>
+  </p:cSld>
+  <p:clrMapOvr>
+    <a:masterClrMapping/>
+  </p:clrMapOvr>
+</p:sld>
+</file>
+
+<file path=ppt/slides/slide31.xml><?xml version="1.0" encoding="utf-8"?>
+<p:sld xmlns:a="http://schemas.openxmlformats.org/drawingml/2006/main" xmlns:r="http://schemas.openxmlformats.org/officeDocument/2006/relationships" xmlns:p="http://schemas.openxmlformats.org/presentationml/2006/main">
+  <p:cSld>
+    <p:spTree>
+      <p:nvGrpSpPr>
+        <p:cNvPr id="1" name=""/>
+        <p:cNvGrpSpPr/>
+        <p:nvPr/>
+      </p:nvGrpSpPr>
+      <p:grpSpPr>
+        <a:xfrm>
+          <a:off x="0" y="0"/>
+          <a:ext cx="0" cy="0"/>
+          <a:chOff x="0" y="0"/>
+          <a:chExt cx="0" cy="0"/>
+        </a:xfrm>
+      </p:grpSpPr>
+      <p:sp>
+        <p:nvSpPr>
+          <p:cNvPr id="2" name="Title 1">
+            <a:extLst>
+              <a:ext uri="{FF2B5EF4-FFF2-40B4-BE49-F238E27FC236}">
+                <a16:creationId xmlns:a16="http://schemas.microsoft.com/office/drawing/2014/main" id="{3C3D102C-2110-4109-9EEC-E1C846D030EF}"/>
+              </a:ext>
+            </a:extLst>
+          </p:cNvPr>
+          <p:cNvSpPr>
+            <a:spLocks noGrp="1"/>
+          </p:cNvSpPr>
+          <p:nvPr>
+            <p:ph type="title"/>
+          </p:nvPr>
+        </p:nvSpPr>
+        <p:spPr/>
+        <p:txBody>
+          <a:bodyPr/>
+          <a:lstStyle/>
+          <a:p>
+            <a:r>
+              <a:rPr lang="en-US" dirty="0"/>
+              <a:t>A10:2017 – Insufficient Logging\Monitoring</a:t>
+            </a:r>
+          </a:p>
+        </p:txBody>
+      </p:sp>
+      <p:sp>
+        <p:nvSpPr>
+          <p:cNvPr id="3" name="Content Placeholder 2">
+            <a:extLst>
+              <a:ext uri="{FF2B5EF4-FFF2-40B4-BE49-F238E27FC236}">
+                <a16:creationId xmlns:a16="http://schemas.microsoft.com/office/drawing/2014/main" id="{565D1607-5A81-4129-AA86-B9B5BBC35F74}"/>
+              </a:ext>
+            </a:extLst>
+          </p:cNvPr>
+          <p:cNvSpPr>
+            <a:spLocks noGrp="1"/>
+          </p:cNvSpPr>
+          <p:nvPr>
+            <p:ph idx="1"/>
+          </p:nvPr>
+        </p:nvSpPr>
+        <p:spPr/>
+        <p:txBody>
+          <a:bodyPr/>
+          <a:lstStyle/>
+          <a:p>
+            <a:r>
+              <a:rPr lang="en-US" dirty="0"/>
+              <a:t>Gross boys always follow last place in sending pics</a:t>
+            </a:r>
+          </a:p>
+          <a:p>
+            <a:r>
+              <a:rPr lang="en-US" dirty="0"/>
+              <a:t>Pack my box with five dozen liquor jugs</a:t>
+            </a:r>
+          </a:p>
+          <a:p>
+            <a:r>
+              <a:rPr lang="en-US" dirty="0"/>
+              <a:t>The quick brown fox jumped of the lazy dog</a:t>
+            </a:r>
+          </a:p>
+          <a:p>
+            <a:r>
+              <a:rPr lang="en-US" dirty="0"/>
+              <a:t>Gross boys always follow last place in sending pics</a:t>
+            </a:r>
+          </a:p>
+          <a:p>
+            <a:r>
+              <a:rPr lang="en-US" dirty="0"/>
+              <a:t>Pack my box with five dozen liquor jugs</a:t>
+            </a:r>
+          </a:p>
+          <a:p>
+            <a:r>
+              <a:rPr lang="en-US" dirty="0"/>
+              <a:t>The quick brown fox jumped of the lazy dog</a:t>
+            </a:r>
+          </a:p>
+          <a:p>
+            <a:pPr marL="0" indent="0">
+              <a:buNone/>
+            </a:pPr>
+            <a:endParaRPr lang="en-US" dirty="0"/>
+          </a:p>
+          <a:p>
+            <a:endParaRPr lang="en-US" dirty="0"/>
+          </a:p>
+          <a:p>
+            <a:endParaRPr lang="en-US" dirty="0"/>
+          </a:p>
+        </p:txBody>
+      </p:sp>
+      <p:pic>
+        <p:nvPicPr>
+          <p:cNvPr id="4" name="Picture 3">
+            <a:extLst>
+              <a:ext uri="{FF2B5EF4-FFF2-40B4-BE49-F238E27FC236}">
+                <a16:creationId xmlns:a16="http://schemas.microsoft.com/office/drawing/2014/main" id="{42F876F8-BA94-460C-8B6F-879A0857E822}"/>
+              </a:ext>
+            </a:extLst>
+          </p:cNvPr>
+          <p:cNvPicPr>
+            <a:picLocks noChangeAspect="1"/>
+          </p:cNvPicPr>
+          <p:nvPr/>
+        </p:nvPicPr>
+        <p:blipFill>
+          <a:blip r:embed="rId2">
+            <a:extLst>
+              <a:ext uri="{28A0092B-C50C-407E-A947-70E740481C1C}">
+                <a14:useLocalDpi xmlns:a14="http://schemas.microsoft.com/office/drawing/2010/main" val="0"/>
+              </a:ext>
+            </a:extLst>
+          </a:blip>
+          <a:stretch>
+            <a:fillRect/>
+          </a:stretch>
+        </p:blipFill>
+        <p:spPr>
+          <a:xfrm>
+            <a:off x="97539" y="5720937"/>
+            <a:ext cx="2766959" cy="961519"/>
+          </a:xfrm>
+          <a:prstGeom prst="rect">
+            <a:avLst/>
+          </a:prstGeom>
+        </p:spPr>
+      </p:pic>
+    </p:spTree>
+    <p:extLst>
+      <p:ext uri="{BB962C8B-B14F-4D97-AF65-F5344CB8AC3E}">
+        <p14:creationId xmlns:p14="http://schemas.microsoft.com/office/powerpoint/2010/main" val="1819038802"/>
+      </p:ext>
+    </p:extLst>
+  </p:cSld>
+  <p:clrMapOvr>
+    <a:masterClrMapping/>
+  </p:clrMapOvr>
+</p:sld>
+</file>
+
+<file path=ppt/slides/slide32.xml><?xml version="1.0" encoding="utf-8"?>
+<p:sld xmlns:a="http://schemas.openxmlformats.org/drawingml/2006/main" xmlns:r="http://schemas.openxmlformats.org/officeDocument/2006/relationships" xmlns:p="http://schemas.openxmlformats.org/presentationml/2006/main">
+  <p:cSld>
+    <p:spTree>
+      <p:nvGrpSpPr>
+        <p:cNvPr id="1" name=""/>
+        <p:cNvGrpSpPr/>
+        <p:nvPr/>
+      </p:nvGrpSpPr>
+      <p:grpSpPr>
+        <a:xfrm>
+          <a:off x="0" y="0"/>
+          <a:ext cx="0" cy="0"/>
+          <a:chOff x="0" y="0"/>
+          <a:chExt cx="0" cy="0"/>
+        </a:xfrm>
+      </p:grpSpPr>
+      <p:sp>
+        <p:nvSpPr>
+          <p:cNvPr id="2" name="Title 1">
+            <a:extLst>
+              <a:ext uri="{FF2B5EF4-FFF2-40B4-BE49-F238E27FC236}">
+                <a16:creationId xmlns:a16="http://schemas.microsoft.com/office/drawing/2014/main" id="{3C3D102C-2110-4109-9EEC-E1C846D030EF}"/>
+              </a:ext>
+            </a:extLst>
+          </p:cNvPr>
+          <p:cNvSpPr>
+            <a:spLocks noGrp="1"/>
+          </p:cNvSpPr>
+          <p:nvPr>
+            <p:ph type="title"/>
+          </p:nvPr>
+        </p:nvSpPr>
+        <p:spPr/>
+        <p:txBody>
+          <a:bodyPr/>
+          <a:lstStyle/>
+          <a:p>
+            <a:r>
+              <a:rPr lang="en-US" dirty="0"/>
+              <a:t>A10:2017 – Insufficient Logging\Monitoring (Mitigations)</a:t>
+            </a:r>
+          </a:p>
+        </p:txBody>
+      </p:sp>
+      <p:sp>
+        <p:nvSpPr>
+          <p:cNvPr id="3" name="Content Placeholder 2">
+            <a:extLst>
+              <a:ext uri="{FF2B5EF4-FFF2-40B4-BE49-F238E27FC236}">
+                <a16:creationId xmlns:a16="http://schemas.microsoft.com/office/drawing/2014/main" id="{565D1607-5A81-4129-AA86-B9B5BBC35F74}"/>
+              </a:ext>
+            </a:extLst>
+          </p:cNvPr>
+          <p:cNvSpPr>
+            <a:spLocks noGrp="1"/>
+          </p:cNvSpPr>
+          <p:nvPr>
+            <p:ph idx="1"/>
+          </p:nvPr>
+        </p:nvSpPr>
+        <p:spPr/>
+        <p:txBody>
+          <a:bodyPr/>
+          <a:lstStyle/>
+          <a:p>
+            <a:r>
+              <a:rPr lang="en-US" dirty="0"/>
+              <a:t>Don’t IGNORE ALERTS</a:t>
+            </a:r>
+          </a:p>
+          <a:p>
+            <a:r>
+              <a:rPr lang="en-US" dirty="0"/>
+              <a:t>Pack my box with five dozen liquor jugs</a:t>
+            </a:r>
+          </a:p>
+          <a:p>
+            <a:r>
+              <a:rPr lang="en-US" dirty="0"/>
+              <a:t>The quick brown fox jumped of the lazy dog</a:t>
+            </a:r>
+          </a:p>
+          <a:p>
+            <a:r>
+              <a:rPr lang="en-US" dirty="0"/>
+              <a:t>Gross boys always follow last place in sending pics</a:t>
+            </a:r>
+          </a:p>
+          <a:p>
+            <a:r>
+              <a:rPr lang="en-US" dirty="0"/>
+              <a:t>Pack my box with five dozen liquor jugs</a:t>
+            </a:r>
+          </a:p>
+          <a:p>
+            <a:r>
+              <a:rPr lang="en-US" dirty="0"/>
+              <a:t>The quick brown fox jumped of the lazy dog</a:t>
+            </a:r>
+          </a:p>
+          <a:p>
+            <a:pPr marL="0" indent="0">
+              <a:buNone/>
+            </a:pPr>
+            <a:endParaRPr lang="en-US" dirty="0"/>
+          </a:p>
+          <a:p>
+            <a:endParaRPr lang="en-US" dirty="0"/>
+          </a:p>
+          <a:p>
+            <a:endParaRPr lang="en-US" dirty="0"/>
+          </a:p>
+        </p:txBody>
+      </p:sp>
+      <p:pic>
+        <p:nvPicPr>
+          <p:cNvPr id="4" name="Picture 3">
+            <a:extLst>
+              <a:ext uri="{FF2B5EF4-FFF2-40B4-BE49-F238E27FC236}">
+                <a16:creationId xmlns:a16="http://schemas.microsoft.com/office/drawing/2014/main" id="{42F876F8-BA94-460C-8B6F-879A0857E822}"/>
+              </a:ext>
+            </a:extLst>
+          </p:cNvPr>
+          <p:cNvPicPr>
+            <a:picLocks noChangeAspect="1"/>
+          </p:cNvPicPr>
+          <p:nvPr/>
+        </p:nvPicPr>
+        <p:blipFill>
+          <a:blip r:embed="rId2">
+            <a:extLst>
+              <a:ext uri="{28A0092B-C50C-407E-A947-70E740481C1C}">
+                <a14:useLocalDpi xmlns:a14="http://schemas.microsoft.com/office/drawing/2010/main" val="0"/>
+              </a:ext>
+            </a:extLst>
+          </a:blip>
+          <a:stretch>
+            <a:fillRect/>
+          </a:stretch>
+        </p:blipFill>
+        <p:spPr>
+          <a:xfrm>
+            <a:off x="97539" y="5720937"/>
+            <a:ext cx="2766959" cy="961519"/>
+          </a:xfrm>
+          <a:prstGeom prst="rect">
+            <a:avLst/>
+          </a:prstGeom>
+        </p:spPr>
+      </p:pic>
+    </p:spTree>
+    <p:extLst>
+      <p:ext uri="{BB962C8B-B14F-4D97-AF65-F5344CB8AC3E}">
+        <p14:creationId xmlns:p14="http://schemas.microsoft.com/office/powerpoint/2010/main" val="2011827783"/>
+      </p:ext>
+    </p:extLst>
+  </p:cSld>
+  <p:clrMapOvr>
+    <a:masterClrMapping/>
+  </p:clrMapOvr>
+</p:sld>
+</file>
+
+<file path=ppt/slides/slide33.xml><?xml version="1.0" encoding="utf-8"?>
+<p:sld xmlns:a="http://schemas.openxmlformats.org/drawingml/2006/main" xmlns:r="http://schemas.openxmlformats.org/officeDocument/2006/relationships" xmlns:p="http://schemas.openxmlformats.org/presentationml/2006/main">
+  <p:cSld>
+    <p:spTree>
+      <p:nvGrpSpPr>
+        <p:cNvPr id="1" name=""/>
+        <p:cNvGrpSpPr/>
+        <p:nvPr/>
+      </p:nvGrpSpPr>
+      <p:grpSpPr>
+        <a:xfrm>
+          <a:off x="0" y="0"/>
+          <a:ext cx="0" cy="0"/>
+          <a:chOff x="0" y="0"/>
+          <a:chExt cx="0" cy="0"/>
+        </a:xfrm>
+      </p:grpSpPr>
+      <p:sp>
+        <p:nvSpPr>
+          <p:cNvPr id="2" name="Title 1">
+            <a:extLst>
+              <a:ext uri="{FF2B5EF4-FFF2-40B4-BE49-F238E27FC236}">
+                <a16:creationId xmlns:a16="http://schemas.microsoft.com/office/drawing/2014/main" id="{3C3D102C-2110-4109-9EEC-E1C846D030EF}"/>
+              </a:ext>
+            </a:extLst>
+          </p:cNvPr>
+          <p:cNvSpPr>
+            <a:spLocks noGrp="1"/>
+          </p:cNvSpPr>
+          <p:nvPr>
+            <p:ph type="title"/>
+          </p:nvPr>
+        </p:nvSpPr>
+        <p:spPr/>
+        <p:txBody>
+          <a:bodyPr/>
+          <a:lstStyle/>
+          <a:p>
+            <a:r>
+              <a:rPr lang="en-US" dirty="0"/>
+              <a:t>A10:2017 – Insufficient Logging\Monitoring (Guidance)</a:t>
+            </a:r>
+          </a:p>
+        </p:txBody>
+      </p:sp>
+      <p:sp>
+        <p:nvSpPr>
+          <p:cNvPr id="3" name="Content Placeholder 2">
+            <a:extLst>
+              <a:ext uri="{FF2B5EF4-FFF2-40B4-BE49-F238E27FC236}">
+                <a16:creationId xmlns:a16="http://schemas.microsoft.com/office/drawing/2014/main" id="{565D1607-5A81-4129-AA86-B9B5BBC35F74}"/>
+              </a:ext>
+            </a:extLst>
+          </p:cNvPr>
+          <p:cNvSpPr>
+            <a:spLocks noGrp="1"/>
+          </p:cNvSpPr>
+          <p:nvPr>
+            <p:ph idx="1"/>
+          </p:nvPr>
+        </p:nvSpPr>
+        <p:spPr/>
+        <p:txBody>
+          <a:bodyPr/>
+          <a:lstStyle/>
+          <a:p>
+            <a:r>
+              <a:rPr lang="en-US" dirty="0"/>
+              <a:t>Gross boys always follow last place in sending pics</a:t>
+            </a:r>
+          </a:p>
+          <a:p>
+            <a:r>
+              <a:rPr lang="en-US" dirty="0"/>
+              <a:t>Pack my box with five dozen liquor jugs</a:t>
+            </a:r>
+          </a:p>
+          <a:p>
+            <a:r>
+              <a:rPr lang="en-US" dirty="0"/>
+              <a:t>The quick brown fox jumped of the lazy dog</a:t>
+            </a:r>
+          </a:p>
+          <a:p>
+            <a:r>
+              <a:rPr lang="en-US" dirty="0"/>
+              <a:t>Gross boys always follow last place in sending pics</a:t>
+            </a:r>
+          </a:p>
+          <a:p>
+            <a:r>
+              <a:rPr lang="en-US" dirty="0"/>
+              <a:t>Pack my box with five dozen liquor jugs</a:t>
+            </a:r>
+          </a:p>
+          <a:p>
+            <a:r>
+              <a:rPr lang="en-US" dirty="0"/>
+              <a:t>The quick brown fox jumped of the lazy dog</a:t>
+            </a:r>
+          </a:p>
+          <a:p>
+            <a:pPr marL="0" indent="0">
+              <a:buNone/>
+            </a:pPr>
+            <a:endParaRPr lang="en-US" dirty="0"/>
+          </a:p>
+          <a:p>
+            <a:endParaRPr lang="en-US" dirty="0"/>
+          </a:p>
+          <a:p>
+            <a:endParaRPr lang="en-US" dirty="0"/>
+          </a:p>
+        </p:txBody>
+      </p:sp>
+      <p:pic>
+        <p:nvPicPr>
+          <p:cNvPr id="4" name="Picture 3">
+            <a:extLst>
+              <a:ext uri="{FF2B5EF4-FFF2-40B4-BE49-F238E27FC236}">
+                <a16:creationId xmlns:a16="http://schemas.microsoft.com/office/drawing/2014/main" id="{42F876F8-BA94-460C-8B6F-879A0857E822}"/>
+              </a:ext>
+            </a:extLst>
+          </p:cNvPr>
+          <p:cNvPicPr>
+            <a:picLocks noChangeAspect="1"/>
+          </p:cNvPicPr>
+          <p:nvPr/>
+        </p:nvPicPr>
+        <p:blipFill>
+          <a:blip r:embed="rId2">
+            <a:extLst>
+              <a:ext uri="{28A0092B-C50C-407E-A947-70E740481C1C}">
+                <a14:useLocalDpi xmlns:a14="http://schemas.microsoft.com/office/drawing/2010/main" val="0"/>
+              </a:ext>
+            </a:extLst>
+          </a:blip>
+          <a:stretch>
+            <a:fillRect/>
+          </a:stretch>
+        </p:blipFill>
+        <p:spPr>
+          <a:xfrm>
+            <a:off x="97539" y="5720937"/>
+            <a:ext cx="2766959" cy="961519"/>
+          </a:xfrm>
+          <a:prstGeom prst="rect">
+            <a:avLst/>
+          </a:prstGeom>
+        </p:spPr>
+      </p:pic>
+    </p:spTree>
+    <p:extLst>
+      <p:ext uri="{BB962C8B-B14F-4D97-AF65-F5344CB8AC3E}">
+        <p14:creationId xmlns:p14="http://schemas.microsoft.com/office/powerpoint/2010/main" val="1821270151"/>
+      </p:ext>
+    </p:extLst>
+  </p:cSld>
+  <p:clrMapOvr>
+    <a:masterClrMapping/>
+  </p:clrMapOvr>
+</p:sld>
+</file>
+
+<file path=ppt/slides/slide34.xml><?xml version="1.0" encoding="utf-8"?>
 <p:sld xmlns:a="http://schemas.openxmlformats.org/drawingml/2006/main" xmlns:r="http://schemas.openxmlformats.org/officeDocument/2006/relationships" xmlns:p="http://schemas.openxmlformats.org/presentationml/2006/main">
   <p:cSld>
     <p:bg>
@@ -9171,7 +13149,7 @@
         </p:nvSpPr>
         <p:spPr>
           <a:xfrm>
-            <a:off x="965199" y="465676"/>
+            <a:off x="763863" y="340596"/>
             <a:ext cx="5451504" cy="2754602"/>
           </a:xfrm>
         </p:spPr>
@@ -9182,8 +13160,23 @@
           <a:lstStyle/>
           <a:p>
             <a:r>
-              <a:rPr lang="en-US" sz="4000"/>
-              <a:t>Thank you, Jim Manico!</a:t>
+              <a:rPr lang="en-US" sz="8000" dirty="0"/>
+              <a:t>Thank you,</a:t>
+            </a:r>
+            <a:br>
+              <a:rPr lang="en-US" sz="8000" dirty="0"/>
+            </a:br>
+            <a:r>
+              <a:rPr lang="en-US" sz="8000" dirty="0"/>
+              <a:t> Jim </a:t>
+            </a:r>
+            <a:r>
+              <a:rPr lang="en-US" sz="8000" dirty="0" err="1"/>
+              <a:t>Manico</a:t>
+            </a:r>
+            <a:r>
+              <a:rPr lang="en-US" sz="8000" dirty="0"/>
+              <a:t>!</a:t>
             </a:r>
           </a:p>
         </p:txBody>
@@ -9206,8 +13199,8 @@
         </p:nvSpPr>
         <p:spPr>
           <a:xfrm>
-            <a:off x="965200" y="3393569"/>
-            <a:ext cx="3018553" cy="3123835"/>
+            <a:off x="415263" y="3391472"/>
+            <a:ext cx="6803007" cy="3123835"/>
           </a:xfrm>
         </p:spPr>
         <p:txBody>
@@ -9217,30 +13210,51 @@
           <a:lstStyle/>
           <a:p>
             <a:r>
-              <a:rPr lang="en-US" sz="2000" dirty="0"/>
-              <a:t>Met him at AppSec Cali 2019</a:t>
-            </a:r>
-          </a:p>
-          <a:p>
-            <a:r>
-              <a:rPr lang="en-US" sz="2000" dirty="0"/>
-              <a:t>Taught me everything I know about the Top Ten</a:t>
-            </a:r>
-          </a:p>
-          <a:p>
-            <a:r>
-              <a:rPr lang="en-US" sz="2000" dirty="0"/>
+              <a:rPr lang="en-US" sz="2400" dirty="0"/>
+              <a:t>Met him AppSec Cali 2019</a:t>
+            </a:r>
+          </a:p>
+          <a:p>
+            <a:r>
+              <a:rPr lang="en-US" sz="2400" dirty="0"/>
               <a:t>OWASP Global Leader</a:t>
             </a:r>
           </a:p>
           <a:p>
             <a:r>
-              <a:rPr lang="en-US" sz="2000" dirty="0">
+              <a:rPr lang="en-US" sz="2400" dirty="0"/>
+              <a:t>Taught me everything I know (about the Top Ten)</a:t>
+            </a:r>
+          </a:p>
+          <a:p>
+            <a:r>
+              <a:rPr lang="en-US" sz="2400" dirty="0">
                 <a:hlinkClick r:id="rId2"/>
               </a:rPr>
               <a:t>jim@manicode.com</a:t>
             </a:r>
-            <a:endParaRPr lang="en-US" sz="2000" dirty="0"/>
+            <a:endParaRPr lang="en-US" sz="2400" dirty="0"/>
+          </a:p>
+          <a:p>
+            <a:r>
+              <a:rPr lang="en-US" sz="2400" dirty="0">
+                <a:hlinkClick r:id="rId3"/>
+              </a:rPr>
+              <a:t>www.manicode.com</a:t>
+            </a:r>
+            <a:endParaRPr lang="en-US" sz="2400" dirty="0"/>
+          </a:p>
+          <a:p>
+            <a:r>
+              <a:rPr lang="en-US" sz="2400" dirty="0">
+                <a:hlinkClick r:id="rId4"/>
+              </a:rPr>
+              <a:t>https://www.youtube.com/watch?v=SMcZ0el-9ro</a:t>
+            </a:r>
+            <a:endParaRPr lang="en-US" sz="2400" dirty="0"/>
+          </a:p>
+          <a:p>
+            <a:endParaRPr lang="en-US" sz="2400" dirty="0"/>
           </a:p>
           <a:p>
             <a:endParaRPr lang="en-US" sz="2000" dirty="0"/>
@@ -9262,7 +13276,7 @@
           <p:nvPr/>
         </p:nvPicPr>
         <p:blipFill>
-          <a:blip r:embed="rId3">
+          <a:blip r:embed="rId5">
             <a:extLst>
               <a:ext uri="{28A0092B-C50C-407E-A947-70E740481C1C}">
                 <a14:useLocalDpi xmlns:a14="http://schemas.microsoft.com/office/drawing/2010/main" val="0"/>
@@ -9275,7 +13289,7 @@
         </p:blipFill>
         <p:spPr>
           <a:xfrm>
-            <a:off x="4652143" y="4568066"/>
+            <a:off x="4593274" y="3539590"/>
             <a:ext cx="2229761" cy="774842"/>
           </a:xfrm>
           <a:prstGeom prst="rect">
@@ -9298,7 +13312,7 @@
           <p:nvPr/>
         </p:nvPicPr>
         <p:blipFill>
-          <a:blip r:embed="rId4">
+          <a:blip r:embed="rId6">
             <a:extLst>
               <a:ext uri="{28A0092B-C50C-407E-A947-70E740481C1C}">
                 <a14:useLocalDpi xmlns:a14="http://schemas.microsoft.com/office/drawing/2010/main" val="0"/>
@@ -9334,13 +13348,13 @@
           <p:nvPr/>
         </p:nvPicPr>
         <p:blipFill>
-          <a:blip r:embed="rId5">
+          <a:blip r:embed="rId7">
             <a:extLst>
               <a:ext uri="{28A0092B-C50C-407E-A947-70E740481C1C}">
                 <a14:useLocalDpi xmlns:a14="http://schemas.microsoft.com/office/drawing/2010/main" val="0"/>
               </a:ext>
               <a:ext uri="{96DAC541-7B7A-43D3-8B79-37D633B846F1}">
-                <asvg:svgBlip xmlns:asvg="http://schemas.microsoft.com/office/drawing/2016/SVG/main" r:embed="rId6"/>
+                <asvg:svgBlip xmlns:asvg="http://schemas.microsoft.com/office/drawing/2016/SVG/main" r:embed="rId8"/>
               </a:ext>
             </a:extLst>
           </a:blip>
@@ -9362,6 +13376,303 @@
     <p:extLst>
       <p:ext uri="{BB962C8B-B14F-4D97-AF65-F5344CB8AC3E}">
         <p14:creationId xmlns:p14="http://schemas.microsoft.com/office/powerpoint/2010/main" val="2978900368"/>
+      </p:ext>
+    </p:extLst>
+  </p:cSld>
+  <p:clrMapOvr>
+    <a:masterClrMapping/>
+  </p:clrMapOvr>
+</p:sld>
+</file>
+
+<file path=ppt/slides/slide35.xml><?xml version="1.0" encoding="utf-8"?>
+<p:sld xmlns:a="http://schemas.openxmlformats.org/drawingml/2006/main" xmlns:r="http://schemas.openxmlformats.org/officeDocument/2006/relationships" xmlns:p="http://schemas.openxmlformats.org/presentationml/2006/main">
+  <p:cSld>
+    <p:spTree>
+      <p:nvGrpSpPr>
+        <p:cNvPr id="1" name=""/>
+        <p:cNvGrpSpPr/>
+        <p:nvPr/>
+      </p:nvGrpSpPr>
+      <p:grpSpPr>
+        <a:xfrm>
+          <a:off x="0" y="0"/>
+          <a:ext cx="0" cy="0"/>
+          <a:chOff x="0" y="0"/>
+          <a:chExt cx="0" cy="0"/>
+        </a:xfrm>
+      </p:grpSpPr>
+      <p:sp>
+        <p:nvSpPr>
+          <p:cNvPr id="2" name="Title 1">
+            <a:extLst>
+              <a:ext uri="{FF2B5EF4-FFF2-40B4-BE49-F238E27FC236}">
+                <a16:creationId xmlns:a16="http://schemas.microsoft.com/office/drawing/2014/main" id="{04DF085A-B14F-45A7-ADAF-3AB5F0F3BFD3}"/>
+              </a:ext>
+            </a:extLst>
+          </p:cNvPr>
+          <p:cNvSpPr>
+            <a:spLocks noGrp="1"/>
+          </p:cNvSpPr>
+          <p:nvPr>
+            <p:ph type="title"/>
+          </p:nvPr>
+        </p:nvSpPr>
+        <p:spPr/>
+        <p:txBody>
+          <a:bodyPr/>
+          <a:lstStyle/>
+          <a:p>
+            <a:br>
+              <a:rPr lang="en-US" dirty="0"/>
+            </a:br>
+            <a:endParaRPr lang="en-US" dirty="0"/>
+          </a:p>
+        </p:txBody>
+      </p:sp>
+      <p:sp>
+        <p:nvSpPr>
+          <p:cNvPr id="3" name="Content Placeholder 2">
+            <a:extLst>
+              <a:ext uri="{FF2B5EF4-FFF2-40B4-BE49-F238E27FC236}">
+                <a16:creationId xmlns:a16="http://schemas.microsoft.com/office/drawing/2014/main" id="{7D2FBC58-2BA5-4A32-91E5-2BE78BF658F6}"/>
+              </a:ext>
+            </a:extLst>
+          </p:cNvPr>
+          <p:cNvSpPr>
+            <a:spLocks noGrp="1"/>
+          </p:cNvSpPr>
+          <p:nvPr>
+            <p:ph idx="1"/>
+          </p:nvPr>
+        </p:nvSpPr>
+        <p:spPr>
+          <a:xfrm>
+            <a:off x="2369543" y="1778972"/>
+            <a:ext cx="10515600" cy="4351338"/>
+          </a:xfrm>
+        </p:spPr>
+        <p:txBody>
+          <a:bodyPr>
+            <a:normAutofit/>
+          </a:bodyPr>
+          <a:lstStyle/>
+          <a:p>
+            <a:pPr marL="0" indent="0">
+              <a:buNone/>
+            </a:pPr>
+            <a:r>
+              <a:rPr lang="en-US" sz="13800" dirty="0"/>
+              <a:t>Questions?</a:t>
+            </a:r>
+            <a:endParaRPr lang="en-US" sz="13800" b="1" dirty="0"/>
+          </a:p>
+        </p:txBody>
+      </p:sp>
+      <p:pic>
+        <p:nvPicPr>
+          <p:cNvPr id="4" name="Picture 3">
+            <a:extLst>
+              <a:ext uri="{FF2B5EF4-FFF2-40B4-BE49-F238E27FC236}">
+                <a16:creationId xmlns:a16="http://schemas.microsoft.com/office/drawing/2014/main" id="{6BA3F171-8C49-49F0-A8ED-0325580F4424}"/>
+              </a:ext>
+            </a:extLst>
+          </p:cNvPr>
+          <p:cNvPicPr>
+            <a:picLocks noChangeAspect="1"/>
+          </p:cNvPicPr>
+          <p:nvPr/>
+        </p:nvPicPr>
+        <p:blipFill>
+          <a:blip r:embed="rId2">
+            <a:extLst>
+              <a:ext uri="{28A0092B-C50C-407E-A947-70E740481C1C}">
+                <a14:useLocalDpi xmlns:a14="http://schemas.microsoft.com/office/drawing/2010/main" val="0"/>
+              </a:ext>
+            </a:extLst>
+          </a:blip>
+          <a:stretch>
+            <a:fillRect/>
+          </a:stretch>
+        </p:blipFill>
+        <p:spPr>
+          <a:xfrm>
+            <a:off x="97539" y="5403085"/>
+            <a:ext cx="3718681" cy="1292243"/>
+          </a:xfrm>
+          <a:prstGeom prst="rect">
+            <a:avLst/>
+          </a:prstGeom>
+        </p:spPr>
+      </p:pic>
+    </p:spTree>
+    <p:extLst>
+      <p:ext uri="{BB962C8B-B14F-4D97-AF65-F5344CB8AC3E}">
+        <p14:creationId xmlns:p14="http://schemas.microsoft.com/office/powerpoint/2010/main" val="3349169652"/>
+      </p:ext>
+    </p:extLst>
+  </p:cSld>
+  <p:clrMapOvr>
+    <a:masterClrMapping/>
+  </p:clrMapOvr>
+</p:sld>
+</file>
+
+<file path=ppt/slides/slide4.xml><?xml version="1.0" encoding="utf-8"?>
+<p:sld xmlns:a="http://schemas.openxmlformats.org/drawingml/2006/main" xmlns:r="http://schemas.openxmlformats.org/officeDocument/2006/relationships" xmlns:p="http://schemas.openxmlformats.org/presentationml/2006/main">
+  <p:cSld>
+    <p:spTree>
+      <p:nvGrpSpPr>
+        <p:cNvPr id="1" name=""/>
+        <p:cNvGrpSpPr/>
+        <p:nvPr/>
+      </p:nvGrpSpPr>
+      <p:grpSpPr>
+        <a:xfrm>
+          <a:off x="0" y="0"/>
+          <a:ext cx="0" cy="0"/>
+          <a:chOff x="0" y="0"/>
+          <a:chExt cx="0" cy="0"/>
+        </a:xfrm>
+      </p:grpSpPr>
+      <p:sp>
+        <p:nvSpPr>
+          <p:cNvPr id="2" name="Title 1">
+            <a:extLst>
+              <a:ext uri="{FF2B5EF4-FFF2-40B4-BE49-F238E27FC236}">
+                <a16:creationId xmlns:a16="http://schemas.microsoft.com/office/drawing/2014/main" id="{3C3D102C-2110-4109-9EEC-E1C846D030EF}"/>
+              </a:ext>
+            </a:extLst>
+          </p:cNvPr>
+          <p:cNvSpPr>
+            <a:spLocks noGrp="1"/>
+          </p:cNvSpPr>
+          <p:nvPr>
+            <p:ph type="title"/>
+          </p:nvPr>
+        </p:nvSpPr>
+        <p:spPr/>
+        <p:txBody>
+          <a:bodyPr/>
+          <a:lstStyle/>
+          <a:p>
+            <a:r>
+              <a:rPr lang="en-US" dirty="0"/>
+              <a:t>A1:2017 – Injection</a:t>
+            </a:r>
+          </a:p>
+        </p:txBody>
+      </p:sp>
+      <p:sp>
+        <p:nvSpPr>
+          <p:cNvPr id="3" name="Content Placeholder 2">
+            <a:extLst>
+              <a:ext uri="{FF2B5EF4-FFF2-40B4-BE49-F238E27FC236}">
+                <a16:creationId xmlns:a16="http://schemas.microsoft.com/office/drawing/2014/main" id="{565D1607-5A81-4129-AA86-B9B5BBC35F74}"/>
+              </a:ext>
+            </a:extLst>
+          </p:cNvPr>
+          <p:cNvSpPr>
+            <a:spLocks noGrp="1"/>
+          </p:cNvSpPr>
+          <p:nvPr>
+            <p:ph idx="1"/>
+          </p:nvPr>
+        </p:nvSpPr>
+        <p:spPr/>
+        <p:txBody>
+          <a:bodyPr/>
+          <a:lstStyle/>
+          <a:p>
+            <a:r>
+              <a:rPr lang="en-US" dirty="0"/>
+              <a:t>Gross boys always follow last place in sending pics</a:t>
+            </a:r>
+          </a:p>
+          <a:p>
+            <a:r>
+              <a:rPr lang="en-US" dirty="0"/>
+              <a:t>Pack my box with five dozen liquor jugs</a:t>
+            </a:r>
+          </a:p>
+          <a:p>
+            <a:r>
+              <a:rPr lang="en-US" dirty="0"/>
+              <a:t>The quick brown fox jumped of the lazy dog</a:t>
+            </a:r>
+          </a:p>
+          <a:p>
+            <a:r>
+              <a:rPr lang="en-US" dirty="0"/>
+              <a:t>Gross boys always follow last place in sending pics</a:t>
+            </a:r>
+          </a:p>
+          <a:p>
+            <a:r>
+              <a:rPr lang="en-US" dirty="0"/>
+              <a:t>Pack my box with five dozen liquor jugs</a:t>
+            </a:r>
+          </a:p>
+          <a:p>
+            <a:r>
+              <a:rPr lang="en-US" dirty="0"/>
+              <a:t>The quick brown fox jumped of the lazy dog</a:t>
+            </a:r>
+          </a:p>
+          <a:p>
+            <a:pPr marL="0" indent="0">
+              <a:buNone/>
+            </a:pPr>
+            <a:endParaRPr lang="en-US" dirty="0"/>
+          </a:p>
+          <a:p>
+            <a:endParaRPr lang="en-US" dirty="0"/>
+          </a:p>
+          <a:p>
+            <a:endParaRPr lang="en-US" dirty="0"/>
+          </a:p>
+        </p:txBody>
+      </p:sp>
+      <p:pic>
+        <p:nvPicPr>
+          <p:cNvPr id="4" name="Picture 3">
+            <a:extLst>
+              <a:ext uri="{FF2B5EF4-FFF2-40B4-BE49-F238E27FC236}">
+                <a16:creationId xmlns:a16="http://schemas.microsoft.com/office/drawing/2014/main" id="{42F876F8-BA94-460C-8B6F-879A0857E822}"/>
+              </a:ext>
+            </a:extLst>
+          </p:cNvPr>
+          <p:cNvPicPr>
+            <a:picLocks noChangeAspect="1"/>
+          </p:cNvPicPr>
+          <p:nvPr/>
+        </p:nvPicPr>
+        <p:blipFill>
+          <a:blip r:embed="rId2">
+            <a:extLst>
+              <a:ext uri="{28A0092B-C50C-407E-A947-70E740481C1C}">
+                <a14:useLocalDpi xmlns:a14="http://schemas.microsoft.com/office/drawing/2010/main" val="0"/>
+              </a:ext>
+            </a:extLst>
+          </a:blip>
+          <a:stretch>
+            <a:fillRect/>
+          </a:stretch>
+        </p:blipFill>
+        <p:spPr>
+          <a:xfrm>
+            <a:off x="97539" y="5720937"/>
+            <a:ext cx="2766959" cy="961519"/>
+          </a:xfrm>
+          <a:prstGeom prst="rect">
+            <a:avLst/>
+          </a:prstGeom>
+        </p:spPr>
+      </p:pic>
+    </p:spTree>
+    <p:extLst>
+      <p:ext uri="{BB962C8B-B14F-4D97-AF65-F5344CB8AC3E}">
+        <p14:creationId xmlns:p14="http://schemas.microsoft.com/office/powerpoint/2010/main" val="957113745"/>
       </p:ext>
     </p:extLst>
   </p:cSld>
@@ -9393,7 +13704,7 @@
           <p:cNvPr id="2" name="Title 1">
             <a:extLst>
               <a:ext uri="{FF2B5EF4-FFF2-40B4-BE49-F238E27FC236}">
-                <a16:creationId xmlns:a16="http://schemas.microsoft.com/office/drawing/2014/main" id="{04DF085A-B14F-45A7-ADAF-3AB5F0F3BFD3}"/>
+                <a16:creationId xmlns:a16="http://schemas.microsoft.com/office/drawing/2014/main" id="{3C3D102C-2110-4109-9EEC-E1C846D030EF}"/>
               </a:ext>
             </a:extLst>
           </p:cNvPr>
@@ -9409,10 +13720,10 @@
           <a:bodyPr/>
           <a:lstStyle/>
           <a:p>
-            <a:br>
-              <a:rPr lang="en-US" dirty="0"/>
-            </a:br>
-            <a:endParaRPr lang="en-US" dirty="0"/>
+            <a:r>
+              <a:rPr lang="en-US" dirty="0"/>
+              <a:t>A1:2017 – Injection (Mitigations)</a:t>
+            </a:r>
           </a:p>
         </p:txBody>
       </p:sp>
@@ -9421,7 +13732,7 @@
           <p:cNvPr id="3" name="Content Placeholder 2">
             <a:extLst>
               <a:ext uri="{FF2B5EF4-FFF2-40B4-BE49-F238E27FC236}">
-                <a16:creationId xmlns:a16="http://schemas.microsoft.com/office/drawing/2014/main" id="{7D2FBC58-2BA5-4A32-91E5-2BE78BF658F6}"/>
+                <a16:creationId xmlns:a16="http://schemas.microsoft.com/office/drawing/2014/main" id="{565D1607-5A81-4129-AA86-B9B5BBC35F74}"/>
               </a:ext>
             </a:extLst>
           </p:cNvPr>
@@ -9432,26 +13743,57 @@
             <p:ph idx="1"/>
           </p:nvPr>
         </p:nvSpPr>
-        <p:spPr>
-          <a:xfrm>
-            <a:off x="2369543" y="1778972"/>
-            <a:ext cx="10515600" cy="4351338"/>
-          </a:xfrm>
-        </p:spPr>
+        <p:spPr/>
         <p:txBody>
-          <a:bodyPr>
-            <a:normAutofit/>
-          </a:bodyPr>
+          <a:bodyPr/>
           <a:lstStyle/>
+          <a:p>
+            <a:r>
+              <a:rPr lang="en-US" dirty="0"/>
+              <a:t>Gross boys always follow last place in sending pics</a:t>
+            </a:r>
+          </a:p>
+          <a:p>
+            <a:r>
+              <a:rPr lang="en-US" dirty="0"/>
+              <a:t>Pack my box with five dozen liquor jugs</a:t>
+            </a:r>
+          </a:p>
+          <a:p>
+            <a:r>
+              <a:rPr lang="en-US" dirty="0"/>
+              <a:t>The quick brown fox jumped of the lazy dog</a:t>
+            </a:r>
+          </a:p>
+          <a:p>
+            <a:r>
+              <a:rPr lang="en-US" dirty="0"/>
+              <a:t>Gross boys always follow last place in sending pics</a:t>
+            </a:r>
+          </a:p>
+          <a:p>
+            <a:r>
+              <a:rPr lang="en-US" dirty="0"/>
+              <a:t>Pack my box with five dozen liquor jugs</a:t>
+            </a:r>
+          </a:p>
+          <a:p>
+            <a:r>
+              <a:rPr lang="en-US" dirty="0"/>
+              <a:t>The quick brown fox jumped of the lazy dog</a:t>
+            </a:r>
+          </a:p>
           <a:p>
             <a:pPr marL="0" indent="0">
               <a:buNone/>
             </a:pPr>
-            <a:r>
-              <a:rPr lang="en-US" sz="13800" dirty="0"/>
-              <a:t>Questions?</a:t>
-            </a:r>
-            <a:endParaRPr lang="en-US" sz="13800" b="1" dirty="0"/>
+            <a:endParaRPr lang="en-US" dirty="0"/>
+          </a:p>
+          <a:p>
+            <a:endParaRPr lang="en-US" dirty="0"/>
+          </a:p>
+          <a:p>
+            <a:endParaRPr lang="en-US" dirty="0"/>
           </a:p>
         </p:txBody>
       </p:sp>
@@ -9460,7 +13802,7 @@
           <p:cNvPr id="4" name="Picture 3">
             <a:extLst>
               <a:ext uri="{FF2B5EF4-FFF2-40B4-BE49-F238E27FC236}">
-                <a16:creationId xmlns:a16="http://schemas.microsoft.com/office/drawing/2014/main" id="{6BA3F171-8C49-49F0-A8ED-0325580F4424}"/>
+                <a16:creationId xmlns:a16="http://schemas.microsoft.com/office/drawing/2014/main" id="{42F876F8-BA94-460C-8B6F-879A0857E822}"/>
               </a:ext>
             </a:extLst>
           </p:cNvPr>
@@ -9483,8 +13825,8 @@
         </p:blipFill>
         <p:spPr>
           <a:xfrm>
-            <a:off x="97539" y="5403085"/>
-            <a:ext cx="3718681" cy="1292243"/>
+            <a:off x="97539" y="5720937"/>
+            <a:ext cx="2766959" cy="961519"/>
           </a:xfrm>
           <a:prstGeom prst="rect">
             <a:avLst/>
@@ -9494,7 +13836,684 @@
     </p:spTree>
     <p:extLst>
       <p:ext uri="{BB962C8B-B14F-4D97-AF65-F5344CB8AC3E}">
-        <p14:creationId xmlns:p14="http://schemas.microsoft.com/office/powerpoint/2010/main" val="3349169652"/>
+        <p14:creationId xmlns:p14="http://schemas.microsoft.com/office/powerpoint/2010/main" val="2683198125"/>
+      </p:ext>
+    </p:extLst>
+  </p:cSld>
+  <p:clrMapOvr>
+    <a:masterClrMapping/>
+  </p:clrMapOvr>
+</p:sld>
+</file>
+
+<file path=ppt/slides/slide6.xml><?xml version="1.0" encoding="utf-8"?>
+<p:sld xmlns:a="http://schemas.openxmlformats.org/drawingml/2006/main" xmlns:r="http://schemas.openxmlformats.org/officeDocument/2006/relationships" xmlns:p="http://schemas.openxmlformats.org/presentationml/2006/main">
+  <p:cSld>
+    <p:spTree>
+      <p:nvGrpSpPr>
+        <p:cNvPr id="1" name=""/>
+        <p:cNvGrpSpPr/>
+        <p:nvPr/>
+      </p:nvGrpSpPr>
+      <p:grpSpPr>
+        <a:xfrm>
+          <a:off x="0" y="0"/>
+          <a:ext cx="0" cy="0"/>
+          <a:chOff x="0" y="0"/>
+          <a:chExt cx="0" cy="0"/>
+        </a:xfrm>
+      </p:grpSpPr>
+      <p:sp>
+        <p:nvSpPr>
+          <p:cNvPr id="2" name="Title 1">
+            <a:extLst>
+              <a:ext uri="{FF2B5EF4-FFF2-40B4-BE49-F238E27FC236}">
+                <a16:creationId xmlns:a16="http://schemas.microsoft.com/office/drawing/2014/main" id="{3C3D102C-2110-4109-9EEC-E1C846D030EF}"/>
+              </a:ext>
+            </a:extLst>
+          </p:cNvPr>
+          <p:cNvSpPr>
+            <a:spLocks noGrp="1"/>
+          </p:cNvSpPr>
+          <p:nvPr>
+            <p:ph type="title"/>
+          </p:nvPr>
+        </p:nvSpPr>
+        <p:spPr/>
+        <p:txBody>
+          <a:bodyPr/>
+          <a:lstStyle/>
+          <a:p>
+            <a:r>
+              <a:rPr lang="en-US" dirty="0"/>
+              <a:t>A1:2017 – Injection (Guidance)</a:t>
+            </a:r>
+          </a:p>
+        </p:txBody>
+      </p:sp>
+      <p:sp>
+        <p:nvSpPr>
+          <p:cNvPr id="3" name="Content Placeholder 2">
+            <a:extLst>
+              <a:ext uri="{FF2B5EF4-FFF2-40B4-BE49-F238E27FC236}">
+                <a16:creationId xmlns:a16="http://schemas.microsoft.com/office/drawing/2014/main" id="{565D1607-5A81-4129-AA86-B9B5BBC35F74}"/>
+              </a:ext>
+            </a:extLst>
+          </p:cNvPr>
+          <p:cNvSpPr>
+            <a:spLocks noGrp="1"/>
+          </p:cNvSpPr>
+          <p:nvPr>
+            <p:ph idx="1"/>
+          </p:nvPr>
+        </p:nvSpPr>
+        <p:spPr/>
+        <p:txBody>
+          <a:bodyPr/>
+          <a:lstStyle/>
+          <a:p>
+            <a:r>
+              <a:rPr lang="en-US" dirty="0"/>
+              <a:t>Gross boys always follow last place in sending pics</a:t>
+            </a:r>
+          </a:p>
+          <a:p>
+            <a:r>
+              <a:rPr lang="en-US" dirty="0"/>
+              <a:t>Pack my box with five dozen liquor jugs</a:t>
+            </a:r>
+          </a:p>
+          <a:p>
+            <a:r>
+              <a:rPr lang="en-US" dirty="0"/>
+              <a:t>The quick brown fox jumped of the lazy dog</a:t>
+            </a:r>
+          </a:p>
+          <a:p>
+            <a:r>
+              <a:rPr lang="en-US" dirty="0"/>
+              <a:t>Gross boys always follow last place in sending pics</a:t>
+            </a:r>
+          </a:p>
+          <a:p>
+            <a:r>
+              <a:rPr lang="en-US" dirty="0"/>
+              <a:t>Pack my box with five dozen liquor jugs</a:t>
+            </a:r>
+          </a:p>
+          <a:p>
+            <a:r>
+              <a:rPr lang="en-US" dirty="0"/>
+              <a:t>The quick brown fox jumped of the lazy dog</a:t>
+            </a:r>
+          </a:p>
+          <a:p>
+            <a:pPr marL="0" indent="0">
+              <a:buNone/>
+            </a:pPr>
+            <a:endParaRPr lang="en-US" dirty="0"/>
+          </a:p>
+          <a:p>
+            <a:endParaRPr lang="en-US" dirty="0"/>
+          </a:p>
+          <a:p>
+            <a:endParaRPr lang="en-US" dirty="0"/>
+          </a:p>
+        </p:txBody>
+      </p:sp>
+      <p:pic>
+        <p:nvPicPr>
+          <p:cNvPr id="4" name="Picture 3">
+            <a:extLst>
+              <a:ext uri="{FF2B5EF4-FFF2-40B4-BE49-F238E27FC236}">
+                <a16:creationId xmlns:a16="http://schemas.microsoft.com/office/drawing/2014/main" id="{42F876F8-BA94-460C-8B6F-879A0857E822}"/>
+              </a:ext>
+            </a:extLst>
+          </p:cNvPr>
+          <p:cNvPicPr>
+            <a:picLocks noChangeAspect="1"/>
+          </p:cNvPicPr>
+          <p:nvPr/>
+        </p:nvPicPr>
+        <p:blipFill>
+          <a:blip r:embed="rId2">
+            <a:extLst>
+              <a:ext uri="{28A0092B-C50C-407E-A947-70E740481C1C}">
+                <a14:useLocalDpi xmlns:a14="http://schemas.microsoft.com/office/drawing/2010/main" val="0"/>
+              </a:ext>
+            </a:extLst>
+          </a:blip>
+          <a:stretch>
+            <a:fillRect/>
+          </a:stretch>
+        </p:blipFill>
+        <p:spPr>
+          <a:xfrm>
+            <a:off x="97539" y="5720937"/>
+            <a:ext cx="2766959" cy="961519"/>
+          </a:xfrm>
+          <a:prstGeom prst="rect">
+            <a:avLst/>
+          </a:prstGeom>
+        </p:spPr>
+      </p:pic>
+    </p:spTree>
+    <p:extLst>
+      <p:ext uri="{BB962C8B-B14F-4D97-AF65-F5344CB8AC3E}">
+        <p14:creationId xmlns:p14="http://schemas.microsoft.com/office/powerpoint/2010/main" val="2364363321"/>
+      </p:ext>
+    </p:extLst>
+  </p:cSld>
+  <p:clrMapOvr>
+    <a:masterClrMapping/>
+  </p:clrMapOvr>
+</p:sld>
+</file>
+
+<file path=ppt/slides/slide7.xml><?xml version="1.0" encoding="utf-8"?>
+<p:sld xmlns:a="http://schemas.openxmlformats.org/drawingml/2006/main" xmlns:r="http://schemas.openxmlformats.org/officeDocument/2006/relationships" xmlns:p="http://schemas.openxmlformats.org/presentationml/2006/main">
+  <p:cSld>
+    <p:spTree>
+      <p:nvGrpSpPr>
+        <p:cNvPr id="1" name=""/>
+        <p:cNvGrpSpPr/>
+        <p:nvPr/>
+      </p:nvGrpSpPr>
+      <p:grpSpPr>
+        <a:xfrm>
+          <a:off x="0" y="0"/>
+          <a:ext cx="0" cy="0"/>
+          <a:chOff x="0" y="0"/>
+          <a:chExt cx="0" cy="0"/>
+        </a:xfrm>
+      </p:grpSpPr>
+      <p:sp>
+        <p:nvSpPr>
+          <p:cNvPr id="2" name="Title 1">
+            <a:extLst>
+              <a:ext uri="{FF2B5EF4-FFF2-40B4-BE49-F238E27FC236}">
+                <a16:creationId xmlns:a16="http://schemas.microsoft.com/office/drawing/2014/main" id="{3C3D102C-2110-4109-9EEC-E1C846D030EF}"/>
+              </a:ext>
+            </a:extLst>
+          </p:cNvPr>
+          <p:cNvSpPr>
+            <a:spLocks noGrp="1"/>
+          </p:cNvSpPr>
+          <p:nvPr>
+            <p:ph type="title"/>
+          </p:nvPr>
+        </p:nvSpPr>
+        <p:spPr/>
+        <p:txBody>
+          <a:bodyPr/>
+          <a:lstStyle/>
+          <a:p>
+            <a:r>
+              <a:rPr lang="en-US" dirty="0"/>
+              <a:t>A2:2017 – Broken Authentication &amp;</a:t>
+            </a:r>
+            <a:br>
+              <a:rPr lang="en-US" dirty="0"/>
+            </a:br>
+            <a:r>
+              <a:rPr lang="en-US" dirty="0"/>
+              <a:t>Session Management</a:t>
+            </a:r>
+          </a:p>
+        </p:txBody>
+      </p:sp>
+      <p:sp>
+        <p:nvSpPr>
+          <p:cNvPr id="3" name="Content Placeholder 2">
+            <a:extLst>
+              <a:ext uri="{FF2B5EF4-FFF2-40B4-BE49-F238E27FC236}">
+                <a16:creationId xmlns:a16="http://schemas.microsoft.com/office/drawing/2014/main" id="{565D1607-5A81-4129-AA86-B9B5BBC35F74}"/>
+              </a:ext>
+            </a:extLst>
+          </p:cNvPr>
+          <p:cNvSpPr>
+            <a:spLocks noGrp="1"/>
+          </p:cNvSpPr>
+          <p:nvPr>
+            <p:ph idx="1"/>
+          </p:nvPr>
+        </p:nvSpPr>
+        <p:spPr/>
+        <p:txBody>
+          <a:bodyPr/>
+          <a:lstStyle/>
+          <a:p>
+            <a:r>
+              <a:rPr lang="en-US" dirty="0"/>
+              <a:t>Gross boys always follow last place in sending pics</a:t>
+            </a:r>
+          </a:p>
+          <a:p>
+            <a:r>
+              <a:rPr lang="en-US" dirty="0"/>
+              <a:t>Pack my box with five dozen liquor jugs</a:t>
+            </a:r>
+          </a:p>
+          <a:p>
+            <a:r>
+              <a:rPr lang="en-US" dirty="0"/>
+              <a:t>The quick brown fox jumped of the lazy dog</a:t>
+            </a:r>
+          </a:p>
+          <a:p>
+            <a:r>
+              <a:rPr lang="en-US" dirty="0"/>
+              <a:t>Gross boys always follow last place in sending pics</a:t>
+            </a:r>
+          </a:p>
+          <a:p>
+            <a:r>
+              <a:rPr lang="en-US" dirty="0"/>
+              <a:t>Pack my box with five dozen liquor jugs</a:t>
+            </a:r>
+          </a:p>
+          <a:p>
+            <a:r>
+              <a:rPr lang="en-US" dirty="0"/>
+              <a:t>The quick brown fox jumped of the lazy dog</a:t>
+            </a:r>
+          </a:p>
+          <a:p>
+            <a:pPr marL="0" indent="0">
+              <a:buNone/>
+            </a:pPr>
+            <a:endParaRPr lang="en-US" dirty="0"/>
+          </a:p>
+          <a:p>
+            <a:endParaRPr lang="en-US" dirty="0"/>
+          </a:p>
+          <a:p>
+            <a:endParaRPr lang="en-US" dirty="0"/>
+          </a:p>
+        </p:txBody>
+      </p:sp>
+      <p:pic>
+        <p:nvPicPr>
+          <p:cNvPr id="4" name="Picture 3">
+            <a:extLst>
+              <a:ext uri="{FF2B5EF4-FFF2-40B4-BE49-F238E27FC236}">
+                <a16:creationId xmlns:a16="http://schemas.microsoft.com/office/drawing/2014/main" id="{42F876F8-BA94-460C-8B6F-879A0857E822}"/>
+              </a:ext>
+            </a:extLst>
+          </p:cNvPr>
+          <p:cNvPicPr>
+            <a:picLocks noChangeAspect="1"/>
+          </p:cNvPicPr>
+          <p:nvPr/>
+        </p:nvPicPr>
+        <p:blipFill>
+          <a:blip r:embed="rId2">
+            <a:extLst>
+              <a:ext uri="{28A0092B-C50C-407E-A947-70E740481C1C}">
+                <a14:useLocalDpi xmlns:a14="http://schemas.microsoft.com/office/drawing/2010/main" val="0"/>
+              </a:ext>
+            </a:extLst>
+          </a:blip>
+          <a:stretch>
+            <a:fillRect/>
+          </a:stretch>
+        </p:blipFill>
+        <p:spPr>
+          <a:xfrm>
+            <a:off x="97539" y="5720937"/>
+            <a:ext cx="2766959" cy="961519"/>
+          </a:xfrm>
+          <a:prstGeom prst="rect">
+            <a:avLst/>
+          </a:prstGeom>
+        </p:spPr>
+      </p:pic>
+    </p:spTree>
+    <p:extLst>
+      <p:ext uri="{BB962C8B-B14F-4D97-AF65-F5344CB8AC3E}">
+        <p14:creationId xmlns:p14="http://schemas.microsoft.com/office/powerpoint/2010/main" val="1401411964"/>
+      </p:ext>
+    </p:extLst>
+  </p:cSld>
+  <p:clrMapOvr>
+    <a:masterClrMapping/>
+  </p:clrMapOvr>
+</p:sld>
+</file>
+
+<file path=ppt/slides/slide8.xml><?xml version="1.0" encoding="utf-8"?>
+<p:sld xmlns:a="http://schemas.openxmlformats.org/drawingml/2006/main" xmlns:r="http://schemas.openxmlformats.org/officeDocument/2006/relationships" xmlns:p="http://schemas.openxmlformats.org/presentationml/2006/main">
+  <p:cSld>
+    <p:spTree>
+      <p:nvGrpSpPr>
+        <p:cNvPr id="1" name=""/>
+        <p:cNvGrpSpPr/>
+        <p:nvPr/>
+      </p:nvGrpSpPr>
+      <p:grpSpPr>
+        <a:xfrm>
+          <a:off x="0" y="0"/>
+          <a:ext cx="0" cy="0"/>
+          <a:chOff x="0" y="0"/>
+          <a:chExt cx="0" cy="0"/>
+        </a:xfrm>
+      </p:grpSpPr>
+      <p:sp>
+        <p:nvSpPr>
+          <p:cNvPr id="2" name="Title 1">
+            <a:extLst>
+              <a:ext uri="{FF2B5EF4-FFF2-40B4-BE49-F238E27FC236}">
+                <a16:creationId xmlns:a16="http://schemas.microsoft.com/office/drawing/2014/main" id="{3C3D102C-2110-4109-9EEC-E1C846D030EF}"/>
+              </a:ext>
+            </a:extLst>
+          </p:cNvPr>
+          <p:cNvSpPr>
+            <a:spLocks noGrp="1"/>
+          </p:cNvSpPr>
+          <p:nvPr>
+            <p:ph type="title"/>
+          </p:nvPr>
+        </p:nvSpPr>
+        <p:spPr/>
+        <p:txBody>
+          <a:bodyPr/>
+          <a:lstStyle/>
+          <a:p>
+            <a:r>
+              <a:rPr lang="en-US" dirty="0"/>
+              <a:t>A2:2017 – Broken Authentication &amp;</a:t>
+            </a:r>
+            <a:br>
+              <a:rPr lang="en-US" dirty="0"/>
+            </a:br>
+            <a:r>
+              <a:rPr lang="en-US" dirty="0"/>
+              <a:t>Session Management (Mitigations)</a:t>
+            </a:r>
+          </a:p>
+        </p:txBody>
+      </p:sp>
+      <p:sp>
+        <p:nvSpPr>
+          <p:cNvPr id="3" name="Content Placeholder 2">
+            <a:extLst>
+              <a:ext uri="{FF2B5EF4-FFF2-40B4-BE49-F238E27FC236}">
+                <a16:creationId xmlns:a16="http://schemas.microsoft.com/office/drawing/2014/main" id="{565D1607-5A81-4129-AA86-B9B5BBC35F74}"/>
+              </a:ext>
+            </a:extLst>
+          </p:cNvPr>
+          <p:cNvSpPr>
+            <a:spLocks noGrp="1"/>
+          </p:cNvSpPr>
+          <p:nvPr>
+            <p:ph idx="1"/>
+          </p:nvPr>
+        </p:nvSpPr>
+        <p:spPr/>
+        <p:txBody>
+          <a:bodyPr/>
+          <a:lstStyle/>
+          <a:p>
+            <a:r>
+              <a:rPr lang="en-US" dirty="0"/>
+              <a:t>Gross boys always follow last place in sending pics</a:t>
+            </a:r>
+          </a:p>
+          <a:p>
+            <a:r>
+              <a:rPr lang="en-US" dirty="0"/>
+              <a:t>Pack my box with five dozen liquor jugs</a:t>
+            </a:r>
+          </a:p>
+          <a:p>
+            <a:r>
+              <a:rPr lang="en-US" dirty="0"/>
+              <a:t>The quick brown fox jumped of the lazy dog</a:t>
+            </a:r>
+          </a:p>
+          <a:p>
+            <a:r>
+              <a:rPr lang="en-US" dirty="0"/>
+              <a:t>Gross boys always follow last place in sending pics</a:t>
+            </a:r>
+          </a:p>
+          <a:p>
+            <a:r>
+              <a:rPr lang="en-US" dirty="0"/>
+              <a:t>Pack my box with five dozen liquor jugs</a:t>
+            </a:r>
+          </a:p>
+          <a:p>
+            <a:r>
+              <a:rPr lang="en-US" dirty="0"/>
+              <a:t>The quick brown fox jumped of the lazy dog</a:t>
+            </a:r>
+          </a:p>
+          <a:p>
+            <a:pPr marL="0" indent="0">
+              <a:buNone/>
+            </a:pPr>
+            <a:endParaRPr lang="en-US" dirty="0"/>
+          </a:p>
+          <a:p>
+            <a:endParaRPr lang="en-US" dirty="0"/>
+          </a:p>
+          <a:p>
+            <a:endParaRPr lang="en-US" dirty="0"/>
+          </a:p>
+        </p:txBody>
+      </p:sp>
+      <p:pic>
+        <p:nvPicPr>
+          <p:cNvPr id="4" name="Picture 3">
+            <a:extLst>
+              <a:ext uri="{FF2B5EF4-FFF2-40B4-BE49-F238E27FC236}">
+                <a16:creationId xmlns:a16="http://schemas.microsoft.com/office/drawing/2014/main" id="{42F876F8-BA94-460C-8B6F-879A0857E822}"/>
+              </a:ext>
+            </a:extLst>
+          </p:cNvPr>
+          <p:cNvPicPr>
+            <a:picLocks noChangeAspect="1"/>
+          </p:cNvPicPr>
+          <p:nvPr/>
+        </p:nvPicPr>
+        <p:blipFill>
+          <a:blip r:embed="rId2">
+            <a:extLst>
+              <a:ext uri="{28A0092B-C50C-407E-A947-70E740481C1C}">
+                <a14:useLocalDpi xmlns:a14="http://schemas.microsoft.com/office/drawing/2010/main" val="0"/>
+              </a:ext>
+            </a:extLst>
+          </a:blip>
+          <a:stretch>
+            <a:fillRect/>
+          </a:stretch>
+        </p:blipFill>
+        <p:spPr>
+          <a:xfrm>
+            <a:off x="97539" y="5720937"/>
+            <a:ext cx="2766959" cy="961519"/>
+          </a:xfrm>
+          <a:prstGeom prst="rect">
+            <a:avLst/>
+          </a:prstGeom>
+        </p:spPr>
+      </p:pic>
+    </p:spTree>
+    <p:extLst>
+      <p:ext uri="{BB962C8B-B14F-4D97-AF65-F5344CB8AC3E}">
+        <p14:creationId xmlns:p14="http://schemas.microsoft.com/office/powerpoint/2010/main" val="2490691976"/>
+      </p:ext>
+    </p:extLst>
+  </p:cSld>
+  <p:clrMapOvr>
+    <a:masterClrMapping/>
+  </p:clrMapOvr>
+</p:sld>
+</file>
+
+<file path=ppt/slides/slide9.xml><?xml version="1.0" encoding="utf-8"?>
+<p:sld xmlns:a="http://schemas.openxmlformats.org/drawingml/2006/main" xmlns:r="http://schemas.openxmlformats.org/officeDocument/2006/relationships" xmlns:p="http://schemas.openxmlformats.org/presentationml/2006/main">
+  <p:cSld>
+    <p:spTree>
+      <p:nvGrpSpPr>
+        <p:cNvPr id="1" name=""/>
+        <p:cNvGrpSpPr/>
+        <p:nvPr/>
+      </p:nvGrpSpPr>
+      <p:grpSpPr>
+        <a:xfrm>
+          <a:off x="0" y="0"/>
+          <a:ext cx="0" cy="0"/>
+          <a:chOff x="0" y="0"/>
+          <a:chExt cx="0" cy="0"/>
+        </a:xfrm>
+      </p:grpSpPr>
+      <p:sp>
+        <p:nvSpPr>
+          <p:cNvPr id="2" name="Title 1">
+            <a:extLst>
+              <a:ext uri="{FF2B5EF4-FFF2-40B4-BE49-F238E27FC236}">
+                <a16:creationId xmlns:a16="http://schemas.microsoft.com/office/drawing/2014/main" id="{3C3D102C-2110-4109-9EEC-E1C846D030EF}"/>
+              </a:ext>
+            </a:extLst>
+          </p:cNvPr>
+          <p:cNvSpPr>
+            <a:spLocks noGrp="1"/>
+          </p:cNvSpPr>
+          <p:nvPr>
+            <p:ph type="title"/>
+          </p:nvPr>
+        </p:nvSpPr>
+        <p:spPr/>
+        <p:txBody>
+          <a:bodyPr/>
+          <a:lstStyle/>
+          <a:p>
+            <a:r>
+              <a:rPr lang="en-US" dirty="0"/>
+              <a:t>A2:2017 – Broken Authentication &amp;</a:t>
+            </a:r>
+            <a:br>
+              <a:rPr lang="en-US" dirty="0"/>
+            </a:br>
+            <a:r>
+              <a:rPr lang="en-US" dirty="0"/>
+              <a:t>Session Management (Guidance)</a:t>
+            </a:r>
+          </a:p>
+        </p:txBody>
+      </p:sp>
+      <p:sp>
+        <p:nvSpPr>
+          <p:cNvPr id="3" name="Content Placeholder 2">
+            <a:extLst>
+              <a:ext uri="{FF2B5EF4-FFF2-40B4-BE49-F238E27FC236}">
+                <a16:creationId xmlns:a16="http://schemas.microsoft.com/office/drawing/2014/main" id="{565D1607-5A81-4129-AA86-B9B5BBC35F74}"/>
+              </a:ext>
+            </a:extLst>
+          </p:cNvPr>
+          <p:cNvSpPr>
+            <a:spLocks noGrp="1"/>
+          </p:cNvSpPr>
+          <p:nvPr>
+            <p:ph idx="1"/>
+          </p:nvPr>
+        </p:nvSpPr>
+        <p:spPr/>
+        <p:txBody>
+          <a:bodyPr/>
+          <a:lstStyle/>
+          <a:p>
+            <a:r>
+              <a:rPr lang="en-US" dirty="0"/>
+              <a:t>Gross boys always follow last place in sending pics</a:t>
+            </a:r>
+          </a:p>
+          <a:p>
+            <a:r>
+              <a:rPr lang="en-US" dirty="0"/>
+              <a:t>Pack my box with five dozen liquor jugs</a:t>
+            </a:r>
+          </a:p>
+          <a:p>
+            <a:r>
+              <a:rPr lang="en-US" dirty="0"/>
+              <a:t>The quick brown fox jumped of the lazy dog</a:t>
+            </a:r>
+          </a:p>
+          <a:p>
+            <a:r>
+              <a:rPr lang="en-US" dirty="0"/>
+              <a:t>Gross boys always follow last place in sending pics</a:t>
+            </a:r>
+          </a:p>
+          <a:p>
+            <a:r>
+              <a:rPr lang="en-US" dirty="0"/>
+              <a:t>Pack my box with five dozen liquor jugs</a:t>
+            </a:r>
+          </a:p>
+          <a:p>
+            <a:r>
+              <a:rPr lang="en-US" dirty="0"/>
+              <a:t>The quick brown fox jumped of the lazy dog</a:t>
+            </a:r>
+          </a:p>
+          <a:p>
+            <a:pPr marL="0" indent="0">
+              <a:buNone/>
+            </a:pPr>
+            <a:endParaRPr lang="en-US" dirty="0"/>
+          </a:p>
+          <a:p>
+            <a:endParaRPr lang="en-US" dirty="0"/>
+          </a:p>
+          <a:p>
+            <a:endParaRPr lang="en-US" dirty="0"/>
+          </a:p>
+        </p:txBody>
+      </p:sp>
+      <p:pic>
+        <p:nvPicPr>
+          <p:cNvPr id="4" name="Picture 3">
+            <a:extLst>
+              <a:ext uri="{FF2B5EF4-FFF2-40B4-BE49-F238E27FC236}">
+                <a16:creationId xmlns:a16="http://schemas.microsoft.com/office/drawing/2014/main" id="{42F876F8-BA94-460C-8B6F-879A0857E822}"/>
+              </a:ext>
+            </a:extLst>
+          </p:cNvPr>
+          <p:cNvPicPr>
+            <a:picLocks noChangeAspect="1"/>
+          </p:cNvPicPr>
+          <p:nvPr/>
+        </p:nvPicPr>
+        <p:blipFill>
+          <a:blip r:embed="rId2">
+            <a:extLst>
+              <a:ext uri="{28A0092B-C50C-407E-A947-70E740481C1C}">
+                <a14:useLocalDpi xmlns:a14="http://schemas.microsoft.com/office/drawing/2010/main" val="0"/>
+              </a:ext>
+            </a:extLst>
+          </a:blip>
+          <a:stretch>
+            <a:fillRect/>
+          </a:stretch>
+        </p:blipFill>
+        <p:spPr>
+          <a:xfrm>
+            <a:off x="97539" y="5720937"/>
+            <a:ext cx="2766959" cy="961519"/>
+          </a:xfrm>
+          <a:prstGeom prst="rect">
+            <a:avLst/>
+          </a:prstGeom>
+        </p:spPr>
+      </p:pic>
+    </p:spTree>
+    <p:extLst>
+      <p:ext uri="{BB962C8B-B14F-4D97-AF65-F5344CB8AC3E}">
+        <p14:creationId xmlns:p14="http://schemas.microsoft.com/office/powerpoint/2010/main" val="3658874851"/>
       </p:ext>
     </p:extLst>
   </p:cSld>

--- a/slidedeck.pptx
+++ b/slidedeck.pptx
@@ -951,8 +951,8 @@
         <a:lstStyle/>
         <a:p>
           <a:r>
-            <a:rPr lang="en-US"/>
-            <a:t>Made the Handle in 1995 (Dial-up BBS Days)</a:t>
+            <a:rPr lang="en-US" dirty="0"/>
+            <a:t>Made the Handle in 1990s (Dial-up BBS Days)</a:t>
           </a:r>
         </a:p>
       </dgm:t>
@@ -1023,8 +1023,8 @@
         <a:lstStyle/>
         <a:p>
           <a:r>
-            <a:rPr lang="en-US"/>
-            <a:t>Jones == Indiana Jones</a:t>
+            <a:rPr lang="en-US" dirty="0"/>
+            <a:t>Jones == Indiana Jones (Don’t judge, I was a pre-teen)</a:t>
           </a:r>
         </a:p>
       </dgm:t>
@@ -1572,8 +1572,8 @@
             <a:buNone/>
           </a:pPr>
           <a:r>
-            <a:rPr lang="en-US" sz="1500" kern="1200"/>
-            <a:t>Made the Handle in 1995 (Dial-up BBS Days)</a:t>
+            <a:rPr lang="en-US" sz="1500" kern="1200" dirty="0"/>
+            <a:t>Made the Handle in 1990s (Dial-up BBS Days)</a:t>
           </a:r>
         </a:p>
       </dsp:txBody>
@@ -1728,8 +1728,8 @@
             <a:buNone/>
           </a:pPr>
           <a:r>
-            <a:rPr lang="en-US" sz="1500" kern="1200"/>
-            <a:t>Jones == Indiana Jones</a:t>
+            <a:rPr lang="en-US" sz="1500" kern="1200" dirty="0"/>
+            <a:t>Jones == Indiana Jones (Don’t judge, I was a pre-teen)</a:t>
           </a:r>
         </a:p>
       </dsp:txBody>
@@ -9293,7 +9293,7 @@
             <p:ph idx="1"/>
             <p:extLst>
               <p:ext uri="{D42A27DB-BD31-4B8C-83A1-F6EECF244321}">
-                <p14:modId xmlns:p14="http://schemas.microsoft.com/office/powerpoint/2010/main" val="1508896058"/>
+                <p14:modId xmlns:p14="http://schemas.microsoft.com/office/powerpoint/2010/main" val="3632127248"/>
               </p:ext>
             </p:extLst>
           </p:nvPr>
@@ -9340,10 +9340,10 @@
       </p:pic>
       <p:pic>
         <p:nvPicPr>
-          <p:cNvPr id="6" name="Picture 5">
-            <a:extLst>
-              <a:ext uri="{FF2B5EF4-FFF2-40B4-BE49-F238E27FC236}">
-                <a16:creationId xmlns:a16="http://schemas.microsoft.com/office/drawing/2014/main" id="{ED81CDB7-4C05-4049-A01C-7B5C14674483}"/>
+          <p:cNvPr id="5" name="Picture 4">
+            <a:extLst>
+              <a:ext uri="{FF2B5EF4-FFF2-40B4-BE49-F238E27FC236}">
+                <a16:creationId xmlns:a16="http://schemas.microsoft.com/office/drawing/2014/main" id="{399B2836-1822-46C8-82B1-C20C4A8E3AF5}"/>
               </a:ext>
             </a:extLst>
           </p:cNvPr>
@@ -9353,7 +9353,37 @@
           <p:nvPr/>
         </p:nvPicPr>
         <p:blipFill>
-          <a:blip r:embed="rId8">
+          <a:blip r:embed="rId8"/>
+          <a:stretch>
+            <a:fillRect/>
+          </a:stretch>
+        </p:blipFill>
+        <p:spPr>
+          <a:xfrm>
+            <a:off x="5422392" y="2660367"/>
+            <a:ext cx="2655496" cy="2655496"/>
+          </a:xfrm>
+          <a:prstGeom prst="rect">
+            <a:avLst/>
+          </a:prstGeom>
+        </p:spPr>
+      </p:pic>
+      <p:pic>
+        <p:nvPicPr>
+          <p:cNvPr id="6" name="Picture 5">
+            <a:extLst>
+              <a:ext uri="{FF2B5EF4-FFF2-40B4-BE49-F238E27FC236}">
+                <a16:creationId xmlns:a16="http://schemas.microsoft.com/office/drawing/2014/main" id="{ED81CDB7-4C05-4049-A01C-7B5C14674483}"/>
+              </a:ext>
+            </a:extLst>
+          </p:cNvPr>
+          <p:cNvPicPr>
+            <a:picLocks noChangeAspect="1"/>
+          </p:cNvPicPr>
+          <p:nvPr/>
+        </p:nvPicPr>
+        <p:blipFill>
+          <a:blip r:embed="rId9">
             <a:extLst>
               <a:ext uri="{28A0092B-C50C-407E-A947-70E740481C1C}">
                 <a14:useLocalDpi xmlns:a14="http://schemas.microsoft.com/office/drawing/2010/main" val="0"/>
@@ -9366,7 +9396,7 @@
         </p:blipFill>
         <p:spPr>
           <a:xfrm>
-            <a:off x="6682683" y="4760188"/>
+            <a:off x="7061596" y="4760188"/>
             <a:ext cx="5135719" cy="1784663"/>
           </a:xfrm>
           <a:prstGeom prst="rect">
